--- a/Resources/그림판.pptx
+++ b/Resources/그림판.pptx
@@ -18,7 +18,9 @@
     <p:sldId id="267" r:id="rId12"/>
     <p:sldId id="266" r:id="rId13"/>
     <p:sldId id="269" r:id="rId14"/>
-    <p:sldId id="268" r:id="rId15"/>
+    <p:sldId id="270" r:id="rId15"/>
+    <p:sldId id="271" r:id="rId16"/>
+    <p:sldId id="268" r:id="rId17"/>
   </p:sldIdLst>
   <p:sldSz cx="12192000" cy="6858000"/>
   <p:notesSz cx="6858000" cy="9144000"/>
@@ -272,7 +274,7 @@
           <a:p>
             <a:fld id="{D2046D81-BFF8-4449-968B-536CE4C16F6D}" type="datetimeFigureOut">
               <a:rPr lang="ko-KR" altLang="en-US" smtClean="0"/>
-              <a:t>2023-02-16</a:t>
+              <a:t>2023-02-21</a:t>
             </a:fld>
             <a:endParaRPr lang="ko-KR" altLang="en-US"/>
           </a:p>
@@ -470,7 +472,7 @@
           <a:p>
             <a:fld id="{D2046D81-BFF8-4449-968B-536CE4C16F6D}" type="datetimeFigureOut">
               <a:rPr lang="ko-KR" altLang="en-US" smtClean="0"/>
-              <a:t>2023-02-16</a:t>
+              <a:t>2023-02-21</a:t>
             </a:fld>
             <a:endParaRPr lang="ko-KR" altLang="en-US"/>
           </a:p>
@@ -678,7 +680,7 @@
           <a:p>
             <a:fld id="{D2046D81-BFF8-4449-968B-536CE4C16F6D}" type="datetimeFigureOut">
               <a:rPr lang="ko-KR" altLang="en-US" smtClean="0"/>
-              <a:t>2023-02-16</a:t>
+              <a:t>2023-02-21</a:t>
             </a:fld>
             <a:endParaRPr lang="ko-KR" altLang="en-US"/>
           </a:p>
@@ -876,7 +878,7 @@
           <a:p>
             <a:fld id="{D2046D81-BFF8-4449-968B-536CE4C16F6D}" type="datetimeFigureOut">
               <a:rPr lang="ko-KR" altLang="en-US" smtClean="0"/>
-              <a:t>2023-02-16</a:t>
+              <a:t>2023-02-21</a:t>
             </a:fld>
             <a:endParaRPr lang="ko-KR" altLang="en-US"/>
           </a:p>
@@ -1151,7 +1153,7 @@
           <a:p>
             <a:fld id="{D2046D81-BFF8-4449-968B-536CE4C16F6D}" type="datetimeFigureOut">
               <a:rPr lang="ko-KR" altLang="en-US" smtClean="0"/>
-              <a:t>2023-02-16</a:t>
+              <a:t>2023-02-21</a:t>
             </a:fld>
             <a:endParaRPr lang="ko-KR" altLang="en-US"/>
           </a:p>
@@ -1416,7 +1418,7 @@
           <a:p>
             <a:fld id="{D2046D81-BFF8-4449-968B-536CE4C16F6D}" type="datetimeFigureOut">
               <a:rPr lang="ko-KR" altLang="en-US" smtClean="0"/>
-              <a:t>2023-02-16</a:t>
+              <a:t>2023-02-21</a:t>
             </a:fld>
             <a:endParaRPr lang="ko-KR" altLang="en-US"/>
           </a:p>
@@ -1828,7 +1830,7 @@
           <a:p>
             <a:fld id="{D2046D81-BFF8-4449-968B-536CE4C16F6D}" type="datetimeFigureOut">
               <a:rPr lang="ko-KR" altLang="en-US" smtClean="0"/>
-              <a:t>2023-02-16</a:t>
+              <a:t>2023-02-21</a:t>
             </a:fld>
             <a:endParaRPr lang="ko-KR" altLang="en-US"/>
           </a:p>
@@ -1969,7 +1971,7 @@
           <a:p>
             <a:fld id="{D2046D81-BFF8-4449-968B-536CE4C16F6D}" type="datetimeFigureOut">
               <a:rPr lang="ko-KR" altLang="en-US" smtClean="0"/>
-              <a:t>2023-02-16</a:t>
+              <a:t>2023-02-21</a:t>
             </a:fld>
             <a:endParaRPr lang="ko-KR" altLang="en-US"/>
           </a:p>
@@ -2082,7 +2084,7 @@
           <a:p>
             <a:fld id="{D2046D81-BFF8-4449-968B-536CE4C16F6D}" type="datetimeFigureOut">
               <a:rPr lang="ko-KR" altLang="en-US" smtClean="0"/>
-              <a:t>2023-02-16</a:t>
+              <a:t>2023-02-21</a:t>
             </a:fld>
             <a:endParaRPr lang="ko-KR" altLang="en-US"/>
           </a:p>
@@ -2393,7 +2395,7 @@
           <a:p>
             <a:fld id="{D2046D81-BFF8-4449-968B-536CE4C16F6D}" type="datetimeFigureOut">
               <a:rPr lang="ko-KR" altLang="en-US" smtClean="0"/>
-              <a:t>2023-02-16</a:t>
+              <a:t>2023-02-21</a:t>
             </a:fld>
             <a:endParaRPr lang="ko-KR" altLang="en-US"/>
           </a:p>
@@ -2681,7 +2683,7 @@
           <a:p>
             <a:fld id="{D2046D81-BFF8-4449-968B-536CE4C16F6D}" type="datetimeFigureOut">
               <a:rPr lang="ko-KR" altLang="en-US" smtClean="0"/>
-              <a:t>2023-02-16</a:t>
+              <a:t>2023-02-21</a:t>
             </a:fld>
             <a:endParaRPr lang="ko-KR" altLang="en-US"/>
           </a:p>
@@ -2922,7 +2924,7 @@
           <a:p>
             <a:fld id="{D2046D81-BFF8-4449-968B-536CE4C16F6D}" type="datetimeFigureOut">
               <a:rPr lang="ko-KR" altLang="en-US" smtClean="0"/>
-              <a:t>2023-02-16</a:t>
+              <a:t>2023-02-21</a:t>
             </a:fld>
             <a:endParaRPr lang="ko-KR" altLang="en-US"/>
           </a:p>
@@ -11033,8 +11035,8 @@
           </a:prstGeom>
         </p:spPr>
       </p:pic>
-      <mc:AlternateContent xmlns:mc="http://schemas.openxmlformats.org/markup-compatibility/2006">
-        <mc:Choice xmlns:a14="http://schemas.microsoft.com/office/drawing/2010/main" Requires="a14">
+      <mc:AlternateContent xmlns:mc="http://schemas.openxmlformats.org/markup-compatibility/2006" xmlns:a14="http://schemas.microsoft.com/office/drawing/2010/main">
+        <mc:Choice Requires="a14">
           <p:sp>
             <p:nvSpPr>
               <p:cNvPr id="4" name="TextBox 3">
@@ -11084,7 +11086,7 @@
             </p:txBody>
           </p:sp>
         </mc:Choice>
-        <mc:Fallback>
+        <mc:Fallback xmlns="">
           <p:sp>
             <p:nvSpPr>
               <p:cNvPr id="4" name="TextBox 3">
@@ -11129,8 +11131,8 @@
           </p:sp>
         </mc:Fallback>
       </mc:AlternateContent>
-      <mc:AlternateContent xmlns:mc="http://schemas.openxmlformats.org/markup-compatibility/2006">
-        <mc:Choice xmlns:a14="http://schemas.microsoft.com/office/drawing/2010/main" Requires="a14">
+      <mc:AlternateContent xmlns:mc="http://schemas.openxmlformats.org/markup-compatibility/2006" xmlns:a14="http://schemas.microsoft.com/office/drawing/2010/main">
+        <mc:Choice Requires="a14">
           <p:sp>
             <p:nvSpPr>
               <p:cNvPr id="5" name="TextBox 4">
@@ -11180,7 +11182,7 @@
             </p:txBody>
           </p:sp>
         </mc:Choice>
-        <mc:Fallback>
+        <mc:Fallback xmlns="">
           <p:sp>
             <p:nvSpPr>
               <p:cNvPr id="5" name="TextBox 4">
@@ -11225,8 +11227,8 @@
           </p:sp>
         </mc:Fallback>
       </mc:AlternateContent>
-      <mc:AlternateContent xmlns:mc="http://schemas.openxmlformats.org/markup-compatibility/2006">
-        <mc:Choice xmlns:a14="http://schemas.microsoft.com/office/drawing/2010/main" Requires="a14">
+      <mc:AlternateContent xmlns:mc="http://schemas.openxmlformats.org/markup-compatibility/2006" xmlns:a14="http://schemas.microsoft.com/office/drawing/2010/main">
+        <mc:Choice Requires="a14">
           <p:sp>
             <p:nvSpPr>
               <p:cNvPr id="6" name="TextBox 5">
@@ -11276,7 +11278,7 @@
             </p:txBody>
           </p:sp>
         </mc:Choice>
-        <mc:Fallback>
+        <mc:Fallback xmlns="">
           <p:sp>
             <p:nvSpPr>
               <p:cNvPr id="6" name="TextBox 5">
@@ -11409,8 +11411,8 @@
           </a:fontRef>
         </p:style>
       </p:cxnSp>
-      <mc:AlternateContent xmlns:mc="http://schemas.openxmlformats.org/markup-compatibility/2006">
-        <mc:Choice xmlns:a14="http://schemas.microsoft.com/office/drawing/2010/main" Requires="a14">
+      <mc:AlternateContent xmlns:mc="http://schemas.openxmlformats.org/markup-compatibility/2006" xmlns:a14="http://schemas.microsoft.com/office/drawing/2010/main">
+        <mc:Choice Requires="a14">
           <p:sp>
             <p:nvSpPr>
               <p:cNvPr id="10" name="TextBox 9">
@@ -11460,7 +11462,7 @@
             </p:txBody>
           </p:sp>
         </mc:Choice>
-        <mc:Fallback>
+        <mc:Fallback xmlns="">
           <p:sp>
             <p:nvSpPr>
               <p:cNvPr id="10" name="TextBox 9">
@@ -11505,8 +11507,8 @@
           </p:sp>
         </mc:Fallback>
       </mc:AlternateContent>
-      <mc:AlternateContent xmlns:mc="http://schemas.openxmlformats.org/markup-compatibility/2006">
-        <mc:Choice xmlns:a14="http://schemas.microsoft.com/office/drawing/2010/main" Requires="a14">
+      <mc:AlternateContent xmlns:mc="http://schemas.openxmlformats.org/markup-compatibility/2006" xmlns:a14="http://schemas.microsoft.com/office/drawing/2010/main">
+        <mc:Choice Requires="a14">
           <p:sp>
             <p:nvSpPr>
               <p:cNvPr id="12" name="TextBox 11">
@@ -11556,7 +11558,7 @@
             </p:txBody>
           </p:sp>
         </mc:Choice>
-        <mc:Fallback>
+        <mc:Fallback xmlns="">
           <p:sp>
             <p:nvSpPr>
               <p:cNvPr id="12" name="TextBox 11">
@@ -11601,8 +11603,8 @@
           </p:sp>
         </mc:Fallback>
       </mc:AlternateContent>
-      <mc:AlternateContent xmlns:mc="http://schemas.openxmlformats.org/markup-compatibility/2006">
-        <mc:Choice xmlns:a14="http://schemas.microsoft.com/office/drawing/2010/main" Requires="a14">
+      <mc:AlternateContent xmlns:mc="http://schemas.openxmlformats.org/markup-compatibility/2006" xmlns:a14="http://schemas.microsoft.com/office/drawing/2010/main">
+        <mc:Choice Requires="a14">
           <p:sp>
             <p:nvSpPr>
               <p:cNvPr id="13" name="TextBox 12">
@@ -11652,7 +11654,7 @@
             </p:txBody>
           </p:sp>
         </mc:Choice>
-        <mc:Fallback>
+        <mc:Fallback xmlns="">
           <p:sp>
             <p:nvSpPr>
               <p:cNvPr id="13" name="TextBox 12">
@@ -11835,8 +11837,8 @@
           </a:fontRef>
         </p:style>
       </p:cxnSp>
-      <mc:AlternateContent xmlns:mc="http://schemas.openxmlformats.org/markup-compatibility/2006">
-        <mc:Choice xmlns:a14="http://schemas.microsoft.com/office/drawing/2010/main" Requires="a14">
+      <mc:AlternateContent xmlns:mc="http://schemas.openxmlformats.org/markup-compatibility/2006" xmlns:a14="http://schemas.microsoft.com/office/drawing/2010/main">
+        <mc:Choice Requires="a14">
           <p:sp>
             <p:nvSpPr>
               <p:cNvPr id="19" name="TextBox 18">
@@ -11886,7 +11888,7 @@
             </p:txBody>
           </p:sp>
         </mc:Choice>
-        <mc:Fallback>
+        <mc:Fallback xmlns="">
           <p:sp>
             <p:nvSpPr>
               <p:cNvPr id="19" name="TextBox 18">
@@ -11931,8 +11933,8 @@
           </p:sp>
         </mc:Fallback>
       </mc:AlternateContent>
-      <mc:AlternateContent xmlns:mc="http://schemas.openxmlformats.org/markup-compatibility/2006">
-        <mc:Choice xmlns:a14="http://schemas.microsoft.com/office/drawing/2010/main" Requires="a14">
+      <mc:AlternateContent xmlns:mc="http://schemas.openxmlformats.org/markup-compatibility/2006" xmlns:a14="http://schemas.microsoft.com/office/drawing/2010/main">
+        <mc:Choice Requires="a14">
           <p:sp>
             <p:nvSpPr>
               <p:cNvPr id="21" name="TextBox 20">
@@ -11982,7 +11984,7 @@
             </p:txBody>
           </p:sp>
         </mc:Choice>
-        <mc:Fallback>
+        <mc:Fallback xmlns="">
           <p:sp>
             <p:nvSpPr>
               <p:cNvPr id="21" name="TextBox 20">
@@ -12102,6 +12104,3960 @@
           </a:extLst>
         </p:spPr>
       </p:pic>
+    </p:spTree>
+    <p:extLst>
+      <p:ext uri="{BB962C8B-B14F-4D97-AF65-F5344CB8AC3E}">
+        <p14:creationId xmlns:p14="http://schemas.microsoft.com/office/powerpoint/2010/main" val="168553402"/>
+      </p:ext>
+    </p:extLst>
+  </p:cSld>
+  <p:clrMapOvr>
+    <a:masterClrMapping/>
+  </p:clrMapOvr>
+</p:sld>
+</file>
+
+<file path=ppt/slides/slide15.xml><?xml version="1.0" encoding="utf-8"?>
+<p:sld xmlns:a="http://schemas.openxmlformats.org/drawingml/2006/main" xmlns:r="http://schemas.openxmlformats.org/officeDocument/2006/relationships" xmlns:p="http://schemas.openxmlformats.org/presentationml/2006/main">
+  <p:cSld>
+    <p:spTree>
+      <p:nvGrpSpPr>
+        <p:cNvPr id="1" name=""/>
+        <p:cNvGrpSpPr/>
+        <p:nvPr/>
+      </p:nvGrpSpPr>
+      <p:grpSpPr>
+        <a:xfrm>
+          <a:off x="0" y="0"/>
+          <a:ext cx="0" cy="0"/>
+          <a:chOff x="0" y="0"/>
+          <a:chExt cx="0" cy="0"/>
+        </a:xfrm>
+      </p:grpSpPr>
+      <p:sp>
+        <p:nvSpPr>
+          <p:cNvPr id="26" name="직사각형 25">
+            <a:extLst>
+              <a:ext uri="{FF2B5EF4-FFF2-40B4-BE49-F238E27FC236}">
+                <a16:creationId xmlns:a16="http://schemas.microsoft.com/office/drawing/2014/main" id="{7FD4D76B-9ED5-4C57-91B7-4EAE1FA32EC9}"/>
+              </a:ext>
+            </a:extLst>
+          </p:cNvPr>
+          <p:cNvSpPr/>
+          <p:nvPr/>
+        </p:nvSpPr>
+        <p:spPr>
+          <a:xfrm>
+            <a:off x="-2604304" y="937549"/>
+            <a:ext cx="16758863" cy="5023413"/>
+          </a:xfrm>
+          <a:prstGeom prst="rect">
+            <a:avLst/>
+          </a:prstGeom>
+          <a:solidFill>
+            <a:schemeClr val="bg1"/>
+          </a:solidFill>
+        </p:spPr>
+        <p:style>
+          <a:lnRef idx="2">
+            <a:schemeClr val="accent1">
+              <a:shade val="50000"/>
+            </a:schemeClr>
+          </a:lnRef>
+          <a:fillRef idx="1">
+            <a:schemeClr val="accent1"/>
+          </a:fillRef>
+          <a:effectRef idx="0">
+            <a:schemeClr val="accent1"/>
+          </a:effectRef>
+          <a:fontRef idx="minor">
+            <a:schemeClr val="lt1"/>
+          </a:fontRef>
+        </p:style>
+        <p:txBody>
+          <a:bodyPr rtlCol="0" anchor="ctr"/>
+          <a:lstStyle/>
+          <a:p>
+            <a:pPr algn="ctr"/>
+            <a:endParaRPr lang="ko-KR" altLang="en-US"/>
+          </a:p>
+        </p:txBody>
+      </p:sp>
+      <p:pic>
+        <p:nvPicPr>
+          <p:cNvPr id="3" name="그림 2">
+            <a:extLst>
+              <a:ext uri="{FF2B5EF4-FFF2-40B4-BE49-F238E27FC236}">
+                <a16:creationId xmlns:a16="http://schemas.microsoft.com/office/drawing/2014/main" id="{214DD516-E895-414A-9963-0959BA7933EF}"/>
+              </a:ext>
+            </a:extLst>
+          </p:cNvPr>
+          <p:cNvPicPr>
+            <a:picLocks noChangeAspect="1"/>
+          </p:cNvPicPr>
+          <p:nvPr/>
+        </p:nvPicPr>
+        <p:blipFill>
+          <a:blip r:embed="rId2"/>
+          <a:stretch>
+            <a:fillRect/>
+          </a:stretch>
+        </p:blipFill>
+        <p:spPr>
+          <a:xfrm>
+            <a:off x="-2442961" y="1143000"/>
+            <a:ext cx="4016374" cy="4572000"/>
+          </a:xfrm>
+          <a:prstGeom prst="rect">
+            <a:avLst/>
+          </a:prstGeom>
+        </p:spPr>
+      </p:pic>
+      <mc:AlternateContent xmlns:mc="http://schemas.openxmlformats.org/markup-compatibility/2006">
+        <mc:Choice xmlns:a14="http://schemas.microsoft.com/office/drawing/2010/main" Requires="a14">
+          <p:sp>
+            <p:nvSpPr>
+              <p:cNvPr id="5" name="TextBox 4">
+                <a:extLst>
+                  <a:ext uri="{FF2B5EF4-FFF2-40B4-BE49-F238E27FC236}">
+                    <a16:creationId xmlns:a16="http://schemas.microsoft.com/office/drawing/2014/main" id="{399150E7-52F2-44CE-A245-5E7C6A90ABD6}"/>
+                  </a:ext>
+                </a:extLst>
+              </p:cNvPr>
+              <p:cNvSpPr txBox="1"/>
+              <p:nvPr/>
+            </p:nvSpPr>
+            <p:spPr>
+              <a:xfrm>
+                <a:off x="-911878" y="3439027"/>
+                <a:ext cx="622738" cy="369332"/>
+              </a:xfrm>
+              <a:prstGeom prst="rect">
+                <a:avLst/>
+              </a:prstGeom>
+              <a:noFill/>
+            </p:spPr>
+            <p:txBody>
+              <a:bodyPr wrap="square" rtlCol="0">
+                <a:spAutoFit/>
+              </a:bodyPr>
+              <a:lstStyle/>
+              <a:p>
+                <a:pPr/>
+                <a14:m>
+                  <m:oMathPara xmlns:m="http://schemas.openxmlformats.org/officeDocument/2006/math">
+                    <m:oMathParaPr>
+                      <m:jc m:val="centerGroup"/>
+                    </m:oMathParaPr>
+                    <m:oMath xmlns:m="http://schemas.openxmlformats.org/officeDocument/2006/math">
+                      <m:r>
+                        <a:rPr lang="en-US" altLang="ko-KR" b="0" i="1" smtClean="0">
+                          <a:latin typeface="Cambria Math" panose="02040503050406030204" pitchFamily="18" charset="0"/>
+                        </a:rPr>
+                        <m:t>𝑂</m:t>
+                      </m:r>
+                    </m:oMath>
+                  </m:oMathPara>
+                </a14:m>
+                <a:endParaRPr lang="ko-KR" altLang="en-US" dirty="0"/>
+              </a:p>
+            </p:txBody>
+          </p:sp>
+        </mc:Choice>
+        <mc:Fallback>
+          <p:sp>
+            <p:nvSpPr>
+              <p:cNvPr id="5" name="TextBox 4">
+                <a:extLst>
+                  <a:ext uri="{FF2B5EF4-FFF2-40B4-BE49-F238E27FC236}">
+                    <a16:creationId xmlns:a16="http://schemas.microsoft.com/office/drawing/2014/main" id="{399150E7-52F2-44CE-A245-5E7C6A90ABD6}"/>
+                  </a:ext>
+                </a:extLst>
+              </p:cNvPr>
+              <p:cNvSpPr txBox="1">
+                <a:spLocks noRot="1" noChangeAspect="1" noMove="1" noResize="1" noEditPoints="1" noAdjustHandles="1" noChangeArrowheads="1" noChangeShapeType="1" noTextEdit="1"/>
+              </p:cNvSpPr>
+              <p:nvPr/>
+            </p:nvSpPr>
+            <p:spPr>
+              <a:xfrm>
+                <a:off x="-911878" y="3439027"/>
+                <a:ext cx="622738" cy="369332"/>
+              </a:xfrm>
+              <a:prstGeom prst="rect">
+                <a:avLst/>
+              </a:prstGeom>
+              <a:blipFill>
+                <a:blip r:embed="rId3"/>
+                <a:stretch>
+                  <a:fillRect/>
+                </a:stretch>
+              </a:blipFill>
+            </p:spPr>
+            <p:txBody>
+              <a:bodyPr/>
+              <a:lstStyle/>
+              <a:p>
+                <a:r>
+                  <a:rPr lang="ko-KR" altLang="en-US">
+                    <a:noFill/>
+                  </a:rPr>
+                  <a:t> </a:t>
+                </a:r>
+              </a:p>
+            </p:txBody>
+          </p:sp>
+        </mc:Fallback>
+      </mc:AlternateContent>
+      <mc:AlternateContent xmlns:mc="http://schemas.openxmlformats.org/markup-compatibility/2006">
+        <mc:Choice xmlns:a14="http://schemas.microsoft.com/office/drawing/2010/main" Requires="a14">
+          <p:sp>
+            <p:nvSpPr>
+              <p:cNvPr id="6" name="TextBox 5">
+                <a:extLst>
+                  <a:ext uri="{FF2B5EF4-FFF2-40B4-BE49-F238E27FC236}">
+                    <a16:creationId xmlns:a16="http://schemas.microsoft.com/office/drawing/2014/main" id="{CDD7B929-619A-4731-86FC-D97294C08AB1}"/>
+                  </a:ext>
+                </a:extLst>
+              </p:cNvPr>
+              <p:cNvSpPr txBox="1"/>
+              <p:nvPr/>
+            </p:nvSpPr>
+            <p:spPr>
+              <a:xfrm>
+                <a:off x="1171023" y="3429000"/>
+                <a:ext cx="622738" cy="369332"/>
+              </a:xfrm>
+              <a:prstGeom prst="rect">
+                <a:avLst/>
+              </a:prstGeom>
+              <a:noFill/>
+            </p:spPr>
+            <p:txBody>
+              <a:bodyPr wrap="square" rtlCol="0">
+                <a:spAutoFit/>
+              </a:bodyPr>
+              <a:lstStyle/>
+              <a:p>
+                <a:pPr/>
+                <a14:m>
+                  <m:oMathPara xmlns:m="http://schemas.openxmlformats.org/officeDocument/2006/math">
+                    <m:oMathParaPr>
+                      <m:jc m:val="centerGroup"/>
+                    </m:oMathParaPr>
+                    <m:oMath xmlns:m="http://schemas.openxmlformats.org/officeDocument/2006/math">
+                      <m:r>
+                        <a:rPr lang="en-US" altLang="ko-KR" b="0" i="1" smtClean="0">
+                          <a:latin typeface="Cambria Math" panose="02040503050406030204" pitchFamily="18" charset="0"/>
+                        </a:rPr>
+                        <m:t>𝑥</m:t>
+                      </m:r>
+                    </m:oMath>
+                  </m:oMathPara>
+                </a14:m>
+                <a:endParaRPr lang="ko-KR" altLang="en-US" dirty="0"/>
+              </a:p>
+            </p:txBody>
+          </p:sp>
+        </mc:Choice>
+        <mc:Fallback>
+          <p:sp>
+            <p:nvSpPr>
+              <p:cNvPr id="6" name="TextBox 5">
+                <a:extLst>
+                  <a:ext uri="{FF2B5EF4-FFF2-40B4-BE49-F238E27FC236}">
+                    <a16:creationId xmlns:a16="http://schemas.microsoft.com/office/drawing/2014/main" id="{CDD7B929-619A-4731-86FC-D97294C08AB1}"/>
+                  </a:ext>
+                </a:extLst>
+              </p:cNvPr>
+              <p:cNvSpPr txBox="1">
+                <a:spLocks noRot="1" noChangeAspect="1" noMove="1" noResize="1" noEditPoints="1" noAdjustHandles="1" noChangeArrowheads="1" noChangeShapeType="1" noTextEdit="1"/>
+              </p:cNvSpPr>
+              <p:nvPr/>
+            </p:nvSpPr>
+            <p:spPr>
+              <a:xfrm>
+                <a:off x="1171023" y="3429000"/>
+                <a:ext cx="622738" cy="369332"/>
+              </a:xfrm>
+              <a:prstGeom prst="rect">
+                <a:avLst/>
+              </a:prstGeom>
+              <a:blipFill>
+                <a:blip r:embed="rId4"/>
+                <a:stretch>
+                  <a:fillRect/>
+                </a:stretch>
+              </a:blipFill>
+            </p:spPr>
+            <p:txBody>
+              <a:bodyPr/>
+              <a:lstStyle/>
+              <a:p>
+                <a:r>
+                  <a:rPr lang="ko-KR" altLang="en-US">
+                    <a:noFill/>
+                  </a:rPr>
+                  <a:t> </a:t>
+                </a:r>
+              </a:p>
+            </p:txBody>
+          </p:sp>
+        </mc:Fallback>
+      </mc:AlternateContent>
+      <mc:AlternateContent xmlns:mc="http://schemas.openxmlformats.org/markup-compatibility/2006">
+        <mc:Choice xmlns:a14="http://schemas.microsoft.com/office/drawing/2010/main" Requires="a14">
+          <p:sp>
+            <p:nvSpPr>
+              <p:cNvPr id="7" name="TextBox 6">
+                <a:extLst>
+                  <a:ext uri="{FF2B5EF4-FFF2-40B4-BE49-F238E27FC236}">
+                    <a16:creationId xmlns:a16="http://schemas.microsoft.com/office/drawing/2014/main" id="{3579F2AB-EDA7-4E15-A015-3031767F5DE6}"/>
+                  </a:ext>
+                </a:extLst>
+              </p:cNvPr>
+              <p:cNvSpPr txBox="1"/>
+              <p:nvPr/>
+            </p:nvSpPr>
+            <p:spPr>
+              <a:xfrm>
+                <a:off x="-911878" y="998929"/>
+                <a:ext cx="622738" cy="369332"/>
+              </a:xfrm>
+              <a:prstGeom prst="rect">
+                <a:avLst/>
+              </a:prstGeom>
+              <a:noFill/>
+            </p:spPr>
+            <p:txBody>
+              <a:bodyPr wrap="square" rtlCol="0">
+                <a:spAutoFit/>
+              </a:bodyPr>
+              <a:lstStyle/>
+              <a:p>
+                <a:pPr/>
+                <a14:m>
+                  <m:oMathPara xmlns:m="http://schemas.openxmlformats.org/officeDocument/2006/math">
+                    <m:oMathParaPr>
+                      <m:jc m:val="centerGroup"/>
+                    </m:oMathParaPr>
+                    <m:oMath xmlns:m="http://schemas.openxmlformats.org/officeDocument/2006/math">
+                      <m:r>
+                        <a:rPr lang="en-US" altLang="ko-KR" b="0" i="1" smtClean="0">
+                          <a:latin typeface="Cambria Math" panose="02040503050406030204" pitchFamily="18" charset="0"/>
+                        </a:rPr>
+                        <m:t>𝑦</m:t>
+                      </m:r>
+                    </m:oMath>
+                  </m:oMathPara>
+                </a14:m>
+                <a:endParaRPr lang="ko-KR" altLang="en-US" dirty="0"/>
+              </a:p>
+            </p:txBody>
+          </p:sp>
+        </mc:Choice>
+        <mc:Fallback>
+          <p:sp>
+            <p:nvSpPr>
+              <p:cNvPr id="7" name="TextBox 6">
+                <a:extLst>
+                  <a:ext uri="{FF2B5EF4-FFF2-40B4-BE49-F238E27FC236}">
+                    <a16:creationId xmlns:a16="http://schemas.microsoft.com/office/drawing/2014/main" id="{3579F2AB-EDA7-4E15-A015-3031767F5DE6}"/>
+                  </a:ext>
+                </a:extLst>
+              </p:cNvPr>
+              <p:cNvSpPr txBox="1">
+                <a:spLocks noRot="1" noChangeAspect="1" noMove="1" noResize="1" noEditPoints="1" noAdjustHandles="1" noChangeArrowheads="1" noChangeShapeType="1" noTextEdit="1"/>
+              </p:cNvSpPr>
+              <p:nvPr/>
+            </p:nvSpPr>
+            <p:spPr>
+              <a:xfrm>
+                <a:off x="-911878" y="998929"/>
+                <a:ext cx="622738" cy="369332"/>
+              </a:xfrm>
+              <a:prstGeom prst="rect">
+                <a:avLst/>
+              </a:prstGeom>
+              <a:blipFill>
+                <a:blip r:embed="rId5"/>
+                <a:stretch>
+                  <a:fillRect b="-10000"/>
+                </a:stretch>
+              </a:blipFill>
+            </p:spPr>
+            <p:txBody>
+              <a:bodyPr/>
+              <a:lstStyle/>
+              <a:p>
+                <a:r>
+                  <a:rPr lang="ko-KR" altLang="en-US">
+                    <a:noFill/>
+                  </a:rPr>
+                  <a:t> </a:t>
+                </a:r>
+              </a:p>
+            </p:txBody>
+          </p:sp>
+        </mc:Fallback>
+      </mc:AlternateContent>
+      <mc:AlternateContent xmlns:mc="http://schemas.openxmlformats.org/markup-compatibility/2006">
+        <mc:Choice xmlns:a14="http://schemas.microsoft.com/office/drawing/2010/main" Requires="a14">
+          <p:sp>
+            <p:nvSpPr>
+              <p:cNvPr id="8" name="TextBox 7">
+                <a:extLst>
+                  <a:ext uri="{FF2B5EF4-FFF2-40B4-BE49-F238E27FC236}">
+                    <a16:creationId xmlns:a16="http://schemas.microsoft.com/office/drawing/2014/main" id="{4165D3DB-6E81-48D7-AD70-01F415B972CB}"/>
+                  </a:ext>
+                </a:extLst>
+              </p:cNvPr>
+              <p:cNvSpPr txBox="1"/>
+              <p:nvPr/>
+            </p:nvSpPr>
+            <p:spPr>
+              <a:xfrm>
+                <a:off x="173972" y="2004769"/>
+                <a:ext cx="1300064" cy="369332"/>
+              </a:xfrm>
+              <a:prstGeom prst="rect">
+                <a:avLst/>
+              </a:prstGeom>
+              <a:noFill/>
+            </p:spPr>
+            <p:txBody>
+              <a:bodyPr wrap="square" rtlCol="0">
+                <a:spAutoFit/>
+              </a:bodyPr>
+              <a:lstStyle/>
+              <a:p>
+                <a:pPr/>
+                <a14:m>
+                  <m:oMathPara xmlns:m="http://schemas.openxmlformats.org/officeDocument/2006/math">
+                    <m:oMathParaPr>
+                      <m:jc m:val="centerGroup"/>
+                    </m:oMathParaPr>
+                    <m:oMath xmlns:m="http://schemas.openxmlformats.org/officeDocument/2006/math">
+                      <m:r>
+                        <a:rPr lang="en-US" altLang="ko-KR" b="0" i="1" smtClean="0">
+                          <a:latin typeface="Cambria Math" panose="02040503050406030204" pitchFamily="18" charset="0"/>
+                        </a:rPr>
+                        <m:t>𝑦</m:t>
+                      </m:r>
+                      <m:r>
+                        <a:rPr lang="en-US" altLang="ko-KR" b="0" i="1" smtClean="0">
+                          <a:latin typeface="Cambria Math" panose="02040503050406030204" pitchFamily="18" charset="0"/>
+                        </a:rPr>
+                        <m:t>=</m:t>
+                      </m:r>
+                      <m:sSup>
+                        <m:sSupPr>
+                          <m:ctrlPr>
+                            <a:rPr lang="en-US" altLang="ko-KR" b="0" i="1" smtClean="0">
+                              <a:latin typeface="Cambria Math" panose="02040503050406030204" pitchFamily="18" charset="0"/>
+                            </a:rPr>
+                          </m:ctrlPr>
+                        </m:sSupPr>
+                        <m:e>
+                          <m:r>
+                            <a:rPr lang="en-US" altLang="ko-KR" b="0" i="1" smtClean="0">
+                              <a:latin typeface="Cambria Math" panose="02040503050406030204" pitchFamily="18" charset="0"/>
+                            </a:rPr>
+                            <m:t>𝑥</m:t>
+                          </m:r>
+                        </m:e>
+                        <m:sup>
+                          <m:r>
+                            <a:rPr lang="en-US" altLang="ko-KR" b="0" i="1" smtClean="0">
+                              <a:latin typeface="Cambria Math" panose="02040503050406030204" pitchFamily="18" charset="0"/>
+                            </a:rPr>
+                            <m:t>2</m:t>
+                          </m:r>
+                        </m:sup>
+                      </m:sSup>
+                      <m:r>
+                        <a:rPr lang="en-US" altLang="ko-KR" b="0" i="1" smtClean="0">
+                          <a:latin typeface="Cambria Math" panose="02040503050406030204" pitchFamily="18" charset="0"/>
+                        </a:rPr>
+                        <m:t>+</m:t>
+                      </m:r>
+                      <m:r>
+                        <a:rPr lang="en-US" altLang="ko-KR" b="0" i="1" smtClean="0">
+                          <a:latin typeface="Cambria Math" panose="02040503050406030204" pitchFamily="18" charset="0"/>
+                        </a:rPr>
+                        <m:t>𝑐</m:t>
+                      </m:r>
+                    </m:oMath>
+                  </m:oMathPara>
+                </a14:m>
+                <a:endParaRPr lang="ko-KR" altLang="en-US" dirty="0"/>
+              </a:p>
+            </p:txBody>
+          </p:sp>
+        </mc:Choice>
+        <mc:Fallback>
+          <p:sp>
+            <p:nvSpPr>
+              <p:cNvPr id="8" name="TextBox 7">
+                <a:extLst>
+                  <a:ext uri="{FF2B5EF4-FFF2-40B4-BE49-F238E27FC236}">
+                    <a16:creationId xmlns:a16="http://schemas.microsoft.com/office/drawing/2014/main" id="{4165D3DB-6E81-48D7-AD70-01F415B972CB}"/>
+                  </a:ext>
+                </a:extLst>
+              </p:cNvPr>
+              <p:cNvSpPr txBox="1">
+                <a:spLocks noRot="1" noChangeAspect="1" noMove="1" noResize="1" noEditPoints="1" noAdjustHandles="1" noChangeArrowheads="1" noChangeShapeType="1" noTextEdit="1"/>
+              </p:cNvSpPr>
+              <p:nvPr/>
+            </p:nvSpPr>
+            <p:spPr>
+              <a:xfrm>
+                <a:off x="173972" y="2004769"/>
+                <a:ext cx="1300064" cy="369332"/>
+              </a:xfrm>
+              <a:prstGeom prst="rect">
+                <a:avLst/>
+              </a:prstGeom>
+              <a:blipFill>
+                <a:blip r:embed="rId6"/>
+                <a:stretch>
+                  <a:fillRect b="-10000"/>
+                </a:stretch>
+              </a:blipFill>
+            </p:spPr>
+            <p:txBody>
+              <a:bodyPr/>
+              <a:lstStyle/>
+              <a:p>
+                <a:r>
+                  <a:rPr lang="ko-KR" altLang="en-US">
+                    <a:noFill/>
+                  </a:rPr>
+                  <a:t> </a:t>
+                </a:r>
+              </a:p>
+            </p:txBody>
+          </p:sp>
+        </mc:Fallback>
+      </mc:AlternateContent>
+      <p:cxnSp>
+        <p:nvCxnSpPr>
+          <p:cNvPr id="9" name="직선 화살표 연결선 8">
+            <a:extLst>
+              <a:ext uri="{FF2B5EF4-FFF2-40B4-BE49-F238E27FC236}">
+                <a16:creationId xmlns:a16="http://schemas.microsoft.com/office/drawing/2014/main" id="{9720794B-DAE4-4296-8B01-26A94E65D443}"/>
+              </a:ext>
+            </a:extLst>
+          </p:cNvPr>
+          <p:cNvCxnSpPr/>
+          <p:nvPr/>
+        </p:nvCxnSpPr>
+        <p:spPr>
+          <a:xfrm>
+            <a:off x="-450014" y="2506980"/>
+            <a:ext cx="0" cy="1767840"/>
+          </a:xfrm>
+          <a:prstGeom prst="straightConnector1">
+            <a:avLst/>
+          </a:prstGeom>
+          <a:ln w="38100">
+            <a:solidFill>
+              <a:srgbClr val="FF0000"/>
+            </a:solidFill>
+            <a:headEnd type="triangle"/>
+            <a:tailEnd type="triangle"/>
+          </a:ln>
+        </p:spPr>
+        <p:style>
+          <a:lnRef idx="1">
+            <a:schemeClr val="accent1"/>
+          </a:lnRef>
+          <a:fillRef idx="0">
+            <a:schemeClr val="accent1"/>
+          </a:fillRef>
+          <a:effectRef idx="0">
+            <a:schemeClr val="accent1"/>
+          </a:effectRef>
+          <a:fontRef idx="minor">
+            <a:schemeClr val="tx1"/>
+          </a:fontRef>
+        </p:style>
+      </p:cxnSp>
+      <p:pic>
+        <p:nvPicPr>
+          <p:cNvPr id="11" name="그림 10">
+            <a:extLst>
+              <a:ext uri="{FF2B5EF4-FFF2-40B4-BE49-F238E27FC236}">
+                <a16:creationId xmlns:a16="http://schemas.microsoft.com/office/drawing/2014/main" id="{AAA64B4B-22DE-48FA-86A2-F5D29FEA028F}"/>
+              </a:ext>
+            </a:extLst>
+          </p:cNvPr>
+          <p:cNvPicPr>
+            <a:picLocks noChangeAspect="1"/>
+          </p:cNvPicPr>
+          <p:nvPr/>
+        </p:nvPicPr>
+        <p:blipFill>
+          <a:blip r:embed="rId2"/>
+          <a:stretch>
+            <a:fillRect/>
+          </a:stretch>
+        </p:blipFill>
+        <p:spPr>
+          <a:xfrm>
+            <a:off x="1703807" y="1143000"/>
+            <a:ext cx="4016374" cy="4572000"/>
+          </a:xfrm>
+          <a:prstGeom prst="rect">
+            <a:avLst/>
+          </a:prstGeom>
+        </p:spPr>
+      </p:pic>
+      <mc:AlternateContent xmlns:mc="http://schemas.openxmlformats.org/markup-compatibility/2006">
+        <mc:Choice xmlns:a14="http://schemas.microsoft.com/office/drawing/2010/main" Requires="a14">
+          <p:sp>
+            <p:nvSpPr>
+              <p:cNvPr id="12" name="TextBox 11">
+                <a:extLst>
+                  <a:ext uri="{FF2B5EF4-FFF2-40B4-BE49-F238E27FC236}">
+                    <a16:creationId xmlns:a16="http://schemas.microsoft.com/office/drawing/2014/main" id="{08092FA1-3374-4ED3-B9F4-25B1EB60894C}"/>
+                  </a:ext>
+                </a:extLst>
+              </p:cNvPr>
+              <p:cNvSpPr txBox="1"/>
+              <p:nvPr/>
+            </p:nvSpPr>
+            <p:spPr>
+              <a:xfrm>
+                <a:off x="3234890" y="3439027"/>
+                <a:ext cx="622738" cy="369332"/>
+              </a:xfrm>
+              <a:prstGeom prst="rect">
+                <a:avLst/>
+              </a:prstGeom>
+              <a:noFill/>
+            </p:spPr>
+            <p:txBody>
+              <a:bodyPr wrap="square" rtlCol="0">
+                <a:spAutoFit/>
+              </a:bodyPr>
+              <a:lstStyle/>
+              <a:p>
+                <a:pPr/>
+                <a14:m>
+                  <m:oMathPara xmlns:m="http://schemas.openxmlformats.org/officeDocument/2006/math">
+                    <m:oMathParaPr>
+                      <m:jc m:val="centerGroup"/>
+                    </m:oMathParaPr>
+                    <m:oMath xmlns:m="http://schemas.openxmlformats.org/officeDocument/2006/math">
+                      <m:r>
+                        <a:rPr lang="en-US" altLang="ko-KR" b="0" i="1" smtClean="0">
+                          <a:latin typeface="Cambria Math" panose="02040503050406030204" pitchFamily="18" charset="0"/>
+                        </a:rPr>
+                        <m:t>𝑂</m:t>
+                      </m:r>
+                    </m:oMath>
+                  </m:oMathPara>
+                </a14:m>
+                <a:endParaRPr lang="ko-KR" altLang="en-US" dirty="0"/>
+              </a:p>
+            </p:txBody>
+          </p:sp>
+        </mc:Choice>
+        <mc:Fallback>
+          <p:sp>
+            <p:nvSpPr>
+              <p:cNvPr id="12" name="TextBox 11">
+                <a:extLst>
+                  <a:ext uri="{FF2B5EF4-FFF2-40B4-BE49-F238E27FC236}">
+                    <a16:creationId xmlns:a16="http://schemas.microsoft.com/office/drawing/2014/main" id="{08092FA1-3374-4ED3-B9F4-25B1EB60894C}"/>
+                  </a:ext>
+                </a:extLst>
+              </p:cNvPr>
+              <p:cNvSpPr txBox="1">
+                <a:spLocks noRot="1" noChangeAspect="1" noMove="1" noResize="1" noEditPoints="1" noAdjustHandles="1" noChangeArrowheads="1" noChangeShapeType="1" noTextEdit="1"/>
+              </p:cNvSpPr>
+              <p:nvPr/>
+            </p:nvSpPr>
+            <p:spPr>
+              <a:xfrm>
+                <a:off x="3234890" y="3439027"/>
+                <a:ext cx="622738" cy="369332"/>
+              </a:xfrm>
+              <a:prstGeom prst="rect">
+                <a:avLst/>
+              </a:prstGeom>
+              <a:blipFill>
+                <a:blip r:embed="rId7"/>
+                <a:stretch>
+                  <a:fillRect/>
+                </a:stretch>
+              </a:blipFill>
+            </p:spPr>
+            <p:txBody>
+              <a:bodyPr/>
+              <a:lstStyle/>
+              <a:p>
+                <a:r>
+                  <a:rPr lang="ko-KR" altLang="en-US">
+                    <a:noFill/>
+                  </a:rPr>
+                  <a:t> </a:t>
+                </a:r>
+              </a:p>
+            </p:txBody>
+          </p:sp>
+        </mc:Fallback>
+      </mc:AlternateContent>
+      <mc:AlternateContent xmlns:mc="http://schemas.openxmlformats.org/markup-compatibility/2006">
+        <mc:Choice xmlns:a14="http://schemas.microsoft.com/office/drawing/2010/main" Requires="a14">
+          <p:sp>
+            <p:nvSpPr>
+              <p:cNvPr id="13" name="TextBox 12">
+                <a:extLst>
+                  <a:ext uri="{FF2B5EF4-FFF2-40B4-BE49-F238E27FC236}">
+                    <a16:creationId xmlns:a16="http://schemas.microsoft.com/office/drawing/2014/main" id="{ECCF2A1C-53F8-4F17-A5C5-448DED96BA2E}"/>
+                  </a:ext>
+                </a:extLst>
+              </p:cNvPr>
+              <p:cNvSpPr txBox="1"/>
+              <p:nvPr/>
+            </p:nvSpPr>
+            <p:spPr>
+              <a:xfrm>
+                <a:off x="5317791" y="3429000"/>
+                <a:ext cx="622738" cy="369332"/>
+              </a:xfrm>
+              <a:prstGeom prst="rect">
+                <a:avLst/>
+              </a:prstGeom>
+              <a:noFill/>
+            </p:spPr>
+            <p:txBody>
+              <a:bodyPr wrap="square" rtlCol="0">
+                <a:spAutoFit/>
+              </a:bodyPr>
+              <a:lstStyle/>
+              <a:p>
+                <a:pPr/>
+                <a14:m>
+                  <m:oMathPara xmlns:m="http://schemas.openxmlformats.org/officeDocument/2006/math">
+                    <m:oMathParaPr>
+                      <m:jc m:val="centerGroup"/>
+                    </m:oMathParaPr>
+                    <m:oMath xmlns:m="http://schemas.openxmlformats.org/officeDocument/2006/math">
+                      <m:r>
+                        <a:rPr lang="en-US" altLang="ko-KR" b="0" i="1" smtClean="0">
+                          <a:latin typeface="Cambria Math" panose="02040503050406030204" pitchFamily="18" charset="0"/>
+                        </a:rPr>
+                        <m:t>𝑥</m:t>
+                      </m:r>
+                    </m:oMath>
+                  </m:oMathPara>
+                </a14:m>
+                <a:endParaRPr lang="ko-KR" altLang="en-US" dirty="0"/>
+              </a:p>
+            </p:txBody>
+          </p:sp>
+        </mc:Choice>
+        <mc:Fallback>
+          <p:sp>
+            <p:nvSpPr>
+              <p:cNvPr id="13" name="TextBox 12">
+                <a:extLst>
+                  <a:ext uri="{FF2B5EF4-FFF2-40B4-BE49-F238E27FC236}">
+                    <a16:creationId xmlns:a16="http://schemas.microsoft.com/office/drawing/2014/main" id="{ECCF2A1C-53F8-4F17-A5C5-448DED96BA2E}"/>
+                  </a:ext>
+                </a:extLst>
+              </p:cNvPr>
+              <p:cNvSpPr txBox="1">
+                <a:spLocks noRot="1" noChangeAspect="1" noMove="1" noResize="1" noEditPoints="1" noAdjustHandles="1" noChangeArrowheads="1" noChangeShapeType="1" noTextEdit="1"/>
+              </p:cNvSpPr>
+              <p:nvPr/>
+            </p:nvSpPr>
+            <p:spPr>
+              <a:xfrm>
+                <a:off x="5317791" y="3429000"/>
+                <a:ext cx="622738" cy="369332"/>
+              </a:xfrm>
+              <a:prstGeom prst="rect">
+                <a:avLst/>
+              </a:prstGeom>
+              <a:blipFill>
+                <a:blip r:embed="rId8"/>
+                <a:stretch>
+                  <a:fillRect/>
+                </a:stretch>
+              </a:blipFill>
+            </p:spPr>
+            <p:txBody>
+              <a:bodyPr/>
+              <a:lstStyle/>
+              <a:p>
+                <a:r>
+                  <a:rPr lang="ko-KR" altLang="en-US">
+                    <a:noFill/>
+                  </a:rPr>
+                  <a:t> </a:t>
+                </a:r>
+              </a:p>
+            </p:txBody>
+          </p:sp>
+        </mc:Fallback>
+      </mc:AlternateContent>
+      <mc:AlternateContent xmlns:mc="http://schemas.openxmlformats.org/markup-compatibility/2006">
+        <mc:Choice xmlns:a14="http://schemas.microsoft.com/office/drawing/2010/main" Requires="a14">
+          <p:sp>
+            <p:nvSpPr>
+              <p:cNvPr id="14" name="TextBox 13">
+                <a:extLst>
+                  <a:ext uri="{FF2B5EF4-FFF2-40B4-BE49-F238E27FC236}">
+                    <a16:creationId xmlns:a16="http://schemas.microsoft.com/office/drawing/2014/main" id="{F5D399DD-6EF2-4636-84BB-E99EEE923B68}"/>
+                  </a:ext>
+                </a:extLst>
+              </p:cNvPr>
+              <p:cNvSpPr txBox="1"/>
+              <p:nvPr/>
+            </p:nvSpPr>
+            <p:spPr>
+              <a:xfrm>
+                <a:off x="3234890" y="998929"/>
+                <a:ext cx="622738" cy="369332"/>
+              </a:xfrm>
+              <a:prstGeom prst="rect">
+                <a:avLst/>
+              </a:prstGeom>
+              <a:noFill/>
+            </p:spPr>
+            <p:txBody>
+              <a:bodyPr wrap="square" rtlCol="0">
+                <a:spAutoFit/>
+              </a:bodyPr>
+              <a:lstStyle/>
+              <a:p>
+                <a:pPr/>
+                <a14:m>
+                  <m:oMathPara xmlns:m="http://schemas.openxmlformats.org/officeDocument/2006/math">
+                    <m:oMathParaPr>
+                      <m:jc m:val="centerGroup"/>
+                    </m:oMathParaPr>
+                    <m:oMath xmlns:m="http://schemas.openxmlformats.org/officeDocument/2006/math">
+                      <m:r>
+                        <a:rPr lang="en-US" altLang="ko-KR" b="0" i="1" smtClean="0">
+                          <a:latin typeface="Cambria Math" panose="02040503050406030204" pitchFamily="18" charset="0"/>
+                        </a:rPr>
+                        <m:t>𝑦</m:t>
+                      </m:r>
+                    </m:oMath>
+                  </m:oMathPara>
+                </a14:m>
+                <a:endParaRPr lang="ko-KR" altLang="en-US" dirty="0"/>
+              </a:p>
+            </p:txBody>
+          </p:sp>
+        </mc:Choice>
+        <mc:Fallback>
+          <p:sp>
+            <p:nvSpPr>
+              <p:cNvPr id="14" name="TextBox 13">
+                <a:extLst>
+                  <a:ext uri="{FF2B5EF4-FFF2-40B4-BE49-F238E27FC236}">
+                    <a16:creationId xmlns:a16="http://schemas.microsoft.com/office/drawing/2014/main" id="{F5D399DD-6EF2-4636-84BB-E99EEE923B68}"/>
+                  </a:ext>
+                </a:extLst>
+              </p:cNvPr>
+              <p:cNvSpPr txBox="1">
+                <a:spLocks noRot="1" noChangeAspect="1" noMove="1" noResize="1" noEditPoints="1" noAdjustHandles="1" noChangeArrowheads="1" noChangeShapeType="1" noTextEdit="1"/>
+              </p:cNvSpPr>
+              <p:nvPr/>
+            </p:nvSpPr>
+            <p:spPr>
+              <a:xfrm>
+                <a:off x="3234890" y="998929"/>
+                <a:ext cx="622738" cy="369332"/>
+              </a:xfrm>
+              <a:prstGeom prst="rect">
+                <a:avLst/>
+              </a:prstGeom>
+              <a:blipFill>
+                <a:blip r:embed="rId9"/>
+                <a:stretch>
+                  <a:fillRect b="-10000"/>
+                </a:stretch>
+              </a:blipFill>
+            </p:spPr>
+            <p:txBody>
+              <a:bodyPr/>
+              <a:lstStyle/>
+              <a:p>
+                <a:r>
+                  <a:rPr lang="ko-KR" altLang="en-US">
+                    <a:noFill/>
+                  </a:rPr>
+                  <a:t> </a:t>
+                </a:r>
+              </a:p>
+            </p:txBody>
+          </p:sp>
+        </mc:Fallback>
+      </mc:AlternateContent>
+      <mc:AlternateContent xmlns:mc="http://schemas.openxmlformats.org/markup-compatibility/2006">
+        <mc:Choice xmlns:a14="http://schemas.microsoft.com/office/drawing/2010/main" Requires="a14">
+          <p:sp>
+            <p:nvSpPr>
+              <p:cNvPr id="15" name="TextBox 14">
+                <a:extLst>
+                  <a:ext uri="{FF2B5EF4-FFF2-40B4-BE49-F238E27FC236}">
+                    <a16:creationId xmlns:a16="http://schemas.microsoft.com/office/drawing/2014/main" id="{A4372CD6-081D-48E6-9DBA-2CA33F556175}"/>
+                  </a:ext>
+                </a:extLst>
+              </p:cNvPr>
+              <p:cNvSpPr txBox="1"/>
+              <p:nvPr/>
+            </p:nvSpPr>
+            <p:spPr>
+              <a:xfrm>
+                <a:off x="4162208" y="2004769"/>
+                <a:ext cx="1617128" cy="646331"/>
+              </a:xfrm>
+              <a:prstGeom prst="rect">
+                <a:avLst/>
+              </a:prstGeom>
+              <a:noFill/>
+            </p:spPr>
+            <p:txBody>
+              <a:bodyPr wrap="square" rtlCol="0">
+                <a:spAutoFit/>
+              </a:bodyPr>
+              <a:lstStyle/>
+              <a:p>
+                <a:pPr/>
+                <a14:m>
+                  <m:oMathPara xmlns:m="http://schemas.openxmlformats.org/officeDocument/2006/math">
+                    <m:oMathParaPr>
+                      <m:jc m:val="centerGroup"/>
+                    </m:oMathParaPr>
+                    <m:oMath xmlns:m="http://schemas.openxmlformats.org/officeDocument/2006/math">
+                      <m:r>
+                        <a:rPr lang="en-US" altLang="ko-KR" b="0" i="1" smtClean="0">
+                          <a:latin typeface="Cambria Math" panose="02040503050406030204" pitchFamily="18" charset="0"/>
+                        </a:rPr>
+                        <m:t>𝑦</m:t>
+                      </m:r>
+                      <m:r>
+                        <a:rPr lang="en-US" altLang="ko-KR" b="0" i="1" smtClean="0">
+                          <a:latin typeface="Cambria Math" panose="02040503050406030204" pitchFamily="18" charset="0"/>
+                        </a:rPr>
+                        <m:t>=</m:t>
+                      </m:r>
+                      <m:sSup>
+                        <m:sSupPr>
+                          <m:ctrlPr>
+                            <a:rPr lang="en-US" altLang="ko-KR" b="0" i="1" smtClean="0">
+                              <a:latin typeface="Cambria Math" panose="02040503050406030204" pitchFamily="18" charset="0"/>
+                            </a:rPr>
+                          </m:ctrlPr>
+                        </m:sSupPr>
+                        <m:e>
+                          <m:r>
+                            <a:rPr lang="en-US" altLang="ko-KR" b="0" i="1" smtClean="0">
+                              <a:latin typeface="Cambria Math" panose="02040503050406030204" pitchFamily="18" charset="0"/>
+                            </a:rPr>
+                            <m:t>𝑎𝑥</m:t>
+                          </m:r>
+                        </m:e>
+                        <m:sup>
+                          <m:r>
+                            <a:rPr lang="en-US" altLang="ko-KR" b="0" i="1" smtClean="0">
+                              <a:latin typeface="Cambria Math" panose="02040503050406030204" pitchFamily="18" charset="0"/>
+                            </a:rPr>
+                            <m:t>2</m:t>
+                          </m:r>
+                        </m:sup>
+                      </m:sSup>
+                      <m:r>
+                        <a:rPr lang="en-US" altLang="ko-KR" b="0" i="1" smtClean="0">
+                          <a:latin typeface="Cambria Math" panose="02040503050406030204" pitchFamily="18" charset="0"/>
+                        </a:rPr>
+                        <m:t>+</m:t>
+                      </m:r>
+                      <m:r>
+                        <a:rPr lang="en-US" altLang="ko-KR" b="0" i="1" smtClean="0">
+                          <a:latin typeface="Cambria Math" panose="02040503050406030204" pitchFamily="18" charset="0"/>
+                        </a:rPr>
+                        <m:t>𝑐</m:t>
+                      </m:r>
+                    </m:oMath>
+                  </m:oMathPara>
+                </a14:m>
+                <a:endParaRPr lang="en-US" altLang="ko-KR" dirty="0"/>
+              </a:p>
+              <a:p>
+                <a14:m>
+                  <m:oMathPara xmlns:m="http://schemas.openxmlformats.org/officeDocument/2006/math">
+                    <m:oMathParaPr>
+                      <m:jc m:val="centerGroup"/>
+                    </m:oMathParaPr>
+                    <m:oMath xmlns:m="http://schemas.openxmlformats.org/officeDocument/2006/math">
+                      <m:r>
+                        <a:rPr lang="en-US" altLang="ko-KR" i="1">
+                          <a:latin typeface="Cambria Math" panose="02040503050406030204" pitchFamily="18" charset="0"/>
+                        </a:rPr>
+                        <m:t>𝑎</m:t>
+                      </m:r>
+                      <m:r>
+                        <a:rPr lang="en-US" altLang="ko-KR" b="0" i="1" smtClean="0">
+                          <a:latin typeface="Cambria Math" panose="02040503050406030204" pitchFamily="18" charset="0"/>
+                        </a:rPr>
+                        <m:t>&gt;</m:t>
+                      </m:r>
+                      <m:r>
+                        <a:rPr lang="en-US" altLang="ko-KR" i="1">
+                          <a:latin typeface="Cambria Math" panose="02040503050406030204" pitchFamily="18" charset="0"/>
+                        </a:rPr>
+                        <m:t>0</m:t>
+                      </m:r>
+                    </m:oMath>
+                  </m:oMathPara>
+                </a14:m>
+                <a:endParaRPr lang="ko-KR" altLang="en-US" dirty="0"/>
+              </a:p>
+            </p:txBody>
+          </p:sp>
+        </mc:Choice>
+        <mc:Fallback>
+          <p:sp>
+            <p:nvSpPr>
+              <p:cNvPr id="15" name="TextBox 14">
+                <a:extLst>
+                  <a:ext uri="{FF2B5EF4-FFF2-40B4-BE49-F238E27FC236}">
+                    <a16:creationId xmlns:a16="http://schemas.microsoft.com/office/drawing/2014/main" id="{A4372CD6-081D-48E6-9DBA-2CA33F556175}"/>
+                  </a:ext>
+                </a:extLst>
+              </p:cNvPr>
+              <p:cNvSpPr txBox="1">
+                <a:spLocks noRot="1" noChangeAspect="1" noMove="1" noResize="1" noEditPoints="1" noAdjustHandles="1" noChangeArrowheads="1" noChangeShapeType="1" noTextEdit="1"/>
+              </p:cNvSpPr>
+              <p:nvPr/>
+            </p:nvSpPr>
+            <p:spPr>
+              <a:xfrm>
+                <a:off x="4162208" y="2004769"/>
+                <a:ext cx="1617128" cy="646331"/>
+              </a:xfrm>
+              <a:prstGeom prst="rect">
+                <a:avLst/>
+              </a:prstGeom>
+              <a:blipFill>
+                <a:blip r:embed="rId10"/>
+                <a:stretch>
+                  <a:fillRect/>
+                </a:stretch>
+              </a:blipFill>
+            </p:spPr>
+            <p:txBody>
+              <a:bodyPr/>
+              <a:lstStyle/>
+              <a:p>
+                <a:r>
+                  <a:rPr lang="ko-KR" altLang="en-US">
+                    <a:noFill/>
+                  </a:rPr>
+                  <a:t> </a:t>
+                </a:r>
+              </a:p>
+            </p:txBody>
+          </p:sp>
+        </mc:Fallback>
+      </mc:AlternateContent>
+      <p:cxnSp>
+        <p:nvCxnSpPr>
+          <p:cNvPr id="16" name="직선 화살표 연결선 15">
+            <a:extLst>
+              <a:ext uri="{FF2B5EF4-FFF2-40B4-BE49-F238E27FC236}">
+                <a16:creationId xmlns:a16="http://schemas.microsoft.com/office/drawing/2014/main" id="{49725252-87C5-48BC-B551-9DEAC7306D17}"/>
+              </a:ext>
+            </a:extLst>
+          </p:cNvPr>
+          <p:cNvCxnSpPr/>
+          <p:nvPr/>
+        </p:nvCxnSpPr>
+        <p:spPr>
+          <a:xfrm>
+            <a:off x="3696754" y="2506980"/>
+            <a:ext cx="0" cy="1767840"/>
+          </a:xfrm>
+          <a:prstGeom prst="straightConnector1">
+            <a:avLst/>
+          </a:prstGeom>
+          <a:ln w="38100">
+            <a:solidFill>
+              <a:srgbClr val="FF0000"/>
+            </a:solidFill>
+            <a:headEnd type="triangle"/>
+            <a:tailEnd type="triangle"/>
+          </a:ln>
+        </p:spPr>
+        <p:style>
+          <a:lnRef idx="1">
+            <a:schemeClr val="accent1"/>
+          </a:lnRef>
+          <a:fillRef idx="0">
+            <a:schemeClr val="accent1"/>
+          </a:fillRef>
+          <a:effectRef idx="0">
+            <a:schemeClr val="accent1"/>
+          </a:effectRef>
+          <a:fontRef idx="minor">
+            <a:schemeClr val="tx1"/>
+          </a:fontRef>
+        </p:style>
+      </p:cxnSp>
+      <p:cxnSp>
+        <p:nvCxnSpPr>
+          <p:cNvPr id="17" name="직선 화살표 연결선 16">
+            <a:extLst>
+              <a:ext uri="{FF2B5EF4-FFF2-40B4-BE49-F238E27FC236}">
+                <a16:creationId xmlns:a16="http://schemas.microsoft.com/office/drawing/2014/main" id="{65D82F4D-5C3D-4B9D-9A9F-CFA9C27D58DE}"/>
+              </a:ext>
+            </a:extLst>
+          </p:cNvPr>
+          <p:cNvCxnSpPr>
+            <a:cxnSpLocks/>
+          </p:cNvCxnSpPr>
+          <p:nvPr/>
+        </p:nvCxnSpPr>
+        <p:spPr>
+          <a:xfrm>
+            <a:off x="2841826" y="1710690"/>
+            <a:ext cx="1672590" cy="0"/>
+          </a:xfrm>
+          <a:prstGeom prst="straightConnector1">
+            <a:avLst/>
+          </a:prstGeom>
+          <a:ln w="38100">
+            <a:solidFill>
+              <a:srgbClr val="00B0F0"/>
+            </a:solidFill>
+            <a:headEnd type="triangle"/>
+            <a:tailEnd type="triangle"/>
+          </a:ln>
+        </p:spPr>
+        <p:style>
+          <a:lnRef idx="1">
+            <a:schemeClr val="accent1"/>
+          </a:lnRef>
+          <a:fillRef idx="0">
+            <a:schemeClr val="accent1"/>
+          </a:fillRef>
+          <a:effectRef idx="0">
+            <a:schemeClr val="accent1"/>
+          </a:effectRef>
+          <a:fontRef idx="minor">
+            <a:schemeClr val="tx1"/>
+          </a:fontRef>
+        </p:style>
+      </p:cxnSp>
+      <p:pic>
+        <p:nvPicPr>
+          <p:cNvPr id="19" name="그림 18">
+            <a:extLst>
+              <a:ext uri="{FF2B5EF4-FFF2-40B4-BE49-F238E27FC236}">
+                <a16:creationId xmlns:a16="http://schemas.microsoft.com/office/drawing/2014/main" id="{1AC446C3-FA5A-4DE7-B0CE-2BBC5CE7F1B8}"/>
+              </a:ext>
+            </a:extLst>
+          </p:cNvPr>
+          <p:cNvPicPr>
+            <a:picLocks noChangeAspect="1"/>
+          </p:cNvPicPr>
+          <p:nvPr/>
+        </p:nvPicPr>
+        <p:blipFill>
+          <a:blip r:embed="rId11"/>
+          <a:stretch>
+            <a:fillRect/>
+          </a:stretch>
+        </p:blipFill>
+        <p:spPr>
+          <a:xfrm>
+            <a:off x="5790135" y="1143000"/>
+            <a:ext cx="4016375" cy="4572000"/>
+          </a:xfrm>
+          <a:prstGeom prst="rect">
+            <a:avLst/>
+          </a:prstGeom>
+        </p:spPr>
+      </p:pic>
+      <mc:AlternateContent xmlns:mc="http://schemas.openxmlformats.org/markup-compatibility/2006">
+        <mc:Choice xmlns:a14="http://schemas.microsoft.com/office/drawing/2010/main" Requires="a14">
+          <p:sp>
+            <p:nvSpPr>
+              <p:cNvPr id="21" name="TextBox 20">
+                <a:extLst>
+                  <a:ext uri="{FF2B5EF4-FFF2-40B4-BE49-F238E27FC236}">
+                    <a16:creationId xmlns:a16="http://schemas.microsoft.com/office/drawing/2014/main" id="{643E7686-5302-42B0-B2F3-3B177EA128FB}"/>
+                  </a:ext>
+                </a:extLst>
+              </p:cNvPr>
+              <p:cNvSpPr txBox="1"/>
+              <p:nvPr/>
+            </p:nvSpPr>
+            <p:spPr>
+              <a:xfrm>
+                <a:off x="8259336" y="1803831"/>
+                <a:ext cx="1617128" cy="646331"/>
+              </a:xfrm>
+              <a:prstGeom prst="rect">
+                <a:avLst/>
+              </a:prstGeom>
+              <a:noFill/>
+            </p:spPr>
+            <p:txBody>
+              <a:bodyPr wrap="square" rtlCol="0">
+                <a:spAutoFit/>
+              </a:bodyPr>
+              <a:lstStyle/>
+              <a:p>
+                <a:pPr/>
+                <a14:m>
+                  <m:oMathPara xmlns:m="http://schemas.openxmlformats.org/officeDocument/2006/math">
+                    <m:oMathParaPr>
+                      <m:jc m:val="centerGroup"/>
+                    </m:oMathParaPr>
+                    <m:oMath xmlns:m="http://schemas.openxmlformats.org/officeDocument/2006/math">
+                      <m:r>
+                        <a:rPr lang="en-US" altLang="ko-KR" b="0" i="1" smtClean="0">
+                          <a:latin typeface="Cambria Math" panose="02040503050406030204" pitchFamily="18" charset="0"/>
+                        </a:rPr>
+                        <m:t>𝑦</m:t>
+                      </m:r>
+                      <m:r>
+                        <a:rPr lang="en-US" altLang="ko-KR" b="0" i="1" smtClean="0">
+                          <a:latin typeface="Cambria Math" panose="02040503050406030204" pitchFamily="18" charset="0"/>
+                        </a:rPr>
+                        <m:t>=</m:t>
+                      </m:r>
+                      <m:sSup>
+                        <m:sSupPr>
+                          <m:ctrlPr>
+                            <a:rPr lang="en-US" altLang="ko-KR" b="0" i="1" smtClean="0">
+                              <a:latin typeface="Cambria Math" panose="02040503050406030204" pitchFamily="18" charset="0"/>
+                            </a:rPr>
+                          </m:ctrlPr>
+                        </m:sSupPr>
+                        <m:e>
+                          <m:r>
+                            <a:rPr lang="en-US" altLang="ko-KR" b="0" i="1" smtClean="0">
+                              <a:latin typeface="Cambria Math" panose="02040503050406030204" pitchFamily="18" charset="0"/>
+                            </a:rPr>
+                            <m:t>𝑎𝑥</m:t>
+                          </m:r>
+                        </m:e>
+                        <m:sup>
+                          <m:r>
+                            <a:rPr lang="en-US" altLang="ko-KR" b="0" i="1" smtClean="0">
+                              <a:latin typeface="Cambria Math" panose="02040503050406030204" pitchFamily="18" charset="0"/>
+                            </a:rPr>
+                            <m:t>2</m:t>
+                          </m:r>
+                        </m:sup>
+                      </m:sSup>
+                      <m:r>
+                        <a:rPr lang="en-US" altLang="ko-KR" b="0" i="1" smtClean="0">
+                          <a:latin typeface="Cambria Math" panose="02040503050406030204" pitchFamily="18" charset="0"/>
+                        </a:rPr>
+                        <m:t>+</m:t>
+                      </m:r>
+                      <m:r>
+                        <a:rPr lang="en-US" altLang="ko-KR" b="0" i="1" smtClean="0">
+                          <a:latin typeface="Cambria Math" panose="02040503050406030204" pitchFamily="18" charset="0"/>
+                        </a:rPr>
+                        <m:t>𝑐</m:t>
+                      </m:r>
+                    </m:oMath>
+                  </m:oMathPara>
+                </a14:m>
+                <a:endParaRPr lang="en-US" altLang="ko-KR" dirty="0"/>
+              </a:p>
+              <a:p>
+                <a:pPr/>
+                <a14:m>
+                  <m:oMathPara xmlns:m="http://schemas.openxmlformats.org/officeDocument/2006/math">
+                    <m:oMathParaPr>
+                      <m:jc m:val="centerGroup"/>
+                    </m:oMathParaPr>
+                    <m:oMath xmlns:m="http://schemas.openxmlformats.org/officeDocument/2006/math">
+                      <m:r>
+                        <a:rPr lang="en-US" altLang="ko-KR" b="0" i="1" smtClean="0">
+                          <a:latin typeface="Cambria Math" panose="02040503050406030204" pitchFamily="18" charset="0"/>
+                        </a:rPr>
+                        <m:t>𝑎</m:t>
+                      </m:r>
+                      <m:r>
+                        <a:rPr lang="en-US" altLang="ko-KR" b="0" i="1" smtClean="0">
+                          <a:latin typeface="Cambria Math" panose="02040503050406030204" pitchFamily="18" charset="0"/>
+                        </a:rPr>
+                        <m:t>=0</m:t>
+                      </m:r>
+                    </m:oMath>
+                  </m:oMathPara>
+                </a14:m>
+                <a:endParaRPr lang="ko-KR" altLang="en-US" dirty="0"/>
+              </a:p>
+            </p:txBody>
+          </p:sp>
+        </mc:Choice>
+        <mc:Fallback>
+          <p:sp>
+            <p:nvSpPr>
+              <p:cNvPr id="21" name="TextBox 20">
+                <a:extLst>
+                  <a:ext uri="{FF2B5EF4-FFF2-40B4-BE49-F238E27FC236}">
+                    <a16:creationId xmlns:a16="http://schemas.microsoft.com/office/drawing/2014/main" id="{643E7686-5302-42B0-B2F3-3B177EA128FB}"/>
+                  </a:ext>
+                </a:extLst>
+              </p:cNvPr>
+              <p:cNvSpPr txBox="1">
+                <a:spLocks noRot="1" noChangeAspect="1" noMove="1" noResize="1" noEditPoints="1" noAdjustHandles="1" noChangeArrowheads="1" noChangeShapeType="1" noTextEdit="1"/>
+              </p:cNvSpPr>
+              <p:nvPr/>
+            </p:nvSpPr>
+            <p:spPr>
+              <a:xfrm>
+                <a:off x="8259336" y="1803831"/>
+                <a:ext cx="1617128" cy="646331"/>
+              </a:xfrm>
+              <a:prstGeom prst="rect">
+                <a:avLst/>
+              </a:prstGeom>
+              <a:blipFill>
+                <a:blip r:embed="rId12"/>
+                <a:stretch>
+                  <a:fillRect/>
+                </a:stretch>
+              </a:blipFill>
+            </p:spPr>
+            <p:txBody>
+              <a:bodyPr/>
+              <a:lstStyle/>
+              <a:p>
+                <a:r>
+                  <a:rPr lang="ko-KR" altLang="en-US">
+                    <a:noFill/>
+                  </a:rPr>
+                  <a:t> </a:t>
+                </a:r>
+              </a:p>
+            </p:txBody>
+          </p:sp>
+        </mc:Fallback>
+      </mc:AlternateContent>
+      <p:cxnSp>
+        <p:nvCxnSpPr>
+          <p:cNvPr id="22" name="직선 화살표 연결선 21">
+            <a:extLst>
+              <a:ext uri="{FF2B5EF4-FFF2-40B4-BE49-F238E27FC236}">
+                <a16:creationId xmlns:a16="http://schemas.microsoft.com/office/drawing/2014/main" id="{8950E8CA-51BF-41B9-B3C2-799A4C994762}"/>
+              </a:ext>
+            </a:extLst>
+          </p:cNvPr>
+          <p:cNvCxnSpPr/>
+          <p:nvPr/>
+        </p:nvCxnSpPr>
+        <p:spPr>
+          <a:xfrm>
+            <a:off x="7778792" y="1710690"/>
+            <a:ext cx="0" cy="1767840"/>
+          </a:xfrm>
+          <a:prstGeom prst="straightConnector1">
+            <a:avLst/>
+          </a:prstGeom>
+          <a:ln w="38100">
+            <a:solidFill>
+              <a:srgbClr val="FF0000"/>
+            </a:solidFill>
+            <a:headEnd type="triangle"/>
+            <a:tailEnd type="triangle"/>
+          </a:ln>
+        </p:spPr>
+        <p:style>
+          <a:lnRef idx="1">
+            <a:schemeClr val="accent1"/>
+          </a:lnRef>
+          <a:fillRef idx="0">
+            <a:schemeClr val="accent1"/>
+          </a:fillRef>
+          <a:effectRef idx="0">
+            <a:schemeClr val="accent1"/>
+          </a:effectRef>
+          <a:fontRef idx="minor">
+            <a:schemeClr val="tx1"/>
+          </a:fontRef>
+        </p:style>
+      </p:cxnSp>
+      <mc:AlternateContent xmlns:mc="http://schemas.openxmlformats.org/markup-compatibility/2006">
+        <mc:Choice xmlns:a14="http://schemas.microsoft.com/office/drawing/2010/main" Requires="a14">
+          <p:sp>
+            <p:nvSpPr>
+              <p:cNvPr id="23" name="TextBox 22">
+                <a:extLst>
+                  <a:ext uri="{FF2B5EF4-FFF2-40B4-BE49-F238E27FC236}">
+                    <a16:creationId xmlns:a16="http://schemas.microsoft.com/office/drawing/2014/main" id="{A71431F8-F7BE-4B55-9204-FDBA00EE7039}"/>
+                  </a:ext>
+                </a:extLst>
+              </p:cNvPr>
+              <p:cNvSpPr txBox="1"/>
+              <p:nvPr/>
+            </p:nvSpPr>
+            <p:spPr>
+              <a:xfrm>
+                <a:off x="7321750" y="3439027"/>
+                <a:ext cx="622738" cy="369332"/>
+              </a:xfrm>
+              <a:prstGeom prst="rect">
+                <a:avLst/>
+              </a:prstGeom>
+              <a:noFill/>
+            </p:spPr>
+            <p:txBody>
+              <a:bodyPr wrap="square" rtlCol="0">
+                <a:spAutoFit/>
+              </a:bodyPr>
+              <a:lstStyle/>
+              <a:p>
+                <a:pPr/>
+                <a14:m>
+                  <m:oMathPara xmlns:m="http://schemas.openxmlformats.org/officeDocument/2006/math">
+                    <m:oMathParaPr>
+                      <m:jc m:val="centerGroup"/>
+                    </m:oMathParaPr>
+                    <m:oMath xmlns:m="http://schemas.openxmlformats.org/officeDocument/2006/math">
+                      <m:r>
+                        <a:rPr lang="en-US" altLang="ko-KR" b="0" i="1" smtClean="0">
+                          <a:latin typeface="Cambria Math" panose="02040503050406030204" pitchFamily="18" charset="0"/>
+                        </a:rPr>
+                        <m:t>𝑂</m:t>
+                      </m:r>
+                    </m:oMath>
+                  </m:oMathPara>
+                </a14:m>
+                <a:endParaRPr lang="ko-KR" altLang="en-US" dirty="0"/>
+              </a:p>
+            </p:txBody>
+          </p:sp>
+        </mc:Choice>
+        <mc:Fallback>
+          <p:sp>
+            <p:nvSpPr>
+              <p:cNvPr id="23" name="TextBox 22">
+                <a:extLst>
+                  <a:ext uri="{FF2B5EF4-FFF2-40B4-BE49-F238E27FC236}">
+                    <a16:creationId xmlns:a16="http://schemas.microsoft.com/office/drawing/2014/main" id="{A71431F8-F7BE-4B55-9204-FDBA00EE7039}"/>
+                  </a:ext>
+                </a:extLst>
+              </p:cNvPr>
+              <p:cNvSpPr txBox="1">
+                <a:spLocks noRot="1" noChangeAspect="1" noMove="1" noResize="1" noEditPoints="1" noAdjustHandles="1" noChangeArrowheads="1" noChangeShapeType="1" noTextEdit="1"/>
+              </p:cNvSpPr>
+              <p:nvPr/>
+            </p:nvSpPr>
+            <p:spPr>
+              <a:xfrm>
+                <a:off x="7321750" y="3439027"/>
+                <a:ext cx="622738" cy="369332"/>
+              </a:xfrm>
+              <a:prstGeom prst="rect">
+                <a:avLst/>
+              </a:prstGeom>
+              <a:blipFill>
+                <a:blip r:embed="rId13"/>
+                <a:stretch>
+                  <a:fillRect/>
+                </a:stretch>
+              </a:blipFill>
+            </p:spPr>
+            <p:txBody>
+              <a:bodyPr/>
+              <a:lstStyle/>
+              <a:p>
+                <a:r>
+                  <a:rPr lang="ko-KR" altLang="en-US">
+                    <a:noFill/>
+                  </a:rPr>
+                  <a:t> </a:t>
+                </a:r>
+              </a:p>
+            </p:txBody>
+          </p:sp>
+        </mc:Fallback>
+      </mc:AlternateContent>
+      <mc:AlternateContent xmlns:mc="http://schemas.openxmlformats.org/markup-compatibility/2006">
+        <mc:Choice xmlns:a14="http://schemas.microsoft.com/office/drawing/2010/main" Requires="a14">
+          <p:sp>
+            <p:nvSpPr>
+              <p:cNvPr id="24" name="TextBox 23">
+                <a:extLst>
+                  <a:ext uri="{FF2B5EF4-FFF2-40B4-BE49-F238E27FC236}">
+                    <a16:creationId xmlns:a16="http://schemas.microsoft.com/office/drawing/2014/main" id="{23570580-4006-4F93-86A4-43BC36CC0584}"/>
+                  </a:ext>
+                </a:extLst>
+              </p:cNvPr>
+              <p:cNvSpPr txBox="1"/>
+              <p:nvPr/>
+            </p:nvSpPr>
+            <p:spPr>
+              <a:xfrm>
+                <a:off x="9404651" y="3429000"/>
+                <a:ext cx="622738" cy="369332"/>
+              </a:xfrm>
+              <a:prstGeom prst="rect">
+                <a:avLst/>
+              </a:prstGeom>
+              <a:noFill/>
+            </p:spPr>
+            <p:txBody>
+              <a:bodyPr wrap="square" rtlCol="0">
+                <a:spAutoFit/>
+              </a:bodyPr>
+              <a:lstStyle/>
+              <a:p>
+                <a:pPr/>
+                <a14:m>
+                  <m:oMathPara xmlns:m="http://schemas.openxmlformats.org/officeDocument/2006/math">
+                    <m:oMathParaPr>
+                      <m:jc m:val="centerGroup"/>
+                    </m:oMathParaPr>
+                    <m:oMath xmlns:m="http://schemas.openxmlformats.org/officeDocument/2006/math">
+                      <m:r>
+                        <a:rPr lang="en-US" altLang="ko-KR" b="0" i="1" smtClean="0">
+                          <a:latin typeface="Cambria Math" panose="02040503050406030204" pitchFamily="18" charset="0"/>
+                        </a:rPr>
+                        <m:t>𝑥</m:t>
+                      </m:r>
+                    </m:oMath>
+                  </m:oMathPara>
+                </a14:m>
+                <a:endParaRPr lang="ko-KR" altLang="en-US" dirty="0"/>
+              </a:p>
+            </p:txBody>
+          </p:sp>
+        </mc:Choice>
+        <mc:Fallback>
+          <p:sp>
+            <p:nvSpPr>
+              <p:cNvPr id="24" name="TextBox 23">
+                <a:extLst>
+                  <a:ext uri="{FF2B5EF4-FFF2-40B4-BE49-F238E27FC236}">
+                    <a16:creationId xmlns:a16="http://schemas.microsoft.com/office/drawing/2014/main" id="{23570580-4006-4F93-86A4-43BC36CC0584}"/>
+                  </a:ext>
+                </a:extLst>
+              </p:cNvPr>
+              <p:cNvSpPr txBox="1">
+                <a:spLocks noRot="1" noChangeAspect="1" noMove="1" noResize="1" noEditPoints="1" noAdjustHandles="1" noChangeArrowheads="1" noChangeShapeType="1" noTextEdit="1"/>
+              </p:cNvSpPr>
+              <p:nvPr/>
+            </p:nvSpPr>
+            <p:spPr>
+              <a:xfrm>
+                <a:off x="9404651" y="3429000"/>
+                <a:ext cx="622738" cy="369332"/>
+              </a:xfrm>
+              <a:prstGeom prst="rect">
+                <a:avLst/>
+              </a:prstGeom>
+              <a:blipFill>
+                <a:blip r:embed="rId14"/>
+                <a:stretch>
+                  <a:fillRect/>
+                </a:stretch>
+              </a:blipFill>
+            </p:spPr>
+            <p:txBody>
+              <a:bodyPr/>
+              <a:lstStyle/>
+              <a:p>
+                <a:r>
+                  <a:rPr lang="ko-KR" altLang="en-US">
+                    <a:noFill/>
+                  </a:rPr>
+                  <a:t> </a:t>
+                </a:r>
+              </a:p>
+            </p:txBody>
+          </p:sp>
+        </mc:Fallback>
+      </mc:AlternateContent>
+      <mc:AlternateContent xmlns:mc="http://schemas.openxmlformats.org/markup-compatibility/2006">
+        <mc:Choice xmlns:a14="http://schemas.microsoft.com/office/drawing/2010/main" Requires="a14">
+          <p:sp>
+            <p:nvSpPr>
+              <p:cNvPr id="25" name="TextBox 24">
+                <a:extLst>
+                  <a:ext uri="{FF2B5EF4-FFF2-40B4-BE49-F238E27FC236}">
+                    <a16:creationId xmlns:a16="http://schemas.microsoft.com/office/drawing/2014/main" id="{5BA8703C-2940-47DB-82D3-08810ADA2209}"/>
+                  </a:ext>
+                </a:extLst>
+              </p:cNvPr>
+              <p:cNvSpPr txBox="1"/>
+              <p:nvPr/>
+            </p:nvSpPr>
+            <p:spPr>
+              <a:xfrm>
+                <a:off x="7321750" y="998929"/>
+                <a:ext cx="622738" cy="369332"/>
+              </a:xfrm>
+              <a:prstGeom prst="rect">
+                <a:avLst/>
+              </a:prstGeom>
+              <a:noFill/>
+            </p:spPr>
+            <p:txBody>
+              <a:bodyPr wrap="square" rtlCol="0">
+                <a:spAutoFit/>
+              </a:bodyPr>
+              <a:lstStyle/>
+              <a:p>
+                <a:pPr/>
+                <a14:m>
+                  <m:oMathPara xmlns:m="http://schemas.openxmlformats.org/officeDocument/2006/math">
+                    <m:oMathParaPr>
+                      <m:jc m:val="centerGroup"/>
+                    </m:oMathParaPr>
+                    <m:oMath xmlns:m="http://schemas.openxmlformats.org/officeDocument/2006/math">
+                      <m:r>
+                        <a:rPr lang="en-US" altLang="ko-KR" b="0" i="1" smtClean="0">
+                          <a:latin typeface="Cambria Math" panose="02040503050406030204" pitchFamily="18" charset="0"/>
+                        </a:rPr>
+                        <m:t>𝑦</m:t>
+                      </m:r>
+                    </m:oMath>
+                  </m:oMathPara>
+                </a14:m>
+                <a:endParaRPr lang="ko-KR" altLang="en-US" dirty="0"/>
+              </a:p>
+            </p:txBody>
+          </p:sp>
+        </mc:Choice>
+        <mc:Fallback>
+          <p:sp>
+            <p:nvSpPr>
+              <p:cNvPr id="25" name="TextBox 24">
+                <a:extLst>
+                  <a:ext uri="{FF2B5EF4-FFF2-40B4-BE49-F238E27FC236}">
+                    <a16:creationId xmlns:a16="http://schemas.microsoft.com/office/drawing/2014/main" id="{5BA8703C-2940-47DB-82D3-08810ADA2209}"/>
+                  </a:ext>
+                </a:extLst>
+              </p:cNvPr>
+              <p:cNvSpPr txBox="1">
+                <a:spLocks noRot="1" noChangeAspect="1" noMove="1" noResize="1" noEditPoints="1" noAdjustHandles="1" noChangeArrowheads="1" noChangeShapeType="1" noTextEdit="1"/>
+              </p:cNvSpPr>
+              <p:nvPr/>
+            </p:nvSpPr>
+            <p:spPr>
+              <a:xfrm>
+                <a:off x="7321750" y="998929"/>
+                <a:ext cx="622738" cy="369332"/>
+              </a:xfrm>
+              <a:prstGeom prst="rect">
+                <a:avLst/>
+              </a:prstGeom>
+              <a:blipFill>
+                <a:blip r:embed="rId15"/>
+                <a:stretch>
+                  <a:fillRect b="-10000"/>
+                </a:stretch>
+              </a:blipFill>
+            </p:spPr>
+            <p:txBody>
+              <a:bodyPr/>
+              <a:lstStyle/>
+              <a:p>
+                <a:r>
+                  <a:rPr lang="ko-KR" altLang="en-US">
+                    <a:noFill/>
+                  </a:rPr>
+                  <a:t> </a:t>
+                </a:r>
+              </a:p>
+            </p:txBody>
+          </p:sp>
+        </mc:Fallback>
+      </mc:AlternateContent>
+      <p:pic>
+        <p:nvPicPr>
+          <p:cNvPr id="20" name="그림 19">
+            <a:extLst>
+              <a:ext uri="{FF2B5EF4-FFF2-40B4-BE49-F238E27FC236}">
+                <a16:creationId xmlns:a16="http://schemas.microsoft.com/office/drawing/2014/main" id="{DE34439E-320C-4781-9580-66E48A2B1484}"/>
+              </a:ext>
+            </a:extLst>
+          </p:cNvPr>
+          <p:cNvPicPr>
+            <a:picLocks noChangeAspect="1"/>
+          </p:cNvPicPr>
+          <p:nvPr/>
+        </p:nvPicPr>
+        <p:blipFill>
+          <a:blip r:embed="rId16"/>
+          <a:stretch>
+            <a:fillRect/>
+          </a:stretch>
+        </p:blipFill>
+        <p:spPr>
+          <a:xfrm>
+            <a:off x="9933145" y="1143000"/>
+            <a:ext cx="4016375" cy="4572000"/>
+          </a:xfrm>
+          <a:prstGeom prst="rect">
+            <a:avLst/>
+          </a:prstGeom>
+        </p:spPr>
+      </p:pic>
+      <mc:AlternateContent xmlns:mc="http://schemas.openxmlformats.org/markup-compatibility/2006">
+        <mc:Choice xmlns:a14="http://schemas.microsoft.com/office/drawing/2010/main" Requires="a14">
+          <p:sp>
+            <p:nvSpPr>
+              <p:cNvPr id="27" name="TextBox 26">
+                <a:extLst>
+                  <a:ext uri="{FF2B5EF4-FFF2-40B4-BE49-F238E27FC236}">
+                    <a16:creationId xmlns:a16="http://schemas.microsoft.com/office/drawing/2014/main" id="{0EEE3E2E-052F-4D11-B06D-B1FA3A88BE9A}"/>
+                  </a:ext>
+                </a:extLst>
+              </p:cNvPr>
+              <p:cNvSpPr txBox="1"/>
+              <p:nvPr/>
+            </p:nvSpPr>
+            <p:spPr>
+              <a:xfrm>
+                <a:off x="11448920" y="3439027"/>
+                <a:ext cx="622738" cy="369332"/>
+              </a:xfrm>
+              <a:prstGeom prst="rect">
+                <a:avLst/>
+              </a:prstGeom>
+              <a:noFill/>
+            </p:spPr>
+            <p:txBody>
+              <a:bodyPr wrap="square" rtlCol="0">
+                <a:spAutoFit/>
+              </a:bodyPr>
+              <a:lstStyle/>
+              <a:p>
+                <a:pPr/>
+                <a14:m>
+                  <m:oMathPara xmlns:m="http://schemas.openxmlformats.org/officeDocument/2006/math">
+                    <m:oMathParaPr>
+                      <m:jc m:val="centerGroup"/>
+                    </m:oMathParaPr>
+                    <m:oMath xmlns:m="http://schemas.openxmlformats.org/officeDocument/2006/math">
+                      <m:r>
+                        <a:rPr lang="en-US" altLang="ko-KR" b="0" i="1" smtClean="0">
+                          <a:latin typeface="Cambria Math" panose="02040503050406030204" pitchFamily="18" charset="0"/>
+                        </a:rPr>
+                        <m:t>𝑂</m:t>
+                      </m:r>
+                    </m:oMath>
+                  </m:oMathPara>
+                </a14:m>
+                <a:endParaRPr lang="ko-KR" altLang="en-US" dirty="0"/>
+              </a:p>
+            </p:txBody>
+          </p:sp>
+        </mc:Choice>
+        <mc:Fallback>
+          <p:sp>
+            <p:nvSpPr>
+              <p:cNvPr id="27" name="TextBox 26">
+                <a:extLst>
+                  <a:ext uri="{FF2B5EF4-FFF2-40B4-BE49-F238E27FC236}">
+                    <a16:creationId xmlns:a16="http://schemas.microsoft.com/office/drawing/2014/main" id="{0EEE3E2E-052F-4D11-B06D-B1FA3A88BE9A}"/>
+                  </a:ext>
+                </a:extLst>
+              </p:cNvPr>
+              <p:cNvSpPr txBox="1">
+                <a:spLocks noRot="1" noChangeAspect="1" noMove="1" noResize="1" noEditPoints="1" noAdjustHandles="1" noChangeArrowheads="1" noChangeShapeType="1" noTextEdit="1"/>
+              </p:cNvSpPr>
+              <p:nvPr/>
+            </p:nvSpPr>
+            <p:spPr>
+              <a:xfrm>
+                <a:off x="11448920" y="3439027"/>
+                <a:ext cx="622738" cy="369332"/>
+              </a:xfrm>
+              <a:prstGeom prst="rect">
+                <a:avLst/>
+              </a:prstGeom>
+              <a:blipFill>
+                <a:blip r:embed="rId17"/>
+                <a:stretch>
+                  <a:fillRect/>
+                </a:stretch>
+              </a:blipFill>
+            </p:spPr>
+            <p:txBody>
+              <a:bodyPr/>
+              <a:lstStyle/>
+              <a:p>
+                <a:r>
+                  <a:rPr lang="ko-KR" altLang="en-US">
+                    <a:noFill/>
+                  </a:rPr>
+                  <a:t> </a:t>
+                </a:r>
+              </a:p>
+            </p:txBody>
+          </p:sp>
+        </mc:Fallback>
+      </mc:AlternateContent>
+      <mc:AlternateContent xmlns:mc="http://schemas.openxmlformats.org/markup-compatibility/2006">
+        <mc:Choice xmlns:a14="http://schemas.microsoft.com/office/drawing/2010/main" Requires="a14">
+          <p:sp>
+            <p:nvSpPr>
+              <p:cNvPr id="28" name="TextBox 27">
+                <a:extLst>
+                  <a:ext uri="{FF2B5EF4-FFF2-40B4-BE49-F238E27FC236}">
+                    <a16:creationId xmlns:a16="http://schemas.microsoft.com/office/drawing/2014/main" id="{8E57C379-036E-47A2-97C1-17DED1AA91D0}"/>
+                  </a:ext>
+                </a:extLst>
+              </p:cNvPr>
+              <p:cNvSpPr txBox="1"/>
+              <p:nvPr/>
+            </p:nvSpPr>
+            <p:spPr>
+              <a:xfrm>
+                <a:off x="13531821" y="3429000"/>
+                <a:ext cx="622738" cy="369332"/>
+              </a:xfrm>
+              <a:prstGeom prst="rect">
+                <a:avLst/>
+              </a:prstGeom>
+              <a:noFill/>
+            </p:spPr>
+            <p:txBody>
+              <a:bodyPr wrap="square" rtlCol="0">
+                <a:spAutoFit/>
+              </a:bodyPr>
+              <a:lstStyle/>
+              <a:p>
+                <a:pPr/>
+                <a14:m>
+                  <m:oMathPara xmlns:m="http://schemas.openxmlformats.org/officeDocument/2006/math">
+                    <m:oMathParaPr>
+                      <m:jc m:val="centerGroup"/>
+                    </m:oMathParaPr>
+                    <m:oMath xmlns:m="http://schemas.openxmlformats.org/officeDocument/2006/math">
+                      <m:r>
+                        <a:rPr lang="en-US" altLang="ko-KR" b="0" i="1" smtClean="0">
+                          <a:latin typeface="Cambria Math" panose="02040503050406030204" pitchFamily="18" charset="0"/>
+                        </a:rPr>
+                        <m:t>𝑥</m:t>
+                      </m:r>
+                    </m:oMath>
+                  </m:oMathPara>
+                </a14:m>
+                <a:endParaRPr lang="ko-KR" altLang="en-US" dirty="0"/>
+              </a:p>
+            </p:txBody>
+          </p:sp>
+        </mc:Choice>
+        <mc:Fallback>
+          <p:sp>
+            <p:nvSpPr>
+              <p:cNvPr id="28" name="TextBox 27">
+                <a:extLst>
+                  <a:ext uri="{FF2B5EF4-FFF2-40B4-BE49-F238E27FC236}">
+                    <a16:creationId xmlns:a16="http://schemas.microsoft.com/office/drawing/2014/main" id="{8E57C379-036E-47A2-97C1-17DED1AA91D0}"/>
+                  </a:ext>
+                </a:extLst>
+              </p:cNvPr>
+              <p:cNvSpPr txBox="1">
+                <a:spLocks noRot="1" noChangeAspect="1" noMove="1" noResize="1" noEditPoints="1" noAdjustHandles="1" noChangeArrowheads="1" noChangeShapeType="1" noTextEdit="1"/>
+              </p:cNvSpPr>
+              <p:nvPr/>
+            </p:nvSpPr>
+            <p:spPr>
+              <a:xfrm>
+                <a:off x="13531821" y="3429000"/>
+                <a:ext cx="622738" cy="369332"/>
+              </a:xfrm>
+              <a:prstGeom prst="rect">
+                <a:avLst/>
+              </a:prstGeom>
+              <a:blipFill>
+                <a:blip r:embed="rId18"/>
+                <a:stretch>
+                  <a:fillRect/>
+                </a:stretch>
+              </a:blipFill>
+            </p:spPr>
+            <p:txBody>
+              <a:bodyPr/>
+              <a:lstStyle/>
+              <a:p>
+                <a:r>
+                  <a:rPr lang="ko-KR" altLang="en-US">
+                    <a:noFill/>
+                  </a:rPr>
+                  <a:t> </a:t>
+                </a:r>
+              </a:p>
+            </p:txBody>
+          </p:sp>
+        </mc:Fallback>
+      </mc:AlternateContent>
+      <mc:AlternateContent xmlns:mc="http://schemas.openxmlformats.org/markup-compatibility/2006">
+        <mc:Choice xmlns:a14="http://schemas.microsoft.com/office/drawing/2010/main" Requires="a14">
+          <p:sp>
+            <p:nvSpPr>
+              <p:cNvPr id="29" name="TextBox 28">
+                <a:extLst>
+                  <a:ext uri="{FF2B5EF4-FFF2-40B4-BE49-F238E27FC236}">
+                    <a16:creationId xmlns:a16="http://schemas.microsoft.com/office/drawing/2014/main" id="{13CF3D3B-71A4-40B3-8003-DFEDFAA1430C}"/>
+                  </a:ext>
+                </a:extLst>
+              </p:cNvPr>
+              <p:cNvSpPr txBox="1"/>
+              <p:nvPr/>
+            </p:nvSpPr>
+            <p:spPr>
+              <a:xfrm>
+                <a:off x="11448920" y="998929"/>
+                <a:ext cx="622738" cy="369332"/>
+              </a:xfrm>
+              <a:prstGeom prst="rect">
+                <a:avLst/>
+              </a:prstGeom>
+              <a:noFill/>
+            </p:spPr>
+            <p:txBody>
+              <a:bodyPr wrap="square" rtlCol="0">
+                <a:spAutoFit/>
+              </a:bodyPr>
+              <a:lstStyle/>
+              <a:p>
+                <a:pPr/>
+                <a14:m>
+                  <m:oMathPara xmlns:m="http://schemas.openxmlformats.org/officeDocument/2006/math">
+                    <m:oMathParaPr>
+                      <m:jc m:val="centerGroup"/>
+                    </m:oMathParaPr>
+                    <m:oMath xmlns:m="http://schemas.openxmlformats.org/officeDocument/2006/math">
+                      <m:r>
+                        <a:rPr lang="en-US" altLang="ko-KR" b="0" i="1" smtClean="0">
+                          <a:latin typeface="Cambria Math" panose="02040503050406030204" pitchFamily="18" charset="0"/>
+                        </a:rPr>
+                        <m:t>𝑦</m:t>
+                      </m:r>
+                    </m:oMath>
+                  </m:oMathPara>
+                </a14:m>
+                <a:endParaRPr lang="ko-KR" altLang="en-US" dirty="0"/>
+              </a:p>
+            </p:txBody>
+          </p:sp>
+        </mc:Choice>
+        <mc:Fallback>
+          <p:sp>
+            <p:nvSpPr>
+              <p:cNvPr id="29" name="TextBox 28">
+                <a:extLst>
+                  <a:ext uri="{FF2B5EF4-FFF2-40B4-BE49-F238E27FC236}">
+                    <a16:creationId xmlns:a16="http://schemas.microsoft.com/office/drawing/2014/main" id="{13CF3D3B-71A4-40B3-8003-DFEDFAA1430C}"/>
+                  </a:ext>
+                </a:extLst>
+              </p:cNvPr>
+              <p:cNvSpPr txBox="1">
+                <a:spLocks noRot="1" noChangeAspect="1" noMove="1" noResize="1" noEditPoints="1" noAdjustHandles="1" noChangeArrowheads="1" noChangeShapeType="1" noTextEdit="1"/>
+              </p:cNvSpPr>
+              <p:nvPr/>
+            </p:nvSpPr>
+            <p:spPr>
+              <a:xfrm>
+                <a:off x="11448920" y="998929"/>
+                <a:ext cx="622738" cy="369332"/>
+              </a:xfrm>
+              <a:prstGeom prst="rect">
+                <a:avLst/>
+              </a:prstGeom>
+              <a:blipFill>
+                <a:blip r:embed="rId19"/>
+                <a:stretch>
+                  <a:fillRect b="-10000"/>
+                </a:stretch>
+              </a:blipFill>
+            </p:spPr>
+            <p:txBody>
+              <a:bodyPr/>
+              <a:lstStyle/>
+              <a:p>
+                <a:r>
+                  <a:rPr lang="ko-KR" altLang="en-US">
+                    <a:noFill/>
+                  </a:rPr>
+                  <a:t> </a:t>
+                </a:r>
+              </a:p>
+            </p:txBody>
+          </p:sp>
+        </mc:Fallback>
+      </mc:AlternateContent>
+      <p:cxnSp>
+        <p:nvCxnSpPr>
+          <p:cNvPr id="30" name="직선 화살표 연결선 29">
+            <a:extLst>
+              <a:ext uri="{FF2B5EF4-FFF2-40B4-BE49-F238E27FC236}">
+                <a16:creationId xmlns:a16="http://schemas.microsoft.com/office/drawing/2014/main" id="{59259E7E-8CCF-4625-951B-2D16E879915F}"/>
+              </a:ext>
+            </a:extLst>
+          </p:cNvPr>
+          <p:cNvCxnSpPr/>
+          <p:nvPr/>
+        </p:nvCxnSpPr>
+        <p:spPr>
+          <a:xfrm>
+            <a:off x="11917464" y="2506980"/>
+            <a:ext cx="0" cy="1767840"/>
+          </a:xfrm>
+          <a:prstGeom prst="straightConnector1">
+            <a:avLst/>
+          </a:prstGeom>
+          <a:ln w="38100">
+            <a:solidFill>
+              <a:srgbClr val="FF0000"/>
+            </a:solidFill>
+            <a:headEnd type="triangle"/>
+            <a:tailEnd type="triangle"/>
+          </a:ln>
+        </p:spPr>
+        <p:style>
+          <a:lnRef idx="1">
+            <a:schemeClr val="accent1"/>
+          </a:lnRef>
+          <a:fillRef idx="0">
+            <a:schemeClr val="accent1"/>
+          </a:fillRef>
+          <a:effectRef idx="0">
+            <a:schemeClr val="accent1"/>
+          </a:effectRef>
+          <a:fontRef idx="minor">
+            <a:schemeClr val="tx1"/>
+          </a:fontRef>
+        </p:style>
+      </p:cxnSp>
+      <p:cxnSp>
+        <p:nvCxnSpPr>
+          <p:cNvPr id="31" name="직선 화살표 연결선 30">
+            <a:extLst>
+              <a:ext uri="{FF2B5EF4-FFF2-40B4-BE49-F238E27FC236}">
+                <a16:creationId xmlns:a16="http://schemas.microsoft.com/office/drawing/2014/main" id="{50174E1E-91B3-4B64-A618-D7CA878CC249}"/>
+              </a:ext>
+            </a:extLst>
+          </p:cNvPr>
+          <p:cNvCxnSpPr>
+            <a:cxnSpLocks/>
+          </p:cNvCxnSpPr>
+          <p:nvPr/>
+        </p:nvCxnSpPr>
+        <p:spPr>
+          <a:xfrm>
+            <a:off x="11062536" y="5129530"/>
+            <a:ext cx="1672590" cy="0"/>
+          </a:xfrm>
+          <a:prstGeom prst="straightConnector1">
+            <a:avLst/>
+          </a:prstGeom>
+          <a:ln w="38100">
+            <a:solidFill>
+              <a:srgbClr val="00B0F0"/>
+            </a:solidFill>
+            <a:headEnd type="triangle"/>
+            <a:tailEnd type="triangle"/>
+          </a:ln>
+        </p:spPr>
+        <p:style>
+          <a:lnRef idx="1">
+            <a:schemeClr val="accent1"/>
+          </a:lnRef>
+          <a:fillRef idx="0">
+            <a:schemeClr val="accent1"/>
+          </a:fillRef>
+          <a:effectRef idx="0">
+            <a:schemeClr val="accent1"/>
+          </a:effectRef>
+          <a:fontRef idx="minor">
+            <a:schemeClr val="tx1"/>
+          </a:fontRef>
+        </p:style>
+      </p:cxnSp>
+      <mc:AlternateContent xmlns:mc="http://schemas.openxmlformats.org/markup-compatibility/2006">
+        <mc:Choice xmlns:a14="http://schemas.microsoft.com/office/drawing/2010/main" Requires="a14">
+          <p:sp>
+            <p:nvSpPr>
+              <p:cNvPr id="32" name="TextBox 31">
+                <a:extLst>
+                  <a:ext uri="{FF2B5EF4-FFF2-40B4-BE49-F238E27FC236}">
+                    <a16:creationId xmlns:a16="http://schemas.microsoft.com/office/drawing/2014/main" id="{E0DE37FF-96FE-4A02-84BB-76AF4982698A}"/>
+                  </a:ext>
+                </a:extLst>
+              </p:cNvPr>
+              <p:cNvSpPr txBox="1"/>
+              <p:nvPr/>
+            </p:nvSpPr>
+            <p:spPr>
+              <a:xfrm>
+                <a:off x="10013973" y="4099612"/>
+                <a:ext cx="1617128" cy="646331"/>
+              </a:xfrm>
+              <a:prstGeom prst="rect">
+                <a:avLst/>
+              </a:prstGeom>
+              <a:noFill/>
+            </p:spPr>
+            <p:txBody>
+              <a:bodyPr wrap="square" rtlCol="0">
+                <a:spAutoFit/>
+              </a:bodyPr>
+              <a:lstStyle/>
+              <a:p>
+                <a:pPr/>
+                <a14:m>
+                  <m:oMathPara xmlns:m="http://schemas.openxmlformats.org/officeDocument/2006/math">
+                    <m:oMathParaPr>
+                      <m:jc m:val="centerGroup"/>
+                    </m:oMathParaPr>
+                    <m:oMath xmlns:m="http://schemas.openxmlformats.org/officeDocument/2006/math">
+                      <m:r>
+                        <a:rPr lang="en-US" altLang="ko-KR" b="0" i="1" smtClean="0">
+                          <a:latin typeface="Cambria Math" panose="02040503050406030204" pitchFamily="18" charset="0"/>
+                        </a:rPr>
+                        <m:t>𝑦</m:t>
+                      </m:r>
+                      <m:r>
+                        <a:rPr lang="en-US" altLang="ko-KR" b="0" i="1" smtClean="0">
+                          <a:latin typeface="Cambria Math" panose="02040503050406030204" pitchFamily="18" charset="0"/>
+                        </a:rPr>
+                        <m:t>=</m:t>
+                      </m:r>
+                      <m:sSup>
+                        <m:sSupPr>
+                          <m:ctrlPr>
+                            <a:rPr lang="en-US" altLang="ko-KR" b="0" i="1" smtClean="0">
+                              <a:latin typeface="Cambria Math" panose="02040503050406030204" pitchFamily="18" charset="0"/>
+                            </a:rPr>
+                          </m:ctrlPr>
+                        </m:sSupPr>
+                        <m:e>
+                          <m:r>
+                            <a:rPr lang="en-US" altLang="ko-KR" b="0" i="1" smtClean="0">
+                              <a:latin typeface="Cambria Math" panose="02040503050406030204" pitchFamily="18" charset="0"/>
+                            </a:rPr>
+                            <m:t>𝑎𝑥</m:t>
+                          </m:r>
+                        </m:e>
+                        <m:sup>
+                          <m:r>
+                            <a:rPr lang="en-US" altLang="ko-KR" b="0" i="1" smtClean="0">
+                              <a:latin typeface="Cambria Math" panose="02040503050406030204" pitchFamily="18" charset="0"/>
+                            </a:rPr>
+                            <m:t>2</m:t>
+                          </m:r>
+                        </m:sup>
+                      </m:sSup>
+                      <m:r>
+                        <a:rPr lang="en-US" altLang="ko-KR" b="0" i="1" smtClean="0">
+                          <a:latin typeface="Cambria Math" panose="02040503050406030204" pitchFamily="18" charset="0"/>
+                        </a:rPr>
+                        <m:t>+</m:t>
+                      </m:r>
+                      <m:r>
+                        <a:rPr lang="en-US" altLang="ko-KR" b="0" i="1" smtClean="0">
+                          <a:latin typeface="Cambria Math" panose="02040503050406030204" pitchFamily="18" charset="0"/>
+                        </a:rPr>
+                        <m:t>𝑐</m:t>
+                      </m:r>
+                    </m:oMath>
+                  </m:oMathPara>
+                </a14:m>
+                <a:endParaRPr lang="en-US" altLang="ko-KR" dirty="0"/>
+              </a:p>
+              <a:p>
+                <a14:m>
+                  <m:oMathPara xmlns:m="http://schemas.openxmlformats.org/officeDocument/2006/math">
+                    <m:oMathParaPr>
+                      <m:jc m:val="centerGroup"/>
+                    </m:oMathParaPr>
+                    <m:oMath xmlns:m="http://schemas.openxmlformats.org/officeDocument/2006/math">
+                      <m:r>
+                        <a:rPr lang="en-US" altLang="ko-KR" b="0" i="1" smtClean="0">
+                          <a:latin typeface="Cambria Math" panose="02040503050406030204" pitchFamily="18" charset="0"/>
+                        </a:rPr>
+                        <m:t>𝑎</m:t>
+                      </m:r>
+                      <m:r>
+                        <a:rPr lang="en-US" altLang="ko-KR" b="0" i="1" smtClean="0">
+                          <a:latin typeface="Cambria Math" panose="02040503050406030204" pitchFamily="18" charset="0"/>
+                        </a:rPr>
+                        <m:t>&lt;0</m:t>
+                      </m:r>
+                    </m:oMath>
+                  </m:oMathPara>
+                </a14:m>
+                <a:endParaRPr lang="ko-KR" altLang="en-US" dirty="0"/>
+              </a:p>
+            </p:txBody>
+          </p:sp>
+        </mc:Choice>
+        <mc:Fallback>
+          <p:sp>
+            <p:nvSpPr>
+              <p:cNvPr id="32" name="TextBox 31">
+                <a:extLst>
+                  <a:ext uri="{FF2B5EF4-FFF2-40B4-BE49-F238E27FC236}">
+                    <a16:creationId xmlns:a16="http://schemas.microsoft.com/office/drawing/2014/main" id="{E0DE37FF-96FE-4A02-84BB-76AF4982698A}"/>
+                  </a:ext>
+                </a:extLst>
+              </p:cNvPr>
+              <p:cNvSpPr txBox="1">
+                <a:spLocks noRot="1" noChangeAspect="1" noMove="1" noResize="1" noEditPoints="1" noAdjustHandles="1" noChangeArrowheads="1" noChangeShapeType="1" noTextEdit="1"/>
+              </p:cNvSpPr>
+              <p:nvPr/>
+            </p:nvSpPr>
+            <p:spPr>
+              <a:xfrm>
+                <a:off x="10013973" y="4099612"/>
+                <a:ext cx="1617128" cy="646331"/>
+              </a:xfrm>
+              <a:prstGeom prst="rect">
+                <a:avLst/>
+              </a:prstGeom>
+              <a:blipFill>
+                <a:blip r:embed="rId20"/>
+                <a:stretch>
+                  <a:fillRect/>
+                </a:stretch>
+              </a:blipFill>
+            </p:spPr>
+            <p:txBody>
+              <a:bodyPr/>
+              <a:lstStyle/>
+              <a:p>
+                <a:r>
+                  <a:rPr lang="ko-KR" altLang="en-US">
+                    <a:noFill/>
+                  </a:rPr>
+                  <a:t> </a:t>
+                </a:r>
+              </a:p>
+            </p:txBody>
+          </p:sp>
+        </mc:Fallback>
+      </mc:AlternateContent>
+    </p:spTree>
+    <p:extLst>
+      <p:ext uri="{BB962C8B-B14F-4D97-AF65-F5344CB8AC3E}">
+        <p14:creationId xmlns:p14="http://schemas.microsoft.com/office/powerpoint/2010/main" val="3333172966"/>
+      </p:ext>
+    </p:extLst>
+  </p:cSld>
+  <p:clrMapOvr>
+    <a:masterClrMapping/>
+  </p:clrMapOvr>
+</p:sld>
+</file>
+
+<file path=ppt/slides/slide16.xml><?xml version="1.0" encoding="utf-8"?>
+<p:sld xmlns:a="http://schemas.openxmlformats.org/drawingml/2006/main" xmlns:r="http://schemas.openxmlformats.org/officeDocument/2006/relationships" xmlns:p="http://schemas.openxmlformats.org/presentationml/2006/main">
+  <p:cSld>
+    <p:spTree>
+      <p:nvGrpSpPr>
+        <p:cNvPr id="1" name=""/>
+        <p:cNvGrpSpPr/>
+        <p:nvPr/>
+      </p:nvGrpSpPr>
+      <p:grpSpPr>
+        <a:xfrm>
+          <a:off x="0" y="0"/>
+          <a:ext cx="0" cy="0"/>
+          <a:chOff x="0" y="0"/>
+          <a:chExt cx="0" cy="0"/>
+        </a:xfrm>
+      </p:grpSpPr>
+      <p:pic>
+        <p:nvPicPr>
+          <p:cNvPr id="34" name="그림 33">
+            <a:extLst>
+              <a:ext uri="{FF2B5EF4-FFF2-40B4-BE49-F238E27FC236}">
+                <a16:creationId xmlns:a16="http://schemas.microsoft.com/office/drawing/2014/main" id="{8FA1FCA7-6656-4EEC-9313-0969D804297B}"/>
+              </a:ext>
+            </a:extLst>
+          </p:cNvPr>
+          <p:cNvPicPr>
+            <a:picLocks noChangeAspect="1"/>
+          </p:cNvPicPr>
+          <p:nvPr/>
+        </p:nvPicPr>
+        <p:blipFill>
+          <a:blip r:embed="rId2"/>
+          <a:stretch>
+            <a:fillRect/>
+          </a:stretch>
+        </p:blipFill>
+        <p:spPr>
+          <a:xfrm>
+            <a:off x="2779986" y="399102"/>
+            <a:ext cx="6632028" cy="6059796"/>
+          </a:xfrm>
+          <a:prstGeom prst="rect">
+            <a:avLst/>
+          </a:prstGeom>
+        </p:spPr>
+      </p:pic>
+      <mc:AlternateContent xmlns:mc="http://schemas.openxmlformats.org/markup-compatibility/2006">
+        <mc:Choice xmlns:a14="http://schemas.microsoft.com/office/drawing/2010/main" Requires="a14">
+          <p:sp>
+            <p:nvSpPr>
+              <p:cNvPr id="36" name="TextBox 35">
+                <a:extLst>
+                  <a:ext uri="{FF2B5EF4-FFF2-40B4-BE49-F238E27FC236}">
+                    <a16:creationId xmlns:a16="http://schemas.microsoft.com/office/drawing/2014/main" id="{FC898518-C933-4039-91B9-D7A24977F968}"/>
+                  </a:ext>
+                </a:extLst>
+              </p:cNvPr>
+              <p:cNvSpPr txBox="1"/>
+              <p:nvPr/>
+            </p:nvSpPr>
+            <p:spPr>
+              <a:xfrm>
+                <a:off x="6464898" y="3546746"/>
+                <a:ext cx="622738" cy="400110"/>
+              </a:xfrm>
+              <a:prstGeom prst="rect">
+                <a:avLst/>
+              </a:prstGeom>
+              <a:noFill/>
+            </p:spPr>
+            <p:txBody>
+              <a:bodyPr wrap="square" rtlCol="0">
+                <a:spAutoFit/>
+              </a:bodyPr>
+              <a:lstStyle/>
+              <a:p>
+                <a:pPr/>
+                <a14:m>
+                  <m:oMathPara xmlns:m="http://schemas.openxmlformats.org/officeDocument/2006/math">
+                    <m:oMathParaPr>
+                      <m:jc m:val="centerGroup"/>
+                    </m:oMathParaPr>
+                    <m:oMath xmlns:m="http://schemas.openxmlformats.org/officeDocument/2006/math">
+                      <m:r>
+                        <a:rPr lang="en-US" altLang="ko-KR" sz="2000" b="0" i="1" smtClean="0">
+                          <a:latin typeface="Cambria Math" panose="02040503050406030204" pitchFamily="18" charset="0"/>
+                        </a:rPr>
+                        <m:t>𝑂</m:t>
+                      </m:r>
+                    </m:oMath>
+                  </m:oMathPara>
+                </a14:m>
+                <a:endParaRPr lang="ko-KR" altLang="en-US" sz="2000" dirty="0"/>
+              </a:p>
+            </p:txBody>
+          </p:sp>
+        </mc:Choice>
+        <mc:Fallback>
+          <p:sp>
+            <p:nvSpPr>
+              <p:cNvPr id="36" name="TextBox 35">
+                <a:extLst>
+                  <a:ext uri="{FF2B5EF4-FFF2-40B4-BE49-F238E27FC236}">
+                    <a16:creationId xmlns:a16="http://schemas.microsoft.com/office/drawing/2014/main" id="{FC898518-C933-4039-91B9-D7A24977F968}"/>
+                  </a:ext>
+                </a:extLst>
+              </p:cNvPr>
+              <p:cNvSpPr txBox="1">
+                <a:spLocks noRot="1" noChangeAspect="1" noMove="1" noResize="1" noEditPoints="1" noAdjustHandles="1" noChangeArrowheads="1" noChangeShapeType="1" noTextEdit="1"/>
+              </p:cNvSpPr>
+              <p:nvPr/>
+            </p:nvSpPr>
+            <p:spPr>
+              <a:xfrm>
+                <a:off x="6464898" y="3546746"/>
+                <a:ext cx="622738" cy="400110"/>
+              </a:xfrm>
+              <a:prstGeom prst="rect">
+                <a:avLst/>
+              </a:prstGeom>
+              <a:blipFill>
+                <a:blip r:embed="rId3"/>
+                <a:stretch>
+                  <a:fillRect/>
+                </a:stretch>
+              </a:blipFill>
+            </p:spPr>
+            <p:txBody>
+              <a:bodyPr/>
+              <a:lstStyle/>
+              <a:p>
+                <a:r>
+                  <a:rPr lang="ko-KR" altLang="en-US">
+                    <a:noFill/>
+                  </a:rPr>
+                  <a:t> </a:t>
+                </a:r>
+              </a:p>
+            </p:txBody>
+          </p:sp>
+        </mc:Fallback>
+      </mc:AlternateContent>
+      <mc:AlternateContent xmlns:mc="http://schemas.openxmlformats.org/markup-compatibility/2006">
+        <mc:Choice xmlns:a14="http://schemas.microsoft.com/office/drawing/2010/main" Requires="a14">
+          <p:sp>
+            <p:nvSpPr>
+              <p:cNvPr id="37" name="TextBox 36">
+                <a:extLst>
+                  <a:ext uri="{FF2B5EF4-FFF2-40B4-BE49-F238E27FC236}">
+                    <a16:creationId xmlns:a16="http://schemas.microsoft.com/office/drawing/2014/main" id="{3D13CDCB-137D-4A9B-A899-482D2E314AFA}"/>
+                  </a:ext>
+                </a:extLst>
+              </p:cNvPr>
+              <p:cNvSpPr txBox="1"/>
+              <p:nvPr/>
+            </p:nvSpPr>
+            <p:spPr>
+              <a:xfrm>
+                <a:off x="9014110" y="3485712"/>
+                <a:ext cx="622738" cy="400110"/>
+              </a:xfrm>
+              <a:prstGeom prst="rect">
+                <a:avLst/>
+              </a:prstGeom>
+              <a:noFill/>
+            </p:spPr>
+            <p:txBody>
+              <a:bodyPr wrap="square" rtlCol="0">
+                <a:spAutoFit/>
+              </a:bodyPr>
+              <a:lstStyle/>
+              <a:p>
+                <a:pPr/>
+                <a14:m>
+                  <m:oMathPara xmlns:m="http://schemas.openxmlformats.org/officeDocument/2006/math">
+                    <m:oMathParaPr>
+                      <m:jc m:val="centerGroup"/>
+                    </m:oMathParaPr>
+                    <m:oMath xmlns:m="http://schemas.openxmlformats.org/officeDocument/2006/math">
+                      <m:r>
+                        <a:rPr lang="en-US" altLang="ko-KR" sz="2000" b="0" i="1" smtClean="0">
+                          <a:latin typeface="Cambria Math" panose="02040503050406030204" pitchFamily="18" charset="0"/>
+                        </a:rPr>
+                        <m:t>𝑥</m:t>
+                      </m:r>
+                    </m:oMath>
+                  </m:oMathPara>
+                </a14:m>
+                <a:endParaRPr lang="ko-KR" altLang="en-US" sz="2000" dirty="0"/>
+              </a:p>
+            </p:txBody>
+          </p:sp>
+        </mc:Choice>
+        <mc:Fallback>
+          <p:sp>
+            <p:nvSpPr>
+              <p:cNvPr id="37" name="TextBox 36">
+                <a:extLst>
+                  <a:ext uri="{FF2B5EF4-FFF2-40B4-BE49-F238E27FC236}">
+                    <a16:creationId xmlns:a16="http://schemas.microsoft.com/office/drawing/2014/main" id="{3D13CDCB-137D-4A9B-A899-482D2E314AFA}"/>
+                  </a:ext>
+                </a:extLst>
+              </p:cNvPr>
+              <p:cNvSpPr txBox="1">
+                <a:spLocks noRot="1" noChangeAspect="1" noMove="1" noResize="1" noEditPoints="1" noAdjustHandles="1" noChangeArrowheads="1" noChangeShapeType="1" noTextEdit="1"/>
+              </p:cNvSpPr>
+              <p:nvPr/>
+            </p:nvSpPr>
+            <p:spPr>
+              <a:xfrm>
+                <a:off x="9014110" y="3485712"/>
+                <a:ext cx="622738" cy="400110"/>
+              </a:xfrm>
+              <a:prstGeom prst="rect">
+                <a:avLst/>
+              </a:prstGeom>
+              <a:blipFill>
+                <a:blip r:embed="rId4"/>
+                <a:stretch>
+                  <a:fillRect/>
+                </a:stretch>
+              </a:blipFill>
+            </p:spPr>
+            <p:txBody>
+              <a:bodyPr/>
+              <a:lstStyle/>
+              <a:p>
+                <a:r>
+                  <a:rPr lang="ko-KR" altLang="en-US">
+                    <a:noFill/>
+                  </a:rPr>
+                  <a:t> </a:t>
+                </a:r>
+              </a:p>
+            </p:txBody>
+          </p:sp>
+        </mc:Fallback>
+      </mc:AlternateContent>
+      <mc:AlternateContent xmlns:mc="http://schemas.openxmlformats.org/markup-compatibility/2006">
+        <mc:Choice xmlns:a14="http://schemas.microsoft.com/office/drawing/2010/main" Requires="a14">
+          <p:sp>
+            <p:nvSpPr>
+              <p:cNvPr id="38" name="TextBox 37">
+                <a:extLst>
+                  <a:ext uri="{FF2B5EF4-FFF2-40B4-BE49-F238E27FC236}">
+                    <a16:creationId xmlns:a16="http://schemas.microsoft.com/office/drawing/2014/main" id="{78E18D3D-DF01-4F5E-976A-BEE503560B72}"/>
+                  </a:ext>
+                </a:extLst>
+              </p:cNvPr>
+              <p:cNvSpPr txBox="1"/>
+              <p:nvPr/>
+            </p:nvSpPr>
+            <p:spPr>
+              <a:xfrm>
+                <a:off x="6160551" y="252138"/>
+                <a:ext cx="622738" cy="400110"/>
+              </a:xfrm>
+              <a:prstGeom prst="rect">
+                <a:avLst/>
+              </a:prstGeom>
+              <a:noFill/>
+            </p:spPr>
+            <p:txBody>
+              <a:bodyPr wrap="square" rtlCol="0">
+                <a:spAutoFit/>
+              </a:bodyPr>
+              <a:lstStyle/>
+              <a:p>
+                <a:pPr/>
+                <a14:m>
+                  <m:oMathPara xmlns:m="http://schemas.openxmlformats.org/officeDocument/2006/math">
+                    <m:oMathParaPr>
+                      <m:jc m:val="centerGroup"/>
+                    </m:oMathParaPr>
+                    <m:oMath xmlns:m="http://schemas.openxmlformats.org/officeDocument/2006/math">
+                      <m:r>
+                        <a:rPr lang="en-US" altLang="ko-KR" sz="2000" b="0" i="1" smtClean="0">
+                          <a:latin typeface="Cambria Math" panose="02040503050406030204" pitchFamily="18" charset="0"/>
+                        </a:rPr>
+                        <m:t>𝑦</m:t>
+                      </m:r>
+                    </m:oMath>
+                  </m:oMathPara>
+                </a14:m>
+                <a:endParaRPr lang="ko-KR" altLang="en-US" sz="2000" dirty="0"/>
+              </a:p>
+            </p:txBody>
+          </p:sp>
+        </mc:Choice>
+        <mc:Fallback>
+          <p:sp>
+            <p:nvSpPr>
+              <p:cNvPr id="38" name="TextBox 37">
+                <a:extLst>
+                  <a:ext uri="{FF2B5EF4-FFF2-40B4-BE49-F238E27FC236}">
+                    <a16:creationId xmlns:a16="http://schemas.microsoft.com/office/drawing/2014/main" id="{78E18D3D-DF01-4F5E-976A-BEE503560B72}"/>
+                  </a:ext>
+                </a:extLst>
+              </p:cNvPr>
+              <p:cNvSpPr txBox="1">
+                <a:spLocks noRot="1" noChangeAspect="1" noMove="1" noResize="1" noEditPoints="1" noAdjustHandles="1" noChangeArrowheads="1" noChangeShapeType="1" noTextEdit="1"/>
+              </p:cNvSpPr>
+              <p:nvPr/>
+            </p:nvSpPr>
+            <p:spPr>
+              <a:xfrm>
+                <a:off x="6160551" y="252138"/>
+                <a:ext cx="622738" cy="400110"/>
+              </a:xfrm>
+              <a:prstGeom prst="rect">
+                <a:avLst/>
+              </a:prstGeom>
+              <a:blipFill>
+                <a:blip r:embed="rId5"/>
+                <a:stretch>
+                  <a:fillRect b="-10606"/>
+                </a:stretch>
+              </a:blipFill>
+            </p:spPr>
+            <p:txBody>
+              <a:bodyPr/>
+              <a:lstStyle/>
+              <a:p>
+                <a:r>
+                  <a:rPr lang="ko-KR" altLang="en-US">
+                    <a:noFill/>
+                  </a:rPr>
+                  <a:t> </a:t>
+                </a:r>
+              </a:p>
+            </p:txBody>
+          </p:sp>
+        </mc:Fallback>
+      </mc:AlternateContent>
+      <p:cxnSp>
+        <p:nvCxnSpPr>
+          <p:cNvPr id="40" name="직선 연결선 39">
+            <a:extLst>
+              <a:ext uri="{FF2B5EF4-FFF2-40B4-BE49-F238E27FC236}">
+                <a16:creationId xmlns:a16="http://schemas.microsoft.com/office/drawing/2014/main" id="{FBEF913F-2D7C-4904-8782-85BFC30B3401}"/>
+              </a:ext>
+            </a:extLst>
+          </p:cNvPr>
+          <p:cNvCxnSpPr>
+            <a:cxnSpLocks/>
+          </p:cNvCxnSpPr>
+          <p:nvPr/>
+        </p:nvCxnSpPr>
+        <p:spPr>
+          <a:xfrm>
+            <a:off x="3108347" y="3563007"/>
+            <a:ext cx="0" cy="2319750"/>
+          </a:xfrm>
+          <a:prstGeom prst="line">
+            <a:avLst/>
+          </a:prstGeom>
+          <a:ln>
+            <a:solidFill>
+              <a:schemeClr val="bg1">
+                <a:lumMod val="50000"/>
+              </a:schemeClr>
+            </a:solidFill>
+            <a:prstDash val="dash"/>
+          </a:ln>
+        </p:spPr>
+        <p:style>
+          <a:lnRef idx="1">
+            <a:schemeClr val="accent1"/>
+          </a:lnRef>
+          <a:fillRef idx="0">
+            <a:schemeClr val="accent1"/>
+          </a:fillRef>
+          <a:effectRef idx="0">
+            <a:schemeClr val="accent1"/>
+          </a:effectRef>
+          <a:fontRef idx="minor">
+            <a:schemeClr val="tx1"/>
+          </a:fontRef>
+        </p:style>
+      </p:cxnSp>
+      <mc:AlternateContent xmlns:mc="http://schemas.openxmlformats.org/markup-compatibility/2006">
+        <mc:Choice xmlns:a14="http://schemas.microsoft.com/office/drawing/2010/main" Requires="a14">
+          <p:sp>
+            <p:nvSpPr>
+              <p:cNvPr id="41" name="TextBox 40">
+                <a:extLst>
+                  <a:ext uri="{FF2B5EF4-FFF2-40B4-BE49-F238E27FC236}">
+                    <a16:creationId xmlns:a16="http://schemas.microsoft.com/office/drawing/2014/main" id="{A02DED21-800F-41C0-902E-3F781D31000B}"/>
+                  </a:ext>
+                </a:extLst>
+              </p:cNvPr>
+              <p:cNvSpPr txBox="1"/>
+              <p:nvPr/>
+            </p:nvSpPr>
+            <p:spPr>
+              <a:xfrm>
+                <a:off x="6533775" y="4498721"/>
+                <a:ext cx="622738" cy="400110"/>
+              </a:xfrm>
+              <a:prstGeom prst="rect">
+                <a:avLst/>
+              </a:prstGeom>
+              <a:noFill/>
+            </p:spPr>
+            <p:txBody>
+              <a:bodyPr wrap="square" rtlCol="0">
+                <a:spAutoFit/>
+              </a:bodyPr>
+              <a:lstStyle/>
+              <a:p>
+                <a:pPr/>
+                <a14:m>
+                  <m:oMathPara xmlns:m="http://schemas.openxmlformats.org/officeDocument/2006/math">
+                    <m:oMathParaPr>
+                      <m:jc m:val="centerGroup"/>
+                    </m:oMathParaPr>
+                    <m:oMath xmlns:m="http://schemas.openxmlformats.org/officeDocument/2006/math">
+                      <m:r>
+                        <a:rPr lang="en-US" altLang="ko-KR" sz="2000" b="0" i="1" smtClean="0">
+                          <a:latin typeface="Cambria Math" panose="02040503050406030204" pitchFamily="18" charset="0"/>
+                        </a:rPr>
+                        <m:t>−1</m:t>
+                      </m:r>
+                    </m:oMath>
+                  </m:oMathPara>
+                </a14:m>
+                <a:endParaRPr lang="ko-KR" altLang="en-US" sz="2000" dirty="0"/>
+              </a:p>
+            </p:txBody>
+          </p:sp>
+        </mc:Choice>
+        <mc:Fallback>
+          <p:sp>
+            <p:nvSpPr>
+              <p:cNvPr id="41" name="TextBox 40">
+                <a:extLst>
+                  <a:ext uri="{FF2B5EF4-FFF2-40B4-BE49-F238E27FC236}">
+                    <a16:creationId xmlns:a16="http://schemas.microsoft.com/office/drawing/2014/main" id="{A02DED21-800F-41C0-902E-3F781D31000B}"/>
+                  </a:ext>
+                </a:extLst>
+              </p:cNvPr>
+              <p:cNvSpPr txBox="1">
+                <a:spLocks noRot="1" noChangeAspect="1" noMove="1" noResize="1" noEditPoints="1" noAdjustHandles="1" noChangeArrowheads="1" noChangeShapeType="1" noTextEdit="1"/>
+              </p:cNvSpPr>
+              <p:nvPr/>
+            </p:nvSpPr>
+            <p:spPr>
+              <a:xfrm>
+                <a:off x="6533775" y="4498721"/>
+                <a:ext cx="622738" cy="400110"/>
+              </a:xfrm>
+              <a:prstGeom prst="rect">
+                <a:avLst/>
+              </a:prstGeom>
+              <a:blipFill>
+                <a:blip r:embed="rId6"/>
+                <a:stretch>
+                  <a:fillRect/>
+                </a:stretch>
+              </a:blipFill>
+            </p:spPr>
+            <p:txBody>
+              <a:bodyPr/>
+              <a:lstStyle/>
+              <a:p>
+                <a:r>
+                  <a:rPr lang="ko-KR" altLang="en-US">
+                    <a:noFill/>
+                  </a:rPr>
+                  <a:t> </a:t>
+                </a:r>
+              </a:p>
+            </p:txBody>
+          </p:sp>
+        </mc:Fallback>
+      </mc:AlternateContent>
+      <mc:AlternateContent xmlns:mc="http://schemas.openxmlformats.org/markup-compatibility/2006">
+        <mc:Choice xmlns:a14="http://schemas.microsoft.com/office/drawing/2010/main" Requires="a14">
+          <p:sp>
+            <p:nvSpPr>
+              <p:cNvPr id="43" name="TextBox 42">
+                <a:extLst>
+                  <a:ext uri="{FF2B5EF4-FFF2-40B4-BE49-F238E27FC236}">
+                    <a16:creationId xmlns:a16="http://schemas.microsoft.com/office/drawing/2014/main" id="{1A58D464-3F5D-4667-B4AB-FDAED11C6FB6}"/>
+                  </a:ext>
+                </a:extLst>
+              </p:cNvPr>
+              <p:cNvSpPr txBox="1"/>
+              <p:nvPr/>
+            </p:nvSpPr>
+            <p:spPr>
+              <a:xfrm>
+                <a:off x="7461968" y="3509916"/>
+                <a:ext cx="622738" cy="400110"/>
+              </a:xfrm>
+              <a:prstGeom prst="rect">
+                <a:avLst/>
+              </a:prstGeom>
+              <a:noFill/>
+            </p:spPr>
+            <p:txBody>
+              <a:bodyPr wrap="square" rtlCol="0">
+                <a:spAutoFit/>
+              </a:bodyPr>
+              <a:lstStyle/>
+              <a:p>
+                <a:pPr/>
+                <a14:m>
+                  <m:oMathPara xmlns:m="http://schemas.openxmlformats.org/officeDocument/2006/math">
+                    <m:oMathParaPr>
+                      <m:jc m:val="centerGroup"/>
+                    </m:oMathParaPr>
+                    <m:oMath xmlns:m="http://schemas.openxmlformats.org/officeDocument/2006/math">
+                      <m:r>
+                        <a:rPr lang="en-US" altLang="ko-KR" sz="2000" b="0" i="1" smtClean="0">
+                          <a:latin typeface="Cambria Math" panose="02040503050406030204" pitchFamily="18" charset="0"/>
+                        </a:rPr>
+                        <m:t>1</m:t>
+                      </m:r>
+                    </m:oMath>
+                  </m:oMathPara>
+                </a14:m>
+                <a:endParaRPr lang="ko-KR" altLang="en-US" sz="2000" dirty="0"/>
+              </a:p>
+            </p:txBody>
+          </p:sp>
+        </mc:Choice>
+        <mc:Fallback>
+          <p:sp>
+            <p:nvSpPr>
+              <p:cNvPr id="43" name="TextBox 42">
+                <a:extLst>
+                  <a:ext uri="{FF2B5EF4-FFF2-40B4-BE49-F238E27FC236}">
+                    <a16:creationId xmlns:a16="http://schemas.microsoft.com/office/drawing/2014/main" id="{1A58D464-3F5D-4667-B4AB-FDAED11C6FB6}"/>
+                  </a:ext>
+                </a:extLst>
+              </p:cNvPr>
+              <p:cNvSpPr txBox="1">
+                <a:spLocks noRot="1" noChangeAspect="1" noMove="1" noResize="1" noEditPoints="1" noAdjustHandles="1" noChangeArrowheads="1" noChangeShapeType="1" noTextEdit="1"/>
+              </p:cNvSpPr>
+              <p:nvPr/>
+            </p:nvSpPr>
+            <p:spPr>
+              <a:xfrm>
+                <a:off x="7461968" y="3509916"/>
+                <a:ext cx="622738" cy="400110"/>
+              </a:xfrm>
+              <a:prstGeom prst="rect">
+                <a:avLst/>
+              </a:prstGeom>
+              <a:blipFill>
+                <a:blip r:embed="rId7"/>
+                <a:stretch>
+                  <a:fillRect/>
+                </a:stretch>
+              </a:blipFill>
+            </p:spPr>
+            <p:txBody>
+              <a:bodyPr/>
+              <a:lstStyle/>
+              <a:p>
+                <a:r>
+                  <a:rPr lang="ko-KR" altLang="en-US">
+                    <a:noFill/>
+                  </a:rPr>
+                  <a:t> </a:t>
+                </a:r>
+              </a:p>
+            </p:txBody>
+          </p:sp>
+        </mc:Fallback>
+      </mc:AlternateContent>
+      <p:cxnSp>
+        <p:nvCxnSpPr>
+          <p:cNvPr id="44" name="직선 연결선 43">
+            <a:extLst>
+              <a:ext uri="{FF2B5EF4-FFF2-40B4-BE49-F238E27FC236}">
+                <a16:creationId xmlns:a16="http://schemas.microsoft.com/office/drawing/2014/main" id="{33BE8F69-DA15-4CD9-9D68-A22A115F1340}"/>
+              </a:ext>
+            </a:extLst>
+          </p:cNvPr>
+          <p:cNvCxnSpPr>
+            <a:cxnSpLocks/>
+          </p:cNvCxnSpPr>
+          <p:nvPr/>
+        </p:nvCxnSpPr>
+        <p:spPr>
+          <a:xfrm>
+            <a:off x="5481028" y="4722882"/>
+            <a:ext cx="1131818" cy="0"/>
+          </a:xfrm>
+          <a:prstGeom prst="line">
+            <a:avLst/>
+          </a:prstGeom>
+          <a:ln>
+            <a:solidFill>
+              <a:schemeClr val="bg1">
+                <a:lumMod val="50000"/>
+              </a:schemeClr>
+            </a:solidFill>
+            <a:prstDash val="dash"/>
+          </a:ln>
+        </p:spPr>
+        <p:style>
+          <a:lnRef idx="1">
+            <a:schemeClr val="accent1"/>
+          </a:lnRef>
+          <a:fillRef idx="0">
+            <a:schemeClr val="accent1"/>
+          </a:fillRef>
+          <a:effectRef idx="0">
+            <a:schemeClr val="accent1"/>
+          </a:effectRef>
+          <a:fontRef idx="minor">
+            <a:schemeClr val="tx1"/>
+          </a:fontRef>
+        </p:style>
+      </p:cxnSp>
+      <mc:AlternateContent xmlns:mc="http://schemas.openxmlformats.org/markup-compatibility/2006">
+        <mc:Choice xmlns:a14="http://schemas.microsoft.com/office/drawing/2010/main" Requires="a14">
+          <p:sp>
+            <p:nvSpPr>
+              <p:cNvPr id="47" name="TextBox 46">
+                <a:extLst>
+                  <a:ext uri="{FF2B5EF4-FFF2-40B4-BE49-F238E27FC236}">
+                    <a16:creationId xmlns:a16="http://schemas.microsoft.com/office/drawing/2014/main" id="{2C7E4ADA-E311-4FD4-B6EB-3E129CF0BB76}"/>
+                  </a:ext>
+                </a:extLst>
+              </p:cNvPr>
+              <p:cNvSpPr txBox="1"/>
+              <p:nvPr/>
+            </p:nvSpPr>
+            <p:spPr>
+              <a:xfrm>
+                <a:off x="5143543" y="3069934"/>
+                <a:ext cx="622738" cy="400110"/>
+              </a:xfrm>
+              <a:prstGeom prst="rect">
+                <a:avLst/>
+              </a:prstGeom>
+              <a:noFill/>
+            </p:spPr>
+            <p:txBody>
+              <a:bodyPr wrap="square" rtlCol="0">
+                <a:spAutoFit/>
+              </a:bodyPr>
+              <a:lstStyle/>
+              <a:p>
+                <a:pPr/>
+                <a14:m>
+                  <m:oMathPara xmlns:m="http://schemas.openxmlformats.org/officeDocument/2006/math">
+                    <m:oMathParaPr>
+                      <m:jc m:val="centerGroup"/>
+                    </m:oMathParaPr>
+                    <m:oMath xmlns:m="http://schemas.openxmlformats.org/officeDocument/2006/math">
+                      <m:r>
+                        <a:rPr lang="en-US" altLang="ko-KR" sz="2000" b="0" i="1" smtClean="0">
+                          <a:latin typeface="Cambria Math" panose="02040503050406030204" pitchFamily="18" charset="0"/>
+                        </a:rPr>
+                        <m:t>−1</m:t>
+                      </m:r>
+                    </m:oMath>
+                  </m:oMathPara>
+                </a14:m>
+                <a:endParaRPr lang="ko-KR" altLang="en-US" sz="2000" dirty="0"/>
+              </a:p>
+            </p:txBody>
+          </p:sp>
+        </mc:Choice>
+        <mc:Fallback>
+          <p:sp>
+            <p:nvSpPr>
+              <p:cNvPr id="47" name="TextBox 46">
+                <a:extLst>
+                  <a:ext uri="{FF2B5EF4-FFF2-40B4-BE49-F238E27FC236}">
+                    <a16:creationId xmlns:a16="http://schemas.microsoft.com/office/drawing/2014/main" id="{2C7E4ADA-E311-4FD4-B6EB-3E129CF0BB76}"/>
+                  </a:ext>
+                </a:extLst>
+              </p:cNvPr>
+              <p:cNvSpPr txBox="1">
+                <a:spLocks noRot="1" noChangeAspect="1" noMove="1" noResize="1" noEditPoints="1" noAdjustHandles="1" noChangeArrowheads="1" noChangeShapeType="1" noTextEdit="1"/>
+              </p:cNvSpPr>
+              <p:nvPr/>
+            </p:nvSpPr>
+            <p:spPr>
+              <a:xfrm>
+                <a:off x="5143543" y="3069934"/>
+                <a:ext cx="622738" cy="400110"/>
+              </a:xfrm>
+              <a:prstGeom prst="rect">
+                <a:avLst/>
+              </a:prstGeom>
+              <a:blipFill>
+                <a:blip r:embed="rId8"/>
+                <a:stretch>
+                  <a:fillRect/>
+                </a:stretch>
+              </a:blipFill>
+            </p:spPr>
+            <p:txBody>
+              <a:bodyPr/>
+              <a:lstStyle/>
+              <a:p>
+                <a:r>
+                  <a:rPr lang="ko-KR" altLang="en-US">
+                    <a:noFill/>
+                  </a:rPr>
+                  <a:t> </a:t>
+                </a:r>
+              </a:p>
+            </p:txBody>
+          </p:sp>
+        </mc:Fallback>
+      </mc:AlternateContent>
+      <mc:AlternateContent xmlns:mc="http://schemas.openxmlformats.org/markup-compatibility/2006">
+        <mc:Choice xmlns:a14="http://schemas.microsoft.com/office/drawing/2010/main" Requires="a14">
+          <p:sp>
+            <p:nvSpPr>
+              <p:cNvPr id="48" name="TextBox 47">
+                <a:extLst>
+                  <a:ext uri="{FF2B5EF4-FFF2-40B4-BE49-F238E27FC236}">
+                    <a16:creationId xmlns:a16="http://schemas.microsoft.com/office/drawing/2014/main" id="{804484D4-18E8-4D23-9343-FB22D5DA40BF}"/>
+                  </a:ext>
+                </a:extLst>
+              </p:cNvPr>
+              <p:cNvSpPr txBox="1"/>
+              <p:nvPr/>
+            </p:nvSpPr>
+            <p:spPr>
+              <a:xfrm>
+                <a:off x="6153529" y="2160882"/>
+                <a:ext cx="622738" cy="400110"/>
+              </a:xfrm>
+              <a:prstGeom prst="rect">
+                <a:avLst/>
+              </a:prstGeom>
+              <a:noFill/>
+            </p:spPr>
+            <p:txBody>
+              <a:bodyPr wrap="square" rtlCol="0">
+                <a:spAutoFit/>
+              </a:bodyPr>
+              <a:lstStyle/>
+              <a:p>
+                <a:pPr/>
+                <a14:m>
+                  <m:oMathPara xmlns:m="http://schemas.openxmlformats.org/officeDocument/2006/math">
+                    <m:oMathParaPr>
+                      <m:jc m:val="centerGroup"/>
+                    </m:oMathParaPr>
+                    <m:oMath xmlns:m="http://schemas.openxmlformats.org/officeDocument/2006/math">
+                      <m:r>
+                        <a:rPr lang="en-US" altLang="ko-KR" sz="2000" b="0" i="1" smtClean="0">
+                          <a:latin typeface="Cambria Math" panose="02040503050406030204" pitchFamily="18" charset="0"/>
+                        </a:rPr>
+                        <m:t>1</m:t>
+                      </m:r>
+                    </m:oMath>
+                  </m:oMathPara>
+                </a14:m>
+                <a:endParaRPr lang="ko-KR" altLang="en-US" sz="2000" dirty="0"/>
+              </a:p>
+            </p:txBody>
+          </p:sp>
+        </mc:Choice>
+        <mc:Fallback>
+          <p:sp>
+            <p:nvSpPr>
+              <p:cNvPr id="48" name="TextBox 47">
+                <a:extLst>
+                  <a:ext uri="{FF2B5EF4-FFF2-40B4-BE49-F238E27FC236}">
+                    <a16:creationId xmlns:a16="http://schemas.microsoft.com/office/drawing/2014/main" id="{804484D4-18E8-4D23-9343-FB22D5DA40BF}"/>
+                  </a:ext>
+                </a:extLst>
+              </p:cNvPr>
+              <p:cNvSpPr txBox="1">
+                <a:spLocks noRot="1" noChangeAspect="1" noMove="1" noResize="1" noEditPoints="1" noAdjustHandles="1" noChangeArrowheads="1" noChangeShapeType="1" noTextEdit="1"/>
+              </p:cNvSpPr>
+              <p:nvPr/>
+            </p:nvSpPr>
+            <p:spPr>
+              <a:xfrm>
+                <a:off x="6153529" y="2160882"/>
+                <a:ext cx="622738" cy="400110"/>
+              </a:xfrm>
+              <a:prstGeom prst="rect">
+                <a:avLst/>
+              </a:prstGeom>
+              <a:blipFill>
+                <a:blip r:embed="rId9"/>
+                <a:stretch>
+                  <a:fillRect/>
+                </a:stretch>
+              </a:blipFill>
+            </p:spPr>
+            <p:txBody>
+              <a:bodyPr/>
+              <a:lstStyle/>
+              <a:p>
+                <a:r>
+                  <a:rPr lang="ko-KR" altLang="en-US">
+                    <a:noFill/>
+                  </a:rPr>
+                  <a:t> </a:t>
+                </a:r>
+              </a:p>
+            </p:txBody>
+          </p:sp>
+        </mc:Fallback>
+      </mc:AlternateContent>
+      <p:cxnSp>
+        <p:nvCxnSpPr>
+          <p:cNvPr id="50" name="직선 연결선 49">
+            <a:extLst>
+              <a:ext uri="{FF2B5EF4-FFF2-40B4-BE49-F238E27FC236}">
+                <a16:creationId xmlns:a16="http://schemas.microsoft.com/office/drawing/2014/main" id="{79708AC2-053A-4D06-81C8-4CC379CC832B}"/>
+              </a:ext>
+            </a:extLst>
+          </p:cNvPr>
+          <p:cNvCxnSpPr>
+            <a:cxnSpLocks/>
+          </p:cNvCxnSpPr>
+          <p:nvPr/>
+        </p:nvCxnSpPr>
+        <p:spPr>
+          <a:xfrm>
+            <a:off x="4278934" y="3563007"/>
+            <a:ext cx="0" cy="2319750"/>
+          </a:xfrm>
+          <a:prstGeom prst="line">
+            <a:avLst/>
+          </a:prstGeom>
+          <a:ln>
+            <a:solidFill>
+              <a:schemeClr val="bg1">
+                <a:lumMod val="50000"/>
+              </a:schemeClr>
+            </a:solidFill>
+            <a:prstDash val="dash"/>
+          </a:ln>
+        </p:spPr>
+        <p:style>
+          <a:lnRef idx="1">
+            <a:schemeClr val="accent1"/>
+          </a:lnRef>
+          <a:fillRef idx="0">
+            <a:schemeClr val="accent1"/>
+          </a:fillRef>
+          <a:effectRef idx="0">
+            <a:schemeClr val="accent1"/>
+          </a:effectRef>
+          <a:fontRef idx="minor">
+            <a:schemeClr val="tx1"/>
+          </a:fontRef>
+        </p:style>
+      </p:cxnSp>
+      <p:cxnSp>
+        <p:nvCxnSpPr>
+          <p:cNvPr id="51" name="직선 연결선 50">
+            <a:extLst>
+              <a:ext uri="{FF2B5EF4-FFF2-40B4-BE49-F238E27FC236}">
+                <a16:creationId xmlns:a16="http://schemas.microsoft.com/office/drawing/2014/main" id="{295A8337-0B0D-49F8-9025-1E48FE3FCBF5}"/>
+              </a:ext>
+            </a:extLst>
+          </p:cNvPr>
+          <p:cNvCxnSpPr>
+            <a:cxnSpLocks/>
+          </p:cNvCxnSpPr>
+          <p:nvPr/>
+        </p:nvCxnSpPr>
+        <p:spPr>
+          <a:xfrm>
+            <a:off x="5445559" y="3563007"/>
+            <a:ext cx="0" cy="1119352"/>
+          </a:xfrm>
+          <a:prstGeom prst="line">
+            <a:avLst/>
+          </a:prstGeom>
+          <a:ln>
+            <a:solidFill>
+              <a:schemeClr val="bg1">
+                <a:lumMod val="50000"/>
+              </a:schemeClr>
+            </a:solidFill>
+            <a:prstDash val="dash"/>
+          </a:ln>
+        </p:spPr>
+        <p:style>
+          <a:lnRef idx="1">
+            <a:schemeClr val="accent1"/>
+          </a:lnRef>
+          <a:fillRef idx="0">
+            <a:schemeClr val="accent1"/>
+          </a:fillRef>
+          <a:effectRef idx="0">
+            <a:schemeClr val="accent1"/>
+          </a:effectRef>
+          <a:fontRef idx="minor">
+            <a:schemeClr val="tx1"/>
+          </a:fontRef>
+        </p:style>
+      </p:cxnSp>
+      <p:cxnSp>
+        <p:nvCxnSpPr>
+          <p:cNvPr id="54" name="직선 연결선 53">
+            <a:extLst>
+              <a:ext uri="{FF2B5EF4-FFF2-40B4-BE49-F238E27FC236}">
+                <a16:creationId xmlns:a16="http://schemas.microsoft.com/office/drawing/2014/main" id="{93D834C0-69F0-4F11-9ABB-2B8BE08368C0}"/>
+              </a:ext>
+            </a:extLst>
+          </p:cNvPr>
+          <p:cNvCxnSpPr>
+            <a:cxnSpLocks/>
+          </p:cNvCxnSpPr>
+          <p:nvPr/>
+        </p:nvCxnSpPr>
+        <p:spPr>
+          <a:xfrm>
+            <a:off x="4315460" y="5899019"/>
+            <a:ext cx="2297386" cy="0"/>
+          </a:xfrm>
+          <a:prstGeom prst="line">
+            <a:avLst/>
+          </a:prstGeom>
+          <a:ln>
+            <a:solidFill>
+              <a:schemeClr val="bg1">
+                <a:lumMod val="50000"/>
+              </a:schemeClr>
+            </a:solidFill>
+            <a:prstDash val="dash"/>
+          </a:ln>
+        </p:spPr>
+        <p:style>
+          <a:lnRef idx="1">
+            <a:schemeClr val="accent1"/>
+          </a:lnRef>
+          <a:fillRef idx="0">
+            <a:schemeClr val="accent1"/>
+          </a:fillRef>
+          <a:effectRef idx="0">
+            <a:schemeClr val="accent1"/>
+          </a:effectRef>
+          <a:fontRef idx="minor">
+            <a:schemeClr val="tx1"/>
+          </a:fontRef>
+        </p:style>
+      </p:cxnSp>
+      <p:cxnSp>
+        <p:nvCxnSpPr>
+          <p:cNvPr id="56" name="직선 연결선 55">
+            <a:extLst>
+              <a:ext uri="{FF2B5EF4-FFF2-40B4-BE49-F238E27FC236}">
+                <a16:creationId xmlns:a16="http://schemas.microsoft.com/office/drawing/2014/main" id="{720E4EEE-E961-4DF6-99E0-C229128534F1}"/>
+              </a:ext>
+            </a:extLst>
+          </p:cNvPr>
+          <p:cNvCxnSpPr>
+            <a:cxnSpLocks/>
+          </p:cNvCxnSpPr>
+          <p:nvPr/>
+        </p:nvCxnSpPr>
+        <p:spPr>
+          <a:xfrm>
+            <a:off x="7778038" y="1243257"/>
+            <a:ext cx="0" cy="2319750"/>
+          </a:xfrm>
+          <a:prstGeom prst="line">
+            <a:avLst/>
+          </a:prstGeom>
+          <a:ln>
+            <a:solidFill>
+              <a:schemeClr val="bg1">
+                <a:lumMod val="50000"/>
+              </a:schemeClr>
+            </a:solidFill>
+            <a:prstDash val="dash"/>
+          </a:ln>
+        </p:spPr>
+        <p:style>
+          <a:lnRef idx="1">
+            <a:schemeClr val="accent1"/>
+          </a:lnRef>
+          <a:fillRef idx="0">
+            <a:schemeClr val="accent1"/>
+          </a:fillRef>
+          <a:effectRef idx="0">
+            <a:schemeClr val="accent1"/>
+          </a:effectRef>
+          <a:fontRef idx="minor">
+            <a:schemeClr val="tx1"/>
+          </a:fontRef>
+        </p:style>
+      </p:cxnSp>
+      <p:cxnSp>
+        <p:nvCxnSpPr>
+          <p:cNvPr id="57" name="직선 연결선 56">
+            <a:extLst>
+              <a:ext uri="{FF2B5EF4-FFF2-40B4-BE49-F238E27FC236}">
+                <a16:creationId xmlns:a16="http://schemas.microsoft.com/office/drawing/2014/main" id="{41BF3400-77A4-4B7C-8A42-A8ACE4FD7EB2}"/>
+              </a:ext>
+            </a:extLst>
+          </p:cNvPr>
+          <p:cNvCxnSpPr>
+            <a:cxnSpLocks/>
+          </p:cNvCxnSpPr>
+          <p:nvPr/>
+        </p:nvCxnSpPr>
+        <p:spPr>
+          <a:xfrm>
+            <a:off x="8951518" y="1243257"/>
+            <a:ext cx="0" cy="2319750"/>
+          </a:xfrm>
+          <a:prstGeom prst="line">
+            <a:avLst/>
+          </a:prstGeom>
+          <a:ln>
+            <a:solidFill>
+              <a:schemeClr val="bg1">
+                <a:lumMod val="50000"/>
+              </a:schemeClr>
+            </a:solidFill>
+            <a:prstDash val="dash"/>
+          </a:ln>
+        </p:spPr>
+        <p:style>
+          <a:lnRef idx="1">
+            <a:schemeClr val="accent1"/>
+          </a:lnRef>
+          <a:fillRef idx="0">
+            <a:schemeClr val="accent1"/>
+          </a:fillRef>
+          <a:effectRef idx="0">
+            <a:schemeClr val="accent1"/>
+          </a:effectRef>
+          <a:fontRef idx="minor">
+            <a:schemeClr val="tx1"/>
+          </a:fontRef>
+        </p:style>
+      </p:cxnSp>
+      <p:cxnSp>
+        <p:nvCxnSpPr>
+          <p:cNvPr id="58" name="직선 연결선 57">
+            <a:extLst>
+              <a:ext uri="{FF2B5EF4-FFF2-40B4-BE49-F238E27FC236}">
+                <a16:creationId xmlns:a16="http://schemas.microsoft.com/office/drawing/2014/main" id="{96494532-2162-4424-9307-8F5FFFC5CA1D}"/>
+              </a:ext>
+            </a:extLst>
+          </p:cNvPr>
+          <p:cNvCxnSpPr>
+            <a:cxnSpLocks/>
+          </p:cNvCxnSpPr>
+          <p:nvPr/>
+        </p:nvCxnSpPr>
+        <p:spPr>
+          <a:xfrm>
+            <a:off x="6640124" y="1220730"/>
+            <a:ext cx="1131818" cy="0"/>
+          </a:xfrm>
+          <a:prstGeom prst="line">
+            <a:avLst/>
+          </a:prstGeom>
+          <a:ln>
+            <a:solidFill>
+              <a:schemeClr val="bg1">
+                <a:lumMod val="50000"/>
+              </a:schemeClr>
+            </a:solidFill>
+            <a:prstDash val="dash"/>
+          </a:ln>
+        </p:spPr>
+        <p:style>
+          <a:lnRef idx="1">
+            <a:schemeClr val="accent1"/>
+          </a:lnRef>
+          <a:fillRef idx="0">
+            <a:schemeClr val="accent1"/>
+          </a:fillRef>
+          <a:effectRef idx="0">
+            <a:schemeClr val="accent1"/>
+          </a:effectRef>
+          <a:fontRef idx="minor">
+            <a:schemeClr val="tx1"/>
+          </a:fontRef>
+        </p:style>
+      </p:cxnSp>
+      <mc:AlternateContent xmlns:mc="http://schemas.openxmlformats.org/markup-compatibility/2006">
+        <mc:Choice xmlns:a14="http://schemas.microsoft.com/office/drawing/2010/main" Requires="a14">
+          <p:sp>
+            <p:nvSpPr>
+              <p:cNvPr id="59" name="TextBox 58">
+                <a:extLst>
+                  <a:ext uri="{FF2B5EF4-FFF2-40B4-BE49-F238E27FC236}">
+                    <a16:creationId xmlns:a16="http://schemas.microsoft.com/office/drawing/2014/main" id="{9848A8B6-3632-43E5-A577-02436279C711}"/>
+                  </a:ext>
+                </a:extLst>
+              </p:cNvPr>
+              <p:cNvSpPr txBox="1"/>
+              <p:nvPr/>
+            </p:nvSpPr>
+            <p:spPr>
+              <a:xfrm>
+                <a:off x="6153529" y="1006455"/>
+                <a:ext cx="622738" cy="400110"/>
+              </a:xfrm>
+              <a:prstGeom prst="rect">
+                <a:avLst/>
+              </a:prstGeom>
+              <a:noFill/>
+            </p:spPr>
+            <p:txBody>
+              <a:bodyPr wrap="square" rtlCol="0">
+                <a:spAutoFit/>
+              </a:bodyPr>
+              <a:lstStyle/>
+              <a:p>
+                <a:pPr/>
+                <a14:m>
+                  <m:oMathPara xmlns:m="http://schemas.openxmlformats.org/officeDocument/2006/math">
+                    <m:oMathParaPr>
+                      <m:jc m:val="centerGroup"/>
+                    </m:oMathParaPr>
+                    <m:oMath xmlns:m="http://schemas.openxmlformats.org/officeDocument/2006/math">
+                      <m:r>
+                        <a:rPr lang="en-US" altLang="ko-KR" sz="2000" b="0" i="1" smtClean="0">
+                          <a:latin typeface="Cambria Math" panose="02040503050406030204" pitchFamily="18" charset="0"/>
+                        </a:rPr>
+                        <m:t>2</m:t>
+                      </m:r>
+                    </m:oMath>
+                  </m:oMathPara>
+                </a14:m>
+                <a:endParaRPr lang="ko-KR" altLang="en-US" sz="2000" dirty="0"/>
+              </a:p>
+            </p:txBody>
+          </p:sp>
+        </mc:Choice>
+        <mc:Fallback>
+          <p:sp>
+            <p:nvSpPr>
+              <p:cNvPr id="59" name="TextBox 58">
+                <a:extLst>
+                  <a:ext uri="{FF2B5EF4-FFF2-40B4-BE49-F238E27FC236}">
+                    <a16:creationId xmlns:a16="http://schemas.microsoft.com/office/drawing/2014/main" id="{9848A8B6-3632-43E5-A577-02436279C711}"/>
+                  </a:ext>
+                </a:extLst>
+              </p:cNvPr>
+              <p:cNvSpPr txBox="1">
+                <a:spLocks noRot="1" noChangeAspect="1" noMove="1" noResize="1" noEditPoints="1" noAdjustHandles="1" noChangeArrowheads="1" noChangeShapeType="1" noTextEdit="1"/>
+              </p:cNvSpPr>
+              <p:nvPr/>
+            </p:nvSpPr>
+            <p:spPr>
+              <a:xfrm>
+                <a:off x="6153529" y="1006455"/>
+                <a:ext cx="622738" cy="400110"/>
+              </a:xfrm>
+              <a:prstGeom prst="rect">
+                <a:avLst/>
+              </a:prstGeom>
+              <a:blipFill>
+                <a:blip r:embed="rId10"/>
+                <a:stretch>
+                  <a:fillRect/>
+                </a:stretch>
+              </a:blipFill>
+            </p:spPr>
+            <p:txBody>
+              <a:bodyPr/>
+              <a:lstStyle/>
+              <a:p>
+                <a:r>
+                  <a:rPr lang="ko-KR" altLang="en-US">
+                    <a:noFill/>
+                  </a:rPr>
+                  <a:t> </a:t>
+                </a:r>
+              </a:p>
+            </p:txBody>
+          </p:sp>
+        </mc:Fallback>
+      </mc:AlternateContent>
+      <mc:AlternateContent xmlns:mc="http://schemas.openxmlformats.org/markup-compatibility/2006">
+        <mc:Choice xmlns:a14="http://schemas.microsoft.com/office/drawing/2010/main" Requires="a14">
+          <p:sp>
+            <p:nvSpPr>
+              <p:cNvPr id="60" name="TextBox 59">
+                <a:extLst>
+                  <a:ext uri="{FF2B5EF4-FFF2-40B4-BE49-F238E27FC236}">
+                    <a16:creationId xmlns:a16="http://schemas.microsoft.com/office/drawing/2014/main" id="{C802F21E-446A-4A6C-8B58-D7BCC52329CE}"/>
+                  </a:ext>
+                </a:extLst>
+              </p:cNvPr>
+              <p:cNvSpPr txBox="1"/>
+              <p:nvPr/>
+            </p:nvSpPr>
+            <p:spPr>
+              <a:xfrm>
+                <a:off x="8641666" y="3509916"/>
+                <a:ext cx="622738" cy="400110"/>
+              </a:xfrm>
+              <a:prstGeom prst="rect">
+                <a:avLst/>
+              </a:prstGeom>
+              <a:noFill/>
+            </p:spPr>
+            <p:txBody>
+              <a:bodyPr wrap="square" rtlCol="0">
+                <a:spAutoFit/>
+              </a:bodyPr>
+              <a:lstStyle/>
+              <a:p>
+                <a:pPr/>
+                <a14:m>
+                  <m:oMathPara xmlns:m="http://schemas.openxmlformats.org/officeDocument/2006/math">
+                    <m:oMathParaPr>
+                      <m:jc m:val="centerGroup"/>
+                    </m:oMathParaPr>
+                    <m:oMath xmlns:m="http://schemas.openxmlformats.org/officeDocument/2006/math">
+                      <m:r>
+                        <a:rPr lang="en-US" altLang="ko-KR" sz="2000" b="0" i="1" smtClean="0">
+                          <a:latin typeface="Cambria Math" panose="02040503050406030204" pitchFamily="18" charset="0"/>
+                        </a:rPr>
+                        <m:t>2</m:t>
+                      </m:r>
+                    </m:oMath>
+                  </m:oMathPara>
+                </a14:m>
+                <a:endParaRPr lang="ko-KR" altLang="en-US" sz="2000" dirty="0"/>
+              </a:p>
+            </p:txBody>
+          </p:sp>
+        </mc:Choice>
+        <mc:Fallback>
+          <p:sp>
+            <p:nvSpPr>
+              <p:cNvPr id="60" name="TextBox 59">
+                <a:extLst>
+                  <a:ext uri="{FF2B5EF4-FFF2-40B4-BE49-F238E27FC236}">
+                    <a16:creationId xmlns:a16="http://schemas.microsoft.com/office/drawing/2014/main" id="{C802F21E-446A-4A6C-8B58-D7BCC52329CE}"/>
+                  </a:ext>
+                </a:extLst>
+              </p:cNvPr>
+              <p:cNvSpPr txBox="1">
+                <a:spLocks noRot="1" noChangeAspect="1" noMove="1" noResize="1" noEditPoints="1" noAdjustHandles="1" noChangeArrowheads="1" noChangeShapeType="1" noTextEdit="1"/>
+              </p:cNvSpPr>
+              <p:nvPr/>
+            </p:nvSpPr>
+            <p:spPr>
+              <a:xfrm>
+                <a:off x="8641666" y="3509916"/>
+                <a:ext cx="622738" cy="400110"/>
+              </a:xfrm>
+              <a:prstGeom prst="rect">
+                <a:avLst/>
+              </a:prstGeom>
+              <a:blipFill>
+                <a:blip r:embed="rId11"/>
+                <a:stretch>
+                  <a:fillRect/>
+                </a:stretch>
+              </a:blipFill>
+            </p:spPr>
+            <p:txBody>
+              <a:bodyPr/>
+              <a:lstStyle/>
+              <a:p>
+                <a:r>
+                  <a:rPr lang="ko-KR" altLang="en-US">
+                    <a:noFill/>
+                  </a:rPr>
+                  <a:t> </a:t>
+                </a:r>
+              </a:p>
+            </p:txBody>
+          </p:sp>
+        </mc:Fallback>
+      </mc:AlternateContent>
+      <mc:AlternateContent xmlns:mc="http://schemas.openxmlformats.org/markup-compatibility/2006">
+        <mc:Choice xmlns:a14="http://schemas.microsoft.com/office/drawing/2010/main" Requires="a14">
+          <p:sp>
+            <p:nvSpPr>
+              <p:cNvPr id="61" name="TextBox 60">
+                <a:extLst>
+                  <a:ext uri="{FF2B5EF4-FFF2-40B4-BE49-F238E27FC236}">
+                    <a16:creationId xmlns:a16="http://schemas.microsoft.com/office/drawing/2014/main" id="{9A654B82-D77D-4005-A9C3-C2D703C0D5D1}"/>
+                  </a:ext>
+                </a:extLst>
+              </p:cNvPr>
+              <p:cNvSpPr txBox="1"/>
+              <p:nvPr/>
+            </p:nvSpPr>
+            <p:spPr>
+              <a:xfrm>
+                <a:off x="3934066" y="3069934"/>
+                <a:ext cx="622738" cy="400110"/>
+              </a:xfrm>
+              <a:prstGeom prst="rect">
+                <a:avLst/>
+              </a:prstGeom>
+              <a:noFill/>
+            </p:spPr>
+            <p:txBody>
+              <a:bodyPr wrap="square" rtlCol="0">
+                <a:spAutoFit/>
+              </a:bodyPr>
+              <a:lstStyle/>
+              <a:p>
+                <a:pPr/>
+                <a14:m>
+                  <m:oMathPara xmlns:m="http://schemas.openxmlformats.org/officeDocument/2006/math">
+                    <m:oMathParaPr>
+                      <m:jc m:val="centerGroup"/>
+                    </m:oMathParaPr>
+                    <m:oMath xmlns:m="http://schemas.openxmlformats.org/officeDocument/2006/math">
+                      <m:r>
+                        <a:rPr lang="en-US" altLang="ko-KR" sz="2000" b="0" i="1" smtClean="0">
+                          <a:latin typeface="Cambria Math" panose="02040503050406030204" pitchFamily="18" charset="0"/>
+                        </a:rPr>
+                        <m:t>−2</m:t>
+                      </m:r>
+                    </m:oMath>
+                  </m:oMathPara>
+                </a14:m>
+                <a:endParaRPr lang="ko-KR" altLang="en-US" sz="2000" dirty="0"/>
+              </a:p>
+            </p:txBody>
+          </p:sp>
+        </mc:Choice>
+        <mc:Fallback>
+          <p:sp>
+            <p:nvSpPr>
+              <p:cNvPr id="61" name="TextBox 60">
+                <a:extLst>
+                  <a:ext uri="{FF2B5EF4-FFF2-40B4-BE49-F238E27FC236}">
+                    <a16:creationId xmlns:a16="http://schemas.microsoft.com/office/drawing/2014/main" id="{9A654B82-D77D-4005-A9C3-C2D703C0D5D1}"/>
+                  </a:ext>
+                </a:extLst>
+              </p:cNvPr>
+              <p:cNvSpPr txBox="1">
+                <a:spLocks noRot="1" noChangeAspect="1" noMove="1" noResize="1" noEditPoints="1" noAdjustHandles="1" noChangeArrowheads="1" noChangeShapeType="1" noTextEdit="1"/>
+              </p:cNvSpPr>
+              <p:nvPr/>
+            </p:nvSpPr>
+            <p:spPr>
+              <a:xfrm>
+                <a:off x="3934066" y="3069934"/>
+                <a:ext cx="622738" cy="400110"/>
+              </a:xfrm>
+              <a:prstGeom prst="rect">
+                <a:avLst/>
+              </a:prstGeom>
+              <a:blipFill>
+                <a:blip r:embed="rId12"/>
+                <a:stretch>
+                  <a:fillRect/>
+                </a:stretch>
+              </a:blipFill>
+            </p:spPr>
+            <p:txBody>
+              <a:bodyPr/>
+              <a:lstStyle/>
+              <a:p>
+                <a:r>
+                  <a:rPr lang="ko-KR" altLang="en-US">
+                    <a:noFill/>
+                  </a:rPr>
+                  <a:t> </a:t>
+                </a:r>
+              </a:p>
+            </p:txBody>
+          </p:sp>
+        </mc:Fallback>
+      </mc:AlternateContent>
+      <mc:AlternateContent xmlns:mc="http://schemas.openxmlformats.org/markup-compatibility/2006">
+        <mc:Choice xmlns:a14="http://schemas.microsoft.com/office/drawing/2010/main" Requires="a14">
+          <p:sp>
+            <p:nvSpPr>
+              <p:cNvPr id="63" name="TextBox 62">
+                <a:extLst>
+                  <a:ext uri="{FF2B5EF4-FFF2-40B4-BE49-F238E27FC236}">
+                    <a16:creationId xmlns:a16="http://schemas.microsoft.com/office/drawing/2014/main" id="{43919913-3CC9-4115-AB74-F0BCA8681164}"/>
+                  </a:ext>
+                </a:extLst>
+              </p:cNvPr>
+              <p:cNvSpPr txBox="1"/>
+              <p:nvPr/>
+            </p:nvSpPr>
+            <p:spPr>
+              <a:xfrm>
+                <a:off x="2796978" y="3069934"/>
+                <a:ext cx="622738" cy="400110"/>
+              </a:xfrm>
+              <a:prstGeom prst="rect">
+                <a:avLst/>
+              </a:prstGeom>
+              <a:noFill/>
+            </p:spPr>
+            <p:txBody>
+              <a:bodyPr wrap="square" rtlCol="0">
+                <a:spAutoFit/>
+              </a:bodyPr>
+              <a:lstStyle/>
+              <a:p>
+                <a:pPr/>
+                <a14:m>
+                  <m:oMathPara xmlns:m="http://schemas.openxmlformats.org/officeDocument/2006/math">
+                    <m:oMathParaPr>
+                      <m:jc m:val="centerGroup"/>
+                    </m:oMathParaPr>
+                    <m:oMath xmlns:m="http://schemas.openxmlformats.org/officeDocument/2006/math">
+                      <m:r>
+                        <a:rPr lang="en-US" altLang="ko-KR" sz="2000" b="0" i="1" smtClean="0">
+                          <a:latin typeface="Cambria Math" panose="02040503050406030204" pitchFamily="18" charset="0"/>
+                        </a:rPr>
+                        <m:t>−3</m:t>
+                      </m:r>
+                    </m:oMath>
+                  </m:oMathPara>
+                </a14:m>
+                <a:endParaRPr lang="ko-KR" altLang="en-US" sz="2000" dirty="0"/>
+              </a:p>
+            </p:txBody>
+          </p:sp>
+        </mc:Choice>
+        <mc:Fallback>
+          <p:sp>
+            <p:nvSpPr>
+              <p:cNvPr id="63" name="TextBox 62">
+                <a:extLst>
+                  <a:ext uri="{FF2B5EF4-FFF2-40B4-BE49-F238E27FC236}">
+                    <a16:creationId xmlns:a16="http://schemas.microsoft.com/office/drawing/2014/main" id="{43919913-3CC9-4115-AB74-F0BCA8681164}"/>
+                  </a:ext>
+                </a:extLst>
+              </p:cNvPr>
+              <p:cNvSpPr txBox="1">
+                <a:spLocks noRot="1" noChangeAspect="1" noMove="1" noResize="1" noEditPoints="1" noAdjustHandles="1" noChangeArrowheads="1" noChangeShapeType="1" noTextEdit="1"/>
+              </p:cNvSpPr>
+              <p:nvPr/>
+            </p:nvSpPr>
+            <p:spPr>
+              <a:xfrm>
+                <a:off x="2796978" y="3069934"/>
+                <a:ext cx="622738" cy="400110"/>
+              </a:xfrm>
+              <a:prstGeom prst="rect">
+                <a:avLst/>
+              </a:prstGeom>
+              <a:blipFill>
+                <a:blip r:embed="rId13"/>
+                <a:stretch>
+                  <a:fillRect/>
+                </a:stretch>
+              </a:blipFill>
+            </p:spPr>
+            <p:txBody>
+              <a:bodyPr/>
+              <a:lstStyle/>
+              <a:p>
+                <a:r>
+                  <a:rPr lang="ko-KR" altLang="en-US">
+                    <a:noFill/>
+                  </a:rPr>
+                  <a:t> </a:t>
+                </a:r>
+              </a:p>
+            </p:txBody>
+          </p:sp>
+        </mc:Fallback>
+      </mc:AlternateContent>
+      <mc:AlternateContent xmlns:mc="http://schemas.openxmlformats.org/markup-compatibility/2006">
+        <mc:Choice xmlns:a14="http://schemas.microsoft.com/office/drawing/2010/main" Requires="a14">
+          <p:sp>
+            <p:nvSpPr>
+              <p:cNvPr id="64" name="TextBox 63">
+                <a:extLst>
+                  <a:ext uri="{FF2B5EF4-FFF2-40B4-BE49-F238E27FC236}">
+                    <a16:creationId xmlns:a16="http://schemas.microsoft.com/office/drawing/2014/main" id="{83D18186-637C-46A8-A4BB-57396F32022E}"/>
+                  </a:ext>
+                </a:extLst>
+              </p:cNvPr>
+              <p:cNvSpPr txBox="1"/>
+              <p:nvPr/>
+            </p:nvSpPr>
+            <p:spPr>
+              <a:xfrm>
+                <a:off x="6533775" y="5675104"/>
+                <a:ext cx="622738" cy="400110"/>
+              </a:xfrm>
+              <a:prstGeom prst="rect">
+                <a:avLst/>
+              </a:prstGeom>
+              <a:noFill/>
+            </p:spPr>
+            <p:txBody>
+              <a:bodyPr wrap="square" rtlCol="0">
+                <a:spAutoFit/>
+              </a:bodyPr>
+              <a:lstStyle/>
+              <a:p>
+                <a:pPr/>
+                <a14:m>
+                  <m:oMathPara xmlns:m="http://schemas.openxmlformats.org/officeDocument/2006/math">
+                    <m:oMathParaPr>
+                      <m:jc m:val="centerGroup"/>
+                    </m:oMathParaPr>
+                    <m:oMath xmlns:m="http://schemas.openxmlformats.org/officeDocument/2006/math">
+                      <m:r>
+                        <a:rPr lang="en-US" altLang="ko-KR" sz="2000" b="0" i="1" smtClean="0">
+                          <a:latin typeface="Cambria Math" panose="02040503050406030204" pitchFamily="18" charset="0"/>
+                        </a:rPr>
+                        <m:t>−2</m:t>
+                      </m:r>
+                    </m:oMath>
+                  </m:oMathPara>
+                </a14:m>
+                <a:endParaRPr lang="ko-KR" altLang="en-US" sz="2000" dirty="0"/>
+              </a:p>
+            </p:txBody>
+          </p:sp>
+        </mc:Choice>
+        <mc:Fallback>
+          <p:sp>
+            <p:nvSpPr>
+              <p:cNvPr id="64" name="TextBox 63">
+                <a:extLst>
+                  <a:ext uri="{FF2B5EF4-FFF2-40B4-BE49-F238E27FC236}">
+                    <a16:creationId xmlns:a16="http://schemas.microsoft.com/office/drawing/2014/main" id="{83D18186-637C-46A8-A4BB-57396F32022E}"/>
+                  </a:ext>
+                </a:extLst>
+              </p:cNvPr>
+              <p:cNvSpPr txBox="1">
+                <a:spLocks noRot="1" noChangeAspect="1" noMove="1" noResize="1" noEditPoints="1" noAdjustHandles="1" noChangeArrowheads="1" noChangeShapeType="1" noTextEdit="1"/>
+              </p:cNvSpPr>
+              <p:nvPr/>
+            </p:nvSpPr>
+            <p:spPr>
+              <a:xfrm>
+                <a:off x="6533775" y="5675104"/>
+                <a:ext cx="622738" cy="400110"/>
+              </a:xfrm>
+              <a:prstGeom prst="rect">
+                <a:avLst/>
+              </a:prstGeom>
+              <a:blipFill>
+                <a:blip r:embed="rId14"/>
+                <a:stretch>
+                  <a:fillRect/>
+                </a:stretch>
+              </a:blipFill>
+            </p:spPr>
+            <p:txBody>
+              <a:bodyPr/>
+              <a:lstStyle/>
+              <a:p>
+                <a:r>
+                  <a:rPr lang="ko-KR" altLang="en-US">
+                    <a:noFill/>
+                  </a:rPr>
+                  <a:t> </a:t>
+                </a:r>
+              </a:p>
+            </p:txBody>
+          </p:sp>
+        </mc:Fallback>
+      </mc:AlternateContent>
+      <mc:AlternateContent xmlns:mc="http://schemas.openxmlformats.org/markup-compatibility/2006">
+        <mc:Choice xmlns:a14="http://schemas.microsoft.com/office/drawing/2010/main" Requires="a14">
+          <p:sp>
+            <p:nvSpPr>
+              <p:cNvPr id="65" name="TextBox 64">
+                <a:extLst>
+                  <a:ext uri="{FF2B5EF4-FFF2-40B4-BE49-F238E27FC236}">
+                    <a16:creationId xmlns:a16="http://schemas.microsoft.com/office/drawing/2014/main" id="{9585FF7B-9CF4-4083-9E2A-EB033E21FEAF}"/>
+                  </a:ext>
+                </a:extLst>
+              </p:cNvPr>
+              <p:cNvSpPr txBox="1"/>
+              <p:nvPr/>
+            </p:nvSpPr>
+            <p:spPr>
+              <a:xfrm>
+                <a:off x="7618227" y="579604"/>
+                <a:ext cx="1498855" cy="400110"/>
+              </a:xfrm>
+              <a:prstGeom prst="rect">
+                <a:avLst/>
+              </a:prstGeom>
+              <a:noFill/>
+            </p:spPr>
+            <p:txBody>
+              <a:bodyPr wrap="square" rtlCol="0">
+                <a:spAutoFit/>
+              </a:bodyPr>
+              <a:lstStyle/>
+              <a:p>
+                <a:pPr/>
+                <a14:m>
+                  <m:oMathPara xmlns:m="http://schemas.openxmlformats.org/officeDocument/2006/math">
+                    <m:oMathParaPr>
+                      <m:jc m:val="centerGroup"/>
+                    </m:oMathParaPr>
+                    <m:oMath xmlns:m="http://schemas.openxmlformats.org/officeDocument/2006/math">
+                      <m:r>
+                        <a:rPr lang="en-US" altLang="ko-KR" sz="2000" b="0" i="1" smtClean="0">
+                          <a:latin typeface="Cambria Math" panose="02040503050406030204" pitchFamily="18" charset="0"/>
+                        </a:rPr>
+                        <m:t>𝑦</m:t>
+                      </m:r>
+                      <m:r>
+                        <a:rPr lang="en-US" altLang="ko-KR" sz="2000" b="0" i="1" smtClean="0">
+                          <a:latin typeface="Cambria Math" panose="02040503050406030204" pitchFamily="18" charset="0"/>
+                        </a:rPr>
+                        <m:t>=</m:t>
+                      </m:r>
+                      <m:r>
+                        <a:rPr lang="en-US" altLang="ko-KR" sz="2000" b="0" i="1" smtClean="0">
+                          <a:latin typeface="Cambria Math" panose="02040503050406030204" pitchFamily="18" charset="0"/>
+                        </a:rPr>
+                        <m:t>𝑓</m:t>
+                      </m:r>
+                      <m:r>
+                        <a:rPr lang="en-US" altLang="ko-KR" sz="2000" b="0" i="1" smtClean="0">
+                          <a:latin typeface="Cambria Math" panose="02040503050406030204" pitchFamily="18" charset="0"/>
+                        </a:rPr>
+                        <m:t>(</m:t>
+                      </m:r>
+                      <m:r>
+                        <a:rPr lang="en-US" altLang="ko-KR" sz="2000" b="0" i="1" smtClean="0">
+                          <a:latin typeface="Cambria Math" panose="02040503050406030204" pitchFamily="18" charset="0"/>
+                        </a:rPr>
+                        <m:t>𝑥</m:t>
+                      </m:r>
+                      <m:r>
+                        <a:rPr lang="en-US" altLang="ko-KR" sz="2000" b="0" i="1" smtClean="0">
+                          <a:latin typeface="Cambria Math" panose="02040503050406030204" pitchFamily="18" charset="0"/>
+                        </a:rPr>
+                        <m:t>)</m:t>
+                      </m:r>
+                    </m:oMath>
+                  </m:oMathPara>
+                </a14:m>
+                <a:endParaRPr lang="ko-KR" altLang="en-US" sz="2000" dirty="0"/>
+              </a:p>
+            </p:txBody>
+          </p:sp>
+        </mc:Choice>
+        <mc:Fallback>
+          <p:sp>
+            <p:nvSpPr>
+              <p:cNvPr id="65" name="TextBox 64">
+                <a:extLst>
+                  <a:ext uri="{FF2B5EF4-FFF2-40B4-BE49-F238E27FC236}">
+                    <a16:creationId xmlns:a16="http://schemas.microsoft.com/office/drawing/2014/main" id="{9585FF7B-9CF4-4083-9E2A-EB033E21FEAF}"/>
+                  </a:ext>
+                </a:extLst>
+              </p:cNvPr>
+              <p:cNvSpPr txBox="1">
+                <a:spLocks noRot="1" noChangeAspect="1" noMove="1" noResize="1" noEditPoints="1" noAdjustHandles="1" noChangeArrowheads="1" noChangeShapeType="1" noTextEdit="1"/>
+              </p:cNvSpPr>
+              <p:nvPr/>
+            </p:nvSpPr>
+            <p:spPr>
+              <a:xfrm>
+                <a:off x="7618227" y="579604"/>
+                <a:ext cx="1498855" cy="400110"/>
+              </a:xfrm>
+              <a:prstGeom prst="rect">
+                <a:avLst/>
+              </a:prstGeom>
+              <a:blipFill>
+                <a:blip r:embed="rId15"/>
+                <a:stretch>
+                  <a:fillRect b="-18182"/>
+                </a:stretch>
+              </a:blipFill>
+            </p:spPr>
+            <p:txBody>
+              <a:bodyPr/>
+              <a:lstStyle/>
+              <a:p>
+                <a:r>
+                  <a:rPr lang="ko-KR" altLang="en-US">
+                    <a:noFill/>
+                  </a:rPr>
+                  <a:t> </a:t>
+                </a:r>
+              </a:p>
+            </p:txBody>
+          </p:sp>
+        </mc:Fallback>
+      </mc:AlternateContent>
     </p:spTree>
     <p:extLst>
       <p:ext uri="{BB962C8B-B14F-4D97-AF65-F5344CB8AC3E}">

--- a/Resources/그림판.pptx
+++ b/Resources/그림판.pptx
@@ -20,7 +20,9 @@
     <p:sldId id="269" r:id="rId14"/>
     <p:sldId id="270" r:id="rId15"/>
     <p:sldId id="271" r:id="rId16"/>
-    <p:sldId id="268" r:id="rId17"/>
+    <p:sldId id="272" r:id="rId17"/>
+    <p:sldId id="273" r:id="rId18"/>
+    <p:sldId id="268" r:id="rId19"/>
   </p:sldIdLst>
   <p:sldSz cx="12192000" cy="6858000"/>
   <p:notesSz cx="6858000" cy="9144000"/>
@@ -274,7 +276,7 @@
           <a:p>
             <a:fld id="{D2046D81-BFF8-4449-968B-536CE4C16F6D}" type="datetimeFigureOut">
               <a:rPr lang="ko-KR" altLang="en-US" smtClean="0"/>
-              <a:t>2023-02-21</a:t>
+              <a:t>2023-02-28</a:t>
             </a:fld>
             <a:endParaRPr lang="ko-KR" altLang="en-US"/>
           </a:p>
@@ -472,7 +474,7 @@
           <a:p>
             <a:fld id="{D2046D81-BFF8-4449-968B-536CE4C16F6D}" type="datetimeFigureOut">
               <a:rPr lang="ko-KR" altLang="en-US" smtClean="0"/>
-              <a:t>2023-02-21</a:t>
+              <a:t>2023-02-28</a:t>
             </a:fld>
             <a:endParaRPr lang="ko-KR" altLang="en-US"/>
           </a:p>
@@ -680,7 +682,7 @@
           <a:p>
             <a:fld id="{D2046D81-BFF8-4449-968B-536CE4C16F6D}" type="datetimeFigureOut">
               <a:rPr lang="ko-KR" altLang="en-US" smtClean="0"/>
-              <a:t>2023-02-21</a:t>
+              <a:t>2023-02-28</a:t>
             </a:fld>
             <a:endParaRPr lang="ko-KR" altLang="en-US"/>
           </a:p>
@@ -878,7 +880,7 @@
           <a:p>
             <a:fld id="{D2046D81-BFF8-4449-968B-536CE4C16F6D}" type="datetimeFigureOut">
               <a:rPr lang="ko-KR" altLang="en-US" smtClean="0"/>
-              <a:t>2023-02-21</a:t>
+              <a:t>2023-02-28</a:t>
             </a:fld>
             <a:endParaRPr lang="ko-KR" altLang="en-US"/>
           </a:p>
@@ -1153,7 +1155,7 @@
           <a:p>
             <a:fld id="{D2046D81-BFF8-4449-968B-536CE4C16F6D}" type="datetimeFigureOut">
               <a:rPr lang="ko-KR" altLang="en-US" smtClean="0"/>
-              <a:t>2023-02-21</a:t>
+              <a:t>2023-02-28</a:t>
             </a:fld>
             <a:endParaRPr lang="ko-KR" altLang="en-US"/>
           </a:p>
@@ -1418,7 +1420,7 @@
           <a:p>
             <a:fld id="{D2046D81-BFF8-4449-968B-536CE4C16F6D}" type="datetimeFigureOut">
               <a:rPr lang="ko-KR" altLang="en-US" smtClean="0"/>
-              <a:t>2023-02-21</a:t>
+              <a:t>2023-02-28</a:t>
             </a:fld>
             <a:endParaRPr lang="ko-KR" altLang="en-US"/>
           </a:p>
@@ -1830,7 +1832,7 @@
           <a:p>
             <a:fld id="{D2046D81-BFF8-4449-968B-536CE4C16F6D}" type="datetimeFigureOut">
               <a:rPr lang="ko-KR" altLang="en-US" smtClean="0"/>
-              <a:t>2023-02-21</a:t>
+              <a:t>2023-02-28</a:t>
             </a:fld>
             <a:endParaRPr lang="ko-KR" altLang="en-US"/>
           </a:p>
@@ -1971,7 +1973,7 @@
           <a:p>
             <a:fld id="{D2046D81-BFF8-4449-968B-536CE4C16F6D}" type="datetimeFigureOut">
               <a:rPr lang="ko-KR" altLang="en-US" smtClean="0"/>
-              <a:t>2023-02-21</a:t>
+              <a:t>2023-02-28</a:t>
             </a:fld>
             <a:endParaRPr lang="ko-KR" altLang="en-US"/>
           </a:p>
@@ -2084,7 +2086,7 @@
           <a:p>
             <a:fld id="{D2046D81-BFF8-4449-968B-536CE4C16F6D}" type="datetimeFigureOut">
               <a:rPr lang="ko-KR" altLang="en-US" smtClean="0"/>
-              <a:t>2023-02-21</a:t>
+              <a:t>2023-02-28</a:t>
             </a:fld>
             <a:endParaRPr lang="ko-KR" altLang="en-US"/>
           </a:p>
@@ -2395,7 +2397,7 @@
           <a:p>
             <a:fld id="{D2046D81-BFF8-4449-968B-536CE4C16F6D}" type="datetimeFigureOut">
               <a:rPr lang="ko-KR" altLang="en-US" smtClean="0"/>
-              <a:t>2023-02-21</a:t>
+              <a:t>2023-02-28</a:t>
             </a:fld>
             <a:endParaRPr lang="ko-KR" altLang="en-US"/>
           </a:p>
@@ -2683,7 +2685,7 @@
           <a:p>
             <a:fld id="{D2046D81-BFF8-4449-968B-536CE4C16F6D}" type="datetimeFigureOut">
               <a:rPr lang="ko-KR" altLang="en-US" smtClean="0"/>
-              <a:t>2023-02-21</a:t>
+              <a:t>2023-02-28</a:t>
             </a:fld>
             <a:endParaRPr lang="ko-KR" altLang="en-US"/>
           </a:p>
@@ -2924,7 +2926,7 @@
           <a:p>
             <a:fld id="{D2046D81-BFF8-4449-968B-536CE4C16F6D}" type="datetimeFigureOut">
               <a:rPr lang="ko-KR" altLang="en-US" smtClean="0"/>
-              <a:t>2023-02-21</a:t>
+              <a:t>2023-02-28</a:t>
             </a:fld>
             <a:endParaRPr lang="ko-KR" altLang="en-US"/>
           </a:p>
@@ -12213,8 +12215,8 @@
           </a:prstGeom>
         </p:spPr>
       </p:pic>
-      <mc:AlternateContent xmlns:mc="http://schemas.openxmlformats.org/markup-compatibility/2006">
-        <mc:Choice xmlns:a14="http://schemas.microsoft.com/office/drawing/2010/main" Requires="a14">
+      <mc:AlternateContent xmlns:mc="http://schemas.openxmlformats.org/markup-compatibility/2006" xmlns:a14="http://schemas.microsoft.com/office/drawing/2010/main">
+        <mc:Choice Requires="a14">
           <p:sp>
             <p:nvSpPr>
               <p:cNvPr id="5" name="TextBox 4">
@@ -12264,7 +12266,7 @@
             </p:txBody>
           </p:sp>
         </mc:Choice>
-        <mc:Fallback>
+        <mc:Fallback xmlns="">
           <p:sp>
             <p:nvSpPr>
               <p:cNvPr id="5" name="TextBox 4">
@@ -12309,8 +12311,8 @@
           </p:sp>
         </mc:Fallback>
       </mc:AlternateContent>
-      <mc:AlternateContent xmlns:mc="http://schemas.openxmlformats.org/markup-compatibility/2006">
-        <mc:Choice xmlns:a14="http://schemas.microsoft.com/office/drawing/2010/main" Requires="a14">
+      <mc:AlternateContent xmlns:mc="http://schemas.openxmlformats.org/markup-compatibility/2006" xmlns:a14="http://schemas.microsoft.com/office/drawing/2010/main">
+        <mc:Choice Requires="a14">
           <p:sp>
             <p:nvSpPr>
               <p:cNvPr id="6" name="TextBox 5">
@@ -12360,7 +12362,7 @@
             </p:txBody>
           </p:sp>
         </mc:Choice>
-        <mc:Fallback>
+        <mc:Fallback xmlns="">
           <p:sp>
             <p:nvSpPr>
               <p:cNvPr id="6" name="TextBox 5">
@@ -12405,8 +12407,8 @@
           </p:sp>
         </mc:Fallback>
       </mc:AlternateContent>
-      <mc:AlternateContent xmlns:mc="http://schemas.openxmlformats.org/markup-compatibility/2006">
-        <mc:Choice xmlns:a14="http://schemas.microsoft.com/office/drawing/2010/main" Requires="a14">
+      <mc:AlternateContent xmlns:mc="http://schemas.openxmlformats.org/markup-compatibility/2006" xmlns:a14="http://schemas.microsoft.com/office/drawing/2010/main">
+        <mc:Choice Requires="a14">
           <p:sp>
             <p:nvSpPr>
               <p:cNvPr id="7" name="TextBox 6">
@@ -12456,7 +12458,7 @@
             </p:txBody>
           </p:sp>
         </mc:Choice>
-        <mc:Fallback>
+        <mc:Fallback xmlns="">
           <p:sp>
             <p:nvSpPr>
               <p:cNvPr id="7" name="TextBox 6">
@@ -12501,8 +12503,8 @@
           </p:sp>
         </mc:Fallback>
       </mc:AlternateContent>
-      <mc:AlternateContent xmlns:mc="http://schemas.openxmlformats.org/markup-compatibility/2006">
-        <mc:Choice xmlns:a14="http://schemas.microsoft.com/office/drawing/2010/main" Requires="a14">
+      <mc:AlternateContent xmlns:mc="http://schemas.openxmlformats.org/markup-compatibility/2006" xmlns:a14="http://schemas.microsoft.com/office/drawing/2010/main">
+        <mc:Choice Requires="a14">
           <p:sp>
             <p:nvSpPr>
               <p:cNvPr id="8" name="TextBox 7">
@@ -12595,7 +12597,7 @@
             </p:txBody>
           </p:sp>
         </mc:Choice>
-        <mc:Fallback>
+        <mc:Fallback xmlns="">
           <p:sp>
             <p:nvSpPr>
               <p:cNvPr id="8" name="TextBox 7">
@@ -12713,8 +12715,8 @@
           </a:prstGeom>
         </p:spPr>
       </p:pic>
-      <mc:AlternateContent xmlns:mc="http://schemas.openxmlformats.org/markup-compatibility/2006">
-        <mc:Choice xmlns:a14="http://schemas.microsoft.com/office/drawing/2010/main" Requires="a14">
+      <mc:AlternateContent xmlns:mc="http://schemas.openxmlformats.org/markup-compatibility/2006" xmlns:a14="http://schemas.microsoft.com/office/drawing/2010/main">
+        <mc:Choice Requires="a14">
           <p:sp>
             <p:nvSpPr>
               <p:cNvPr id="12" name="TextBox 11">
@@ -12764,7 +12766,7 @@
             </p:txBody>
           </p:sp>
         </mc:Choice>
-        <mc:Fallback>
+        <mc:Fallback xmlns="">
           <p:sp>
             <p:nvSpPr>
               <p:cNvPr id="12" name="TextBox 11">
@@ -12809,8 +12811,8 @@
           </p:sp>
         </mc:Fallback>
       </mc:AlternateContent>
-      <mc:AlternateContent xmlns:mc="http://schemas.openxmlformats.org/markup-compatibility/2006">
-        <mc:Choice xmlns:a14="http://schemas.microsoft.com/office/drawing/2010/main" Requires="a14">
+      <mc:AlternateContent xmlns:mc="http://schemas.openxmlformats.org/markup-compatibility/2006" xmlns:a14="http://schemas.microsoft.com/office/drawing/2010/main">
+        <mc:Choice Requires="a14">
           <p:sp>
             <p:nvSpPr>
               <p:cNvPr id="13" name="TextBox 12">
@@ -12860,7 +12862,7 @@
             </p:txBody>
           </p:sp>
         </mc:Choice>
-        <mc:Fallback>
+        <mc:Fallback xmlns="">
           <p:sp>
             <p:nvSpPr>
               <p:cNvPr id="13" name="TextBox 12">
@@ -12905,8 +12907,8 @@
           </p:sp>
         </mc:Fallback>
       </mc:AlternateContent>
-      <mc:AlternateContent xmlns:mc="http://schemas.openxmlformats.org/markup-compatibility/2006">
-        <mc:Choice xmlns:a14="http://schemas.microsoft.com/office/drawing/2010/main" Requires="a14">
+      <mc:AlternateContent xmlns:mc="http://schemas.openxmlformats.org/markup-compatibility/2006" xmlns:a14="http://schemas.microsoft.com/office/drawing/2010/main">
+        <mc:Choice Requires="a14">
           <p:sp>
             <p:nvSpPr>
               <p:cNvPr id="14" name="TextBox 13">
@@ -12956,7 +12958,7 @@
             </p:txBody>
           </p:sp>
         </mc:Choice>
-        <mc:Fallback>
+        <mc:Fallback xmlns="">
           <p:sp>
             <p:nvSpPr>
               <p:cNvPr id="14" name="TextBox 13">
@@ -13001,8 +13003,8 @@
           </p:sp>
         </mc:Fallback>
       </mc:AlternateContent>
-      <mc:AlternateContent xmlns:mc="http://schemas.openxmlformats.org/markup-compatibility/2006">
-        <mc:Choice xmlns:a14="http://schemas.microsoft.com/office/drawing/2010/main" Requires="a14">
+      <mc:AlternateContent xmlns:mc="http://schemas.openxmlformats.org/markup-compatibility/2006" xmlns:a14="http://schemas.microsoft.com/office/drawing/2010/main">
+        <mc:Choice Requires="a14">
           <p:sp>
             <p:nvSpPr>
               <p:cNvPr id="15" name="TextBox 14">
@@ -13093,6 +13095,7 @@
                 <a:endParaRPr lang="en-US" altLang="ko-KR" dirty="0"/>
               </a:p>
               <a:p>
+                <a:pPr/>
                 <a14:m>
                   <m:oMathPara xmlns:m="http://schemas.openxmlformats.org/officeDocument/2006/math">
                     <m:oMathParaPr>
@@ -13125,7 +13128,7 @@
             </p:txBody>
           </p:sp>
         </mc:Choice>
-        <mc:Fallback>
+        <mc:Fallback xmlns="">
           <p:sp>
             <p:nvSpPr>
               <p:cNvPr id="15" name="TextBox 14">
@@ -13288,8 +13291,8 @@
           </a:prstGeom>
         </p:spPr>
       </p:pic>
-      <mc:AlternateContent xmlns:mc="http://schemas.openxmlformats.org/markup-compatibility/2006">
-        <mc:Choice xmlns:a14="http://schemas.microsoft.com/office/drawing/2010/main" Requires="a14">
+      <mc:AlternateContent xmlns:mc="http://schemas.openxmlformats.org/markup-compatibility/2006" xmlns:a14="http://schemas.microsoft.com/office/drawing/2010/main">
+        <mc:Choice Requires="a14">
           <p:sp>
             <p:nvSpPr>
               <p:cNvPr id="21" name="TextBox 20">
@@ -13407,7 +13410,7 @@
             </p:txBody>
           </p:sp>
         </mc:Choice>
-        <mc:Fallback>
+        <mc:Fallback xmlns="">
           <p:sp>
             <p:nvSpPr>
               <p:cNvPr id="21" name="TextBox 20">
@@ -13495,8 +13498,8 @@
           </a:fontRef>
         </p:style>
       </p:cxnSp>
-      <mc:AlternateContent xmlns:mc="http://schemas.openxmlformats.org/markup-compatibility/2006">
-        <mc:Choice xmlns:a14="http://schemas.microsoft.com/office/drawing/2010/main" Requires="a14">
+      <mc:AlternateContent xmlns:mc="http://schemas.openxmlformats.org/markup-compatibility/2006" xmlns:a14="http://schemas.microsoft.com/office/drawing/2010/main">
+        <mc:Choice Requires="a14">
           <p:sp>
             <p:nvSpPr>
               <p:cNvPr id="23" name="TextBox 22">
@@ -13546,7 +13549,7 @@
             </p:txBody>
           </p:sp>
         </mc:Choice>
-        <mc:Fallback>
+        <mc:Fallback xmlns="">
           <p:sp>
             <p:nvSpPr>
               <p:cNvPr id="23" name="TextBox 22">
@@ -13591,8 +13594,8 @@
           </p:sp>
         </mc:Fallback>
       </mc:AlternateContent>
-      <mc:AlternateContent xmlns:mc="http://schemas.openxmlformats.org/markup-compatibility/2006">
-        <mc:Choice xmlns:a14="http://schemas.microsoft.com/office/drawing/2010/main" Requires="a14">
+      <mc:AlternateContent xmlns:mc="http://schemas.openxmlformats.org/markup-compatibility/2006" xmlns:a14="http://schemas.microsoft.com/office/drawing/2010/main">
+        <mc:Choice Requires="a14">
           <p:sp>
             <p:nvSpPr>
               <p:cNvPr id="24" name="TextBox 23">
@@ -13642,7 +13645,7 @@
             </p:txBody>
           </p:sp>
         </mc:Choice>
-        <mc:Fallback>
+        <mc:Fallback xmlns="">
           <p:sp>
             <p:nvSpPr>
               <p:cNvPr id="24" name="TextBox 23">
@@ -13687,8 +13690,8 @@
           </p:sp>
         </mc:Fallback>
       </mc:AlternateContent>
-      <mc:AlternateContent xmlns:mc="http://schemas.openxmlformats.org/markup-compatibility/2006">
-        <mc:Choice xmlns:a14="http://schemas.microsoft.com/office/drawing/2010/main" Requires="a14">
+      <mc:AlternateContent xmlns:mc="http://schemas.openxmlformats.org/markup-compatibility/2006" xmlns:a14="http://schemas.microsoft.com/office/drawing/2010/main">
+        <mc:Choice Requires="a14">
           <p:sp>
             <p:nvSpPr>
               <p:cNvPr id="25" name="TextBox 24">
@@ -13738,7 +13741,7 @@
             </p:txBody>
           </p:sp>
         </mc:Choice>
-        <mc:Fallback>
+        <mc:Fallback xmlns="">
           <p:sp>
             <p:nvSpPr>
               <p:cNvPr id="25" name="TextBox 24">
@@ -13813,8 +13816,8 @@
           </a:prstGeom>
         </p:spPr>
       </p:pic>
-      <mc:AlternateContent xmlns:mc="http://schemas.openxmlformats.org/markup-compatibility/2006">
-        <mc:Choice xmlns:a14="http://schemas.microsoft.com/office/drawing/2010/main" Requires="a14">
+      <mc:AlternateContent xmlns:mc="http://schemas.openxmlformats.org/markup-compatibility/2006" xmlns:a14="http://schemas.microsoft.com/office/drawing/2010/main">
+        <mc:Choice Requires="a14">
           <p:sp>
             <p:nvSpPr>
               <p:cNvPr id="27" name="TextBox 26">
@@ -13864,7 +13867,7 @@
             </p:txBody>
           </p:sp>
         </mc:Choice>
-        <mc:Fallback>
+        <mc:Fallback xmlns="">
           <p:sp>
             <p:nvSpPr>
               <p:cNvPr id="27" name="TextBox 26">
@@ -13909,8 +13912,8 @@
           </p:sp>
         </mc:Fallback>
       </mc:AlternateContent>
-      <mc:AlternateContent xmlns:mc="http://schemas.openxmlformats.org/markup-compatibility/2006">
-        <mc:Choice xmlns:a14="http://schemas.microsoft.com/office/drawing/2010/main" Requires="a14">
+      <mc:AlternateContent xmlns:mc="http://schemas.openxmlformats.org/markup-compatibility/2006" xmlns:a14="http://schemas.microsoft.com/office/drawing/2010/main">
+        <mc:Choice Requires="a14">
           <p:sp>
             <p:nvSpPr>
               <p:cNvPr id="28" name="TextBox 27">
@@ -13960,7 +13963,7 @@
             </p:txBody>
           </p:sp>
         </mc:Choice>
-        <mc:Fallback>
+        <mc:Fallback xmlns="">
           <p:sp>
             <p:nvSpPr>
               <p:cNvPr id="28" name="TextBox 27">
@@ -14005,8 +14008,8 @@
           </p:sp>
         </mc:Fallback>
       </mc:AlternateContent>
-      <mc:AlternateContent xmlns:mc="http://schemas.openxmlformats.org/markup-compatibility/2006">
-        <mc:Choice xmlns:a14="http://schemas.microsoft.com/office/drawing/2010/main" Requires="a14">
+      <mc:AlternateContent xmlns:mc="http://schemas.openxmlformats.org/markup-compatibility/2006" xmlns:a14="http://schemas.microsoft.com/office/drawing/2010/main">
+        <mc:Choice Requires="a14">
           <p:sp>
             <p:nvSpPr>
               <p:cNvPr id="29" name="TextBox 28">
@@ -14056,7 +14059,7 @@
             </p:txBody>
           </p:sp>
         </mc:Choice>
-        <mc:Fallback>
+        <mc:Fallback xmlns="">
           <p:sp>
             <p:nvSpPr>
               <p:cNvPr id="29" name="TextBox 28">
@@ -14189,8 +14192,8 @@
           </a:fontRef>
         </p:style>
       </p:cxnSp>
-      <mc:AlternateContent xmlns:mc="http://schemas.openxmlformats.org/markup-compatibility/2006">
-        <mc:Choice xmlns:a14="http://schemas.microsoft.com/office/drawing/2010/main" Requires="a14">
+      <mc:AlternateContent xmlns:mc="http://schemas.openxmlformats.org/markup-compatibility/2006" xmlns:a14="http://schemas.microsoft.com/office/drawing/2010/main">
+        <mc:Choice Requires="a14">
           <p:sp>
             <p:nvSpPr>
               <p:cNvPr id="32" name="TextBox 31">
@@ -14281,6 +14284,7 @@
                 <a:endParaRPr lang="en-US" altLang="ko-KR" dirty="0"/>
               </a:p>
               <a:p>
+                <a:pPr/>
                 <a14:m>
                   <m:oMathPara xmlns:m="http://schemas.openxmlformats.org/officeDocument/2006/math">
                     <m:oMathParaPr>
@@ -14307,7 +14311,7 @@
             </p:txBody>
           </p:sp>
         </mc:Choice>
-        <mc:Fallback>
+        <mc:Fallback xmlns="">
           <p:sp>
             <p:nvSpPr>
               <p:cNvPr id="32" name="TextBox 31">
@@ -14412,8 +14416,8 @@
           </a:prstGeom>
         </p:spPr>
       </p:pic>
-      <mc:AlternateContent xmlns:mc="http://schemas.openxmlformats.org/markup-compatibility/2006">
-        <mc:Choice xmlns:a14="http://schemas.microsoft.com/office/drawing/2010/main" Requires="a14">
+      <mc:AlternateContent xmlns:mc="http://schemas.openxmlformats.org/markup-compatibility/2006" xmlns:a14="http://schemas.microsoft.com/office/drawing/2010/main">
+        <mc:Choice Requires="a14">
           <p:sp>
             <p:nvSpPr>
               <p:cNvPr id="36" name="TextBox 35">
@@ -14463,7 +14467,7 @@
             </p:txBody>
           </p:sp>
         </mc:Choice>
-        <mc:Fallback>
+        <mc:Fallback xmlns="">
           <p:sp>
             <p:nvSpPr>
               <p:cNvPr id="36" name="TextBox 35">
@@ -14508,8 +14512,8 @@
           </p:sp>
         </mc:Fallback>
       </mc:AlternateContent>
-      <mc:AlternateContent xmlns:mc="http://schemas.openxmlformats.org/markup-compatibility/2006">
-        <mc:Choice xmlns:a14="http://schemas.microsoft.com/office/drawing/2010/main" Requires="a14">
+      <mc:AlternateContent xmlns:mc="http://schemas.openxmlformats.org/markup-compatibility/2006" xmlns:a14="http://schemas.microsoft.com/office/drawing/2010/main">
+        <mc:Choice Requires="a14">
           <p:sp>
             <p:nvSpPr>
               <p:cNvPr id="37" name="TextBox 36">
@@ -14559,7 +14563,7 @@
             </p:txBody>
           </p:sp>
         </mc:Choice>
-        <mc:Fallback>
+        <mc:Fallback xmlns="">
           <p:sp>
             <p:nvSpPr>
               <p:cNvPr id="37" name="TextBox 36">
@@ -14604,8 +14608,8 @@
           </p:sp>
         </mc:Fallback>
       </mc:AlternateContent>
-      <mc:AlternateContent xmlns:mc="http://schemas.openxmlformats.org/markup-compatibility/2006">
-        <mc:Choice xmlns:a14="http://schemas.microsoft.com/office/drawing/2010/main" Requires="a14">
+      <mc:AlternateContent xmlns:mc="http://schemas.openxmlformats.org/markup-compatibility/2006" xmlns:a14="http://schemas.microsoft.com/office/drawing/2010/main">
+        <mc:Choice Requires="a14">
           <p:sp>
             <p:nvSpPr>
               <p:cNvPr id="38" name="TextBox 37">
@@ -14655,7 +14659,7 @@
             </p:txBody>
           </p:sp>
         </mc:Choice>
-        <mc:Fallback>
+        <mc:Fallback xmlns="">
           <p:sp>
             <p:nvSpPr>
               <p:cNvPr id="38" name="TextBox 37">
@@ -14746,8 +14750,8 @@
           </a:fontRef>
         </p:style>
       </p:cxnSp>
-      <mc:AlternateContent xmlns:mc="http://schemas.openxmlformats.org/markup-compatibility/2006">
-        <mc:Choice xmlns:a14="http://schemas.microsoft.com/office/drawing/2010/main" Requires="a14">
+      <mc:AlternateContent xmlns:mc="http://schemas.openxmlformats.org/markup-compatibility/2006" xmlns:a14="http://schemas.microsoft.com/office/drawing/2010/main">
+        <mc:Choice Requires="a14">
           <p:sp>
             <p:nvSpPr>
               <p:cNvPr id="41" name="TextBox 40">
@@ -14797,7 +14801,7 @@
             </p:txBody>
           </p:sp>
         </mc:Choice>
-        <mc:Fallback>
+        <mc:Fallback xmlns="">
           <p:sp>
             <p:nvSpPr>
               <p:cNvPr id="41" name="TextBox 40">
@@ -14842,8 +14846,8 @@
           </p:sp>
         </mc:Fallback>
       </mc:AlternateContent>
-      <mc:AlternateContent xmlns:mc="http://schemas.openxmlformats.org/markup-compatibility/2006">
-        <mc:Choice xmlns:a14="http://schemas.microsoft.com/office/drawing/2010/main" Requires="a14">
+      <mc:AlternateContent xmlns:mc="http://schemas.openxmlformats.org/markup-compatibility/2006" xmlns:a14="http://schemas.microsoft.com/office/drawing/2010/main">
+        <mc:Choice Requires="a14">
           <p:sp>
             <p:nvSpPr>
               <p:cNvPr id="43" name="TextBox 42">
@@ -14893,7 +14897,7 @@
             </p:txBody>
           </p:sp>
         </mc:Choice>
-        <mc:Fallback>
+        <mc:Fallback xmlns="">
           <p:sp>
             <p:nvSpPr>
               <p:cNvPr id="43" name="TextBox 42">
@@ -14984,8 +14988,8 @@
           </a:fontRef>
         </p:style>
       </p:cxnSp>
-      <mc:AlternateContent xmlns:mc="http://schemas.openxmlformats.org/markup-compatibility/2006">
-        <mc:Choice xmlns:a14="http://schemas.microsoft.com/office/drawing/2010/main" Requires="a14">
+      <mc:AlternateContent xmlns:mc="http://schemas.openxmlformats.org/markup-compatibility/2006" xmlns:a14="http://schemas.microsoft.com/office/drawing/2010/main">
+        <mc:Choice Requires="a14">
           <p:sp>
             <p:nvSpPr>
               <p:cNvPr id="47" name="TextBox 46">
@@ -15035,7 +15039,7 @@
             </p:txBody>
           </p:sp>
         </mc:Choice>
-        <mc:Fallback>
+        <mc:Fallback xmlns="">
           <p:sp>
             <p:nvSpPr>
               <p:cNvPr id="47" name="TextBox 46">
@@ -15080,8 +15084,8 @@
           </p:sp>
         </mc:Fallback>
       </mc:AlternateContent>
-      <mc:AlternateContent xmlns:mc="http://schemas.openxmlformats.org/markup-compatibility/2006">
-        <mc:Choice xmlns:a14="http://schemas.microsoft.com/office/drawing/2010/main" Requires="a14">
+      <mc:AlternateContent xmlns:mc="http://schemas.openxmlformats.org/markup-compatibility/2006" xmlns:a14="http://schemas.microsoft.com/office/drawing/2010/main">
+        <mc:Choice Requires="a14">
           <p:sp>
             <p:nvSpPr>
               <p:cNvPr id="48" name="TextBox 47">
@@ -15131,7 +15135,7 @@
             </p:txBody>
           </p:sp>
         </mc:Choice>
-        <mc:Fallback>
+        <mc:Fallback xmlns="">
           <p:sp>
             <p:nvSpPr>
               <p:cNvPr id="48" name="TextBox 47">
@@ -15452,8 +15456,8 @@
           </a:fontRef>
         </p:style>
       </p:cxnSp>
-      <mc:AlternateContent xmlns:mc="http://schemas.openxmlformats.org/markup-compatibility/2006">
-        <mc:Choice xmlns:a14="http://schemas.microsoft.com/office/drawing/2010/main" Requires="a14">
+      <mc:AlternateContent xmlns:mc="http://schemas.openxmlformats.org/markup-compatibility/2006" xmlns:a14="http://schemas.microsoft.com/office/drawing/2010/main">
+        <mc:Choice Requires="a14">
           <p:sp>
             <p:nvSpPr>
               <p:cNvPr id="59" name="TextBox 58">
@@ -15503,7 +15507,7 @@
             </p:txBody>
           </p:sp>
         </mc:Choice>
-        <mc:Fallback>
+        <mc:Fallback xmlns="">
           <p:sp>
             <p:nvSpPr>
               <p:cNvPr id="59" name="TextBox 58">
@@ -15548,8 +15552,8 @@
           </p:sp>
         </mc:Fallback>
       </mc:AlternateContent>
-      <mc:AlternateContent xmlns:mc="http://schemas.openxmlformats.org/markup-compatibility/2006">
-        <mc:Choice xmlns:a14="http://schemas.microsoft.com/office/drawing/2010/main" Requires="a14">
+      <mc:AlternateContent xmlns:mc="http://schemas.openxmlformats.org/markup-compatibility/2006" xmlns:a14="http://schemas.microsoft.com/office/drawing/2010/main">
+        <mc:Choice Requires="a14">
           <p:sp>
             <p:nvSpPr>
               <p:cNvPr id="60" name="TextBox 59">
@@ -15599,7 +15603,7 @@
             </p:txBody>
           </p:sp>
         </mc:Choice>
-        <mc:Fallback>
+        <mc:Fallback xmlns="">
           <p:sp>
             <p:nvSpPr>
               <p:cNvPr id="60" name="TextBox 59">
@@ -15644,8 +15648,8 @@
           </p:sp>
         </mc:Fallback>
       </mc:AlternateContent>
-      <mc:AlternateContent xmlns:mc="http://schemas.openxmlformats.org/markup-compatibility/2006">
-        <mc:Choice xmlns:a14="http://schemas.microsoft.com/office/drawing/2010/main" Requires="a14">
+      <mc:AlternateContent xmlns:mc="http://schemas.openxmlformats.org/markup-compatibility/2006" xmlns:a14="http://schemas.microsoft.com/office/drawing/2010/main">
+        <mc:Choice Requires="a14">
           <p:sp>
             <p:nvSpPr>
               <p:cNvPr id="61" name="TextBox 60">
@@ -15695,7 +15699,7 @@
             </p:txBody>
           </p:sp>
         </mc:Choice>
-        <mc:Fallback>
+        <mc:Fallback xmlns="">
           <p:sp>
             <p:nvSpPr>
               <p:cNvPr id="61" name="TextBox 60">
@@ -15740,8 +15744,8 @@
           </p:sp>
         </mc:Fallback>
       </mc:AlternateContent>
-      <mc:AlternateContent xmlns:mc="http://schemas.openxmlformats.org/markup-compatibility/2006">
-        <mc:Choice xmlns:a14="http://schemas.microsoft.com/office/drawing/2010/main" Requires="a14">
+      <mc:AlternateContent xmlns:mc="http://schemas.openxmlformats.org/markup-compatibility/2006" xmlns:a14="http://schemas.microsoft.com/office/drawing/2010/main">
+        <mc:Choice Requires="a14">
           <p:sp>
             <p:nvSpPr>
               <p:cNvPr id="63" name="TextBox 62">
@@ -15791,7 +15795,7 @@
             </p:txBody>
           </p:sp>
         </mc:Choice>
-        <mc:Fallback>
+        <mc:Fallback xmlns="">
           <p:sp>
             <p:nvSpPr>
               <p:cNvPr id="63" name="TextBox 62">
@@ -15836,8 +15840,8 @@
           </p:sp>
         </mc:Fallback>
       </mc:AlternateContent>
-      <mc:AlternateContent xmlns:mc="http://schemas.openxmlformats.org/markup-compatibility/2006">
-        <mc:Choice xmlns:a14="http://schemas.microsoft.com/office/drawing/2010/main" Requires="a14">
+      <mc:AlternateContent xmlns:mc="http://schemas.openxmlformats.org/markup-compatibility/2006" xmlns:a14="http://schemas.microsoft.com/office/drawing/2010/main">
+        <mc:Choice Requires="a14">
           <p:sp>
             <p:nvSpPr>
               <p:cNvPr id="64" name="TextBox 63">
@@ -15887,7 +15891,7 @@
             </p:txBody>
           </p:sp>
         </mc:Choice>
-        <mc:Fallback>
+        <mc:Fallback xmlns="">
           <p:sp>
             <p:nvSpPr>
               <p:cNvPr id="64" name="TextBox 63">
@@ -15932,8 +15936,8 @@
           </p:sp>
         </mc:Fallback>
       </mc:AlternateContent>
-      <mc:AlternateContent xmlns:mc="http://schemas.openxmlformats.org/markup-compatibility/2006">
-        <mc:Choice xmlns:a14="http://schemas.microsoft.com/office/drawing/2010/main" Requires="a14">
+      <mc:AlternateContent xmlns:mc="http://schemas.openxmlformats.org/markup-compatibility/2006" xmlns:a14="http://schemas.microsoft.com/office/drawing/2010/main">
+        <mc:Choice Requires="a14">
           <p:sp>
             <p:nvSpPr>
               <p:cNvPr id="65" name="TextBox 64">
@@ -16013,7 +16017,7 @@
             </p:txBody>
           </p:sp>
         </mc:Choice>
-        <mc:Fallback>
+        <mc:Fallback xmlns="">
           <p:sp>
             <p:nvSpPr>
               <p:cNvPr id="65" name="TextBox 64">
@@ -16040,6 +16044,1257 @@
                 <a:blip r:embed="rId15"/>
                 <a:stretch>
                   <a:fillRect b="-18182"/>
+                </a:stretch>
+              </a:blipFill>
+            </p:spPr>
+            <p:txBody>
+              <a:bodyPr/>
+              <a:lstStyle/>
+              <a:p>
+                <a:r>
+                  <a:rPr lang="ko-KR" altLang="en-US">
+                    <a:noFill/>
+                  </a:rPr>
+                  <a:t> </a:t>
+                </a:r>
+              </a:p>
+            </p:txBody>
+          </p:sp>
+        </mc:Fallback>
+      </mc:AlternateContent>
+    </p:spTree>
+    <p:extLst>
+      <p:ext uri="{BB962C8B-B14F-4D97-AF65-F5344CB8AC3E}">
+        <p14:creationId xmlns:p14="http://schemas.microsoft.com/office/powerpoint/2010/main" val="3639785139"/>
+      </p:ext>
+    </p:extLst>
+  </p:cSld>
+  <p:clrMapOvr>
+    <a:masterClrMapping/>
+  </p:clrMapOvr>
+</p:sld>
+</file>
+
+<file path=ppt/slides/slide17.xml><?xml version="1.0" encoding="utf-8"?>
+<p:sld xmlns:a="http://schemas.openxmlformats.org/drawingml/2006/main" xmlns:r="http://schemas.openxmlformats.org/officeDocument/2006/relationships" xmlns:p="http://schemas.openxmlformats.org/presentationml/2006/main">
+  <p:cSld>
+    <p:spTree>
+      <p:nvGrpSpPr>
+        <p:cNvPr id="1" name=""/>
+        <p:cNvGrpSpPr/>
+        <p:nvPr/>
+      </p:nvGrpSpPr>
+      <p:grpSpPr>
+        <a:xfrm>
+          <a:off x="0" y="0"/>
+          <a:ext cx="0" cy="0"/>
+          <a:chOff x="0" y="0"/>
+          <a:chExt cx="0" cy="0"/>
+        </a:xfrm>
+      </p:grpSpPr>
+      <p:pic>
+        <p:nvPicPr>
+          <p:cNvPr id="3" name="그림 2">
+            <a:extLst>
+              <a:ext uri="{FF2B5EF4-FFF2-40B4-BE49-F238E27FC236}">
+                <a16:creationId xmlns:a16="http://schemas.microsoft.com/office/drawing/2014/main" id="{2A15BFB0-4CB2-4A9F-8B5B-540FB7A48C88}"/>
+              </a:ext>
+            </a:extLst>
+          </p:cNvPr>
+          <p:cNvPicPr>
+            <a:picLocks noChangeAspect="1"/>
+          </p:cNvPicPr>
+          <p:nvPr/>
+        </p:nvPicPr>
+        <p:blipFill>
+          <a:blip r:embed="rId2"/>
+          <a:stretch>
+            <a:fillRect/>
+          </a:stretch>
+        </p:blipFill>
+        <p:spPr>
+          <a:xfrm>
+            <a:off x="2688261" y="1182135"/>
+            <a:ext cx="7774332" cy="5110904"/>
+          </a:xfrm>
+          <a:prstGeom prst="rect">
+            <a:avLst/>
+          </a:prstGeom>
+        </p:spPr>
+      </p:pic>
+      <mc:AlternateContent xmlns:mc="http://schemas.openxmlformats.org/markup-compatibility/2006">
+        <mc:Choice xmlns:a14="http://schemas.microsoft.com/office/drawing/2010/main" Requires="a14">
+          <p:sp>
+            <p:nvSpPr>
+              <p:cNvPr id="25" name="TextBox 24">
+                <a:extLst>
+                  <a:ext uri="{FF2B5EF4-FFF2-40B4-BE49-F238E27FC236}">
+                    <a16:creationId xmlns:a16="http://schemas.microsoft.com/office/drawing/2014/main" id="{0C9E1F57-60FF-4036-A7D8-7B2CBEB5D208}"/>
+                  </a:ext>
+                </a:extLst>
+              </p:cNvPr>
+              <p:cNvSpPr txBox="1"/>
+              <p:nvPr/>
+            </p:nvSpPr>
+            <p:spPr>
+              <a:xfrm>
+                <a:off x="3299222" y="3778099"/>
+                <a:ext cx="622738" cy="584775"/>
+              </a:xfrm>
+              <a:prstGeom prst="rect">
+                <a:avLst/>
+              </a:prstGeom>
+              <a:noFill/>
+            </p:spPr>
+            <p:txBody>
+              <a:bodyPr wrap="square" rtlCol="0">
+                <a:spAutoFit/>
+              </a:bodyPr>
+              <a:lstStyle/>
+              <a:p>
+                <a:pPr/>
+                <a14:m>
+                  <m:oMathPara xmlns:m="http://schemas.openxmlformats.org/officeDocument/2006/math">
+                    <m:oMathParaPr>
+                      <m:jc m:val="centerGroup"/>
+                    </m:oMathParaPr>
+                    <m:oMath xmlns:m="http://schemas.openxmlformats.org/officeDocument/2006/math">
+                      <m:r>
+                        <a:rPr lang="en-US" altLang="ko-KR" sz="3200" b="0" i="1" smtClean="0">
+                          <a:latin typeface="Cambria Math" panose="02040503050406030204" pitchFamily="18" charset="0"/>
+                        </a:rPr>
+                        <m:t>𝑂</m:t>
+                      </m:r>
+                    </m:oMath>
+                  </m:oMathPara>
+                </a14:m>
+                <a:endParaRPr lang="ko-KR" altLang="en-US" sz="3200" dirty="0"/>
+              </a:p>
+            </p:txBody>
+          </p:sp>
+        </mc:Choice>
+        <mc:Fallback>
+          <p:sp>
+            <p:nvSpPr>
+              <p:cNvPr id="25" name="TextBox 24">
+                <a:extLst>
+                  <a:ext uri="{FF2B5EF4-FFF2-40B4-BE49-F238E27FC236}">
+                    <a16:creationId xmlns:a16="http://schemas.microsoft.com/office/drawing/2014/main" id="{0C9E1F57-60FF-4036-A7D8-7B2CBEB5D208}"/>
+                  </a:ext>
+                </a:extLst>
+              </p:cNvPr>
+              <p:cNvSpPr txBox="1">
+                <a:spLocks noRot="1" noChangeAspect="1" noMove="1" noResize="1" noEditPoints="1" noAdjustHandles="1" noChangeArrowheads="1" noChangeShapeType="1" noTextEdit="1"/>
+              </p:cNvSpPr>
+              <p:nvPr/>
+            </p:nvSpPr>
+            <p:spPr>
+              <a:xfrm>
+                <a:off x="3299222" y="3778099"/>
+                <a:ext cx="622738" cy="584775"/>
+              </a:xfrm>
+              <a:prstGeom prst="rect">
+                <a:avLst/>
+              </a:prstGeom>
+              <a:blipFill>
+                <a:blip r:embed="rId3"/>
+                <a:stretch>
+                  <a:fillRect/>
+                </a:stretch>
+              </a:blipFill>
+            </p:spPr>
+            <p:txBody>
+              <a:bodyPr/>
+              <a:lstStyle/>
+              <a:p>
+                <a:r>
+                  <a:rPr lang="ko-KR" altLang="en-US">
+                    <a:noFill/>
+                  </a:rPr>
+                  <a:t> </a:t>
+                </a:r>
+              </a:p>
+            </p:txBody>
+          </p:sp>
+        </mc:Fallback>
+      </mc:AlternateContent>
+      <mc:AlternateContent xmlns:mc="http://schemas.openxmlformats.org/markup-compatibility/2006">
+        <mc:Choice xmlns:a14="http://schemas.microsoft.com/office/drawing/2010/main" Requires="a14">
+          <p:sp>
+            <p:nvSpPr>
+              <p:cNvPr id="26" name="TextBox 25">
+                <a:extLst>
+                  <a:ext uri="{FF2B5EF4-FFF2-40B4-BE49-F238E27FC236}">
+                    <a16:creationId xmlns:a16="http://schemas.microsoft.com/office/drawing/2014/main" id="{8D1F69F5-CBA8-4B03-9766-EA92F97987ED}"/>
+                  </a:ext>
+                </a:extLst>
+              </p:cNvPr>
+              <p:cNvSpPr txBox="1"/>
+              <p:nvPr/>
+            </p:nvSpPr>
+            <p:spPr>
+              <a:xfrm>
+                <a:off x="9951659" y="3778098"/>
+                <a:ext cx="622738" cy="584775"/>
+              </a:xfrm>
+              <a:prstGeom prst="rect">
+                <a:avLst/>
+              </a:prstGeom>
+              <a:noFill/>
+            </p:spPr>
+            <p:txBody>
+              <a:bodyPr wrap="square" rtlCol="0">
+                <a:spAutoFit/>
+              </a:bodyPr>
+              <a:lstStyle/>
+              <a:p>
+                <a:pPr/>
+                <a14:m>
+                  <m:oMathPara xmlns:m="http://schemas.openxmlformats.org/officeDocument/2006/math">
+                    <m:oMathParaPr>
+                      <m:jc m:val="centerGroup"/>
+                    </m:oMathParaPr>
+                    <m:oMath xmlns:m="http://schemas.openxmlformats.org/officeDocument/2006/math">
+                      <m:r>
+                        <a:rPr lang="en-US" altLang="ko-KR" sz="3200" b="0" i="1" smtClean="0">
+                          <a:latin typeface="Cambria Math" panose="02040503050406030204" pitchFamily="18" charset="0"/>
+                        </a:rPr>
+                        <m:t>𝑥</m:t>
+                      </m:r>
+                    </m:oMath>
+                  </m:oMathPara>
+                </a14:m>
+                <a:endParaRPr lang="ko-KR" altLang="en-US" sz="3200" dirty="0"/>
+              </a:p>
+            </p:txBody>
+          </p:sp>
+        </mc:Choice>
+        <mc:Fallback>
+          <p:sp>
+            <p:nvSpPr>
+              <p:cNvPr id="26" name="TextBox 25">
+                <a:extLst>
+                  <a:ext uri="{FF2B5EF4-FFF2-40B4-BE49-F238E27FC236}">
+                    <a16:creationId xmlns:a16="http://schemas.microsoft.com/office/drawing/2014/main" id="{8D1F69F5-CBA8-4B03-9766-EA92F97987ED}"/>
+                  </a:ext>
+                </a:extLst>
+              </p:cNvPr>
+              <p:cNvSpPr txBox="1">
+                <a:spLocks noRot="1" noChangeAspect="1" noMove="1" noResize="1" noEditPoints="1" noAdjustHandles="1" noChangeArrowheads="1" noChangeShapeType="1" noTextEdit="1"/>
+              </p:cNvSpPr>
+              <p:nvPr/>
+            </p:nvSpPr>
+            <p:spPr>
+              <a:xfrm>
+                <a:off x="9951659" y="3778098"/>
+                <a:ext cx="622738" cy="584775"/>
+              </a:xfrm>
+              <a:prstGeom prst="rect">
+                <a:avLst/>
+              </a:prstGeom>
+              <a:blipFill>
+                <a:blip r:embed="rId4"/>
+                <a:stretch>
+                  <a:fillRect/>
+                </a:stretch>
+              </a:blipFill>
+            </p:spPr>
+            <p:txBody>
+              <a:bodyPr/>
+              <a:lstStyle/>
+              <a:p>
+                <a:r>
+                  <a:rPr lang="ko-KR" altLang="en-US">
+                    <a:noFill/>
+                  </a:rPr>
+                  <a:t> </a:t>
+                </a:r>
+              </a:p>
+            </p:txBody>
+          </p:sp>
+        </mc:Fallback>
+      </mc:AlternateContent>
+      <mc:AlternateContent xmlns:mc="http://schemas.openxmlformats.org/markup-compatibility/2006">
+        <mc:Choice xmlns:a14="http://schemas.microsoft.com/office/drawing/2010/main" Requires="a14">
+          <p:sp>
+            <p:nvSpPr>
+              <p:cNvPr id="27" name="TextBox 26">
+                <a:extLst>
+                  <a:ext uri="{FF2B5EF4-FFF2-40B4-BE49-F238E27FC236}">
+                    <a16:creationId xmlns:a16="http://schemas.microsoft.com/office/drawing/2014/main" id="{7E879DEF-3DAE-4CDF-9DEF-3D02622AECF7}"/>
+                  </a:ext>
+                </a:extLst>
+              </p:cNvPr>
+              <p:cNvSpPr txBox="1"/>
+              <p:nvPr/>
+            </p:nvSpPr>
+            <p:spPr>
+              <a:xfrm>
+                <a:off x="3249518" y="889747"/>
+                <a:ext cx="622738" cy="584775"/>
+              </a:xfrm>
+              <a:prstGeom prst="rect">
+                <a:avLst/>
+              </a:prstGeom>
+              <a:noFill/>
+            </p:spPr>
+            <p:txBody>
+              <a:bodyPr wrap="square" rtlCol="0">
+                <a:spAutoFit/>
+              </a:bodyPr>
+              <a:lstStyle/>
+              <a:p>
+                <a:pPr/>
+                <a14:m>
+                  <m:oMathPara xmlns:m="http://schemas.openxmlformats.org/officeDocument/2006/math">
+                    <m:oMathParaPr>
+                      <m:jc m:val="centerGroup"/>
+                    </m:oMathParaPr>
+                    <m:oMath xmlns:m="http://schemas.openxmlformats.org/officeDocument/2006/math">
+                      <m:r>
+                        <a:rPr lang="en-US" altLang="ko-KR" sz="3200" b="0" i="1" smtClean="0">
+                          <a:latin typeface="Cambria Math" panose="02040503050406030204" pitchFamily="18" charset="0"/>
+                        </a:rPr>
+                        <m:t>𝑦</m:t>
+                      </m:r>
+                    </m:oMath>
+                  </m:oMathPara>
+                </a14:m>
+                <a:endParaRPr lang="ko-KR" altLang="en-US" sz="3200" dirty="0"/>
+              </a:p>
+            </p:txBody>
+          </p:sp>
+        </mc:Choice>
+        <mc:Fallback>
+          <p:sp>
+            <p:nvSpPr>
+              <p:cNvPr id="27" name="TextBox 26">
+                <a:extLst>
+                  <a:ext uri="{FF2B5EF4-FFF2-40B4-BE49-F238E27FC236}">
+                    <a16:creationId xmlns:a16="http://schemas.microsoft.com/office/drawing/2014/main" id="{7E879DEF-3DAE-4CDF-9DEF-3D02622AECF7}"/>
+                  </a:ext>
+                </a:extLst>
+              </p:cNvPr>
+              <p:cNvSpPr txBox="1">
+                <a:spLocks noRot="1" noChangeAspect="1" noMove="1" noResize="1" noEditPoints="1" noAdjustHandles="1" noChangeArrowheads="1" noChangeShapeType="1" noTextEdit="1"/>
+              </p:cNvSpPr>
+              <p:nvPr/>
+            </p:nvSpPr>
+            <p:spPr>
+              <a:xfrm>
+                <a:off x="3249518" y="889747"/>
+                <a:ext cx="622738" cy="584775"/>
+              </a:xfrm>
+              <a:prstGeom prst="rect">
+                <a:avLst/>
+              </a:prstGeom>
+              <a:blipFill>
+                <a:blip r:embed="rId5"/>
+                <a:stretch>
+                  <a:fillRect/>
+                </a:stretch>
+              </a:blipFill>
+            </p:spPr>
+            <p:txBody>
+              <a:bodyPr/>
+              <a:lstStyle/>
+              <a:p>
+                <a:r>
+                  <a:rPr lang="ko-KR" altLang="en-US">
+                    <a:noFill/>
+                  </a:rPr>
+                  <a:t> </a:t>
+                </a:r>
+              </a:p>
+            </p:txBody>
+          </p:sp>
+        </mc:Fallback>
+      </mc:AlternateContent>
+    </p:spTree>
+    <p:extLst>
+      <p:ext uri="{BB962C8B-B14F-4D97-AF65-F5344CB8AC3E}">
+        <p14:creationId xmlns:p14="http://schemas.microsoft.com/office/powerpoint/2010/main" val="2616633157"/>
+      </p:ext>
+    </p:extLst>
+  </p:cSld>
+  <p:clrMapOvr>
+    <a:masterClrMapping/>
+  </p:clrMapOvr>
+</p:sld>
+</file>
+
+<file path=ppt/slides/slide18.xml><?xml version="1.0" encoding="utf-8"?>
+<p:sld xmlns:a="http://schemas.openxmlformats.org/drawingml/2006/main" xmlns:r="http://schemas.openxmlformats.org/officeDocument/2006/relationships" xmlns:p="http://schemas.openxmlformats.org/presentationml/2006/main">
+  <p:cSld>
+    <p:spTree>
+      <p:nvGrpSpPr>
+        <p:cNvPr id="1" name=""/>
+        <p:cNvGrpSpPr/>
+        <p:nvPr/>
+      </p:nvGrpSpPr>
+      <p:grpSpPr>
+        <a:xfrm>
+          <a:off x="0" y="0"/>
+          <a:ext cx="0" cy="0"/>
+          <a:chOff x="0" y="0"/>
+          <a:chExt cx="0" cy="0"/>
+        </a:xfrm>
+      </p:grpSpPr>
+      <p:pic>
+        <p:nvPicPr>
+          <p:cNvPr id="4" name="그림 3">
+            <a:extLst>
+              <a:ext uri="{FF2B5EF4-FFF2-40B4-BE49-F238E27FC236}">
+                <a16:creationId xmlns:a16="http://schemas.microsoft.com/office/drawing/2014/main" id="{C36103ED-6469-4A7F-814F-4A8F1666C60F}"/>
+              </a:ext>
+            </a:extLst>
+          </p:cNvPr>
+          <p:cNvPicPr>
+            <a:picLocks noChangeAspect="1"/>
+          </p:cNvPicPr>
+          <p:nvPr/>
+        </p:nvPicPr>
+        <p:blipFill>
+          <a:blip r:embed="rId2"/>
+          <a:stretch>
+            <a:fillRect/>
+          </a:stretch>
+        </p:blipFill>
+        <p:spPr>
+          <a:xfrm>
+            <a:off x="2556076" y="610172"/>
+            <a:ext cx="7079848" cy="5637656"/>
+          </a:xfrm>
+          <a:prstGeom prst="rect">
+            <a:avLst/>
+          </a:prstGeom>
+        </p:spPr>
+      </p:pic>
+      <mc:AlternateContent xmlns:mc="http://schemas.openxmlformats.org/markup-compatibility/2006">
+        <mc:Choice xmlns:a14="http://schemas.microsoft.com/office/drawing/2010/main" Requires="a14">
+          <p:sp>
+            <p:nvSpPr>
+              <p:cNvPr id="25" name="TextBox 24">
+                <a:extLst>
+                  <a:ext uri="{FF2B5EF4-FFF2-40B4-BE49-F238E27FC236}">
+                    <a16:creationId xmlns:a16="http://schemas.microsoft.com/office/drawing/2014/main" id="{0C9E1F57-60FF-4036-A7D8-7B2CBEB5D208}"/>
+                  </a:ext>
+                </a:extLst>
+              </p:cNvPr>
+              <p:cNvSpPr txBox="1"/>
+              <p:nvPr/>
+            </p:nvSpPr>
+            <p:spPr>
+              <a:xfrm>
+                <a:off x="3762209" y="3535030"/>
+                <a:ext cx="622738" cy="584775"/>
+              </a:xfrm>
+              <a:prstGeom prst="rect">
+                <a:avLst/>
+              </a:prstGeom>
+              <a:noFill/>
+            </p:spPr>
+            <p:txBody>
+              <a:bodyPr wrap="square" rtlCol="0">
+                <a:spAutoFit/>
+              </a:bodyPr>
+              <a:lstStyle/>
+              <a:p>
+                <a:pPr/>
+                <a14:m>
+                  <m:oMathPara xmlns:m="http://schemas.openxmlformats.org/officeDocument/2006/math">
+                    <m:oMathParaPr>
+                      <m:jc m:val="centerGroup"/>
+                    </m:oMathParaPr>
+                    <m:oMath xmlns:m="http://schemas.openxmlformats.org/officeDocument/2006/math">
+                      <m:r>
+                        <a:rPr lang="en-US" altLang="ko-KR" sz="3200" b="0" i="1" smtClean="0">
+                          <a:latin typeface="Cambria Math" panose="02040503050406030204" pitchFamily="18" charset="0"/>
+                        </a:rPr>
+                        <m:t>𝑂</m:t>
+                      </m:r>
+                    </m:oMath>
+                  </m:oMathPara>
+                </a14:m>
+                <a:endParaRPr lang="ko-KR" altLang="en-US" sz="3200" dirty="0"/>
+              </a:p>
+            </p:txBody>
+          </p:sp>
+        </mc:Choice>
+        <mc:Fallback>
+          <p:sp>
+            <p:nvSpPr>
+              <p:cNvPr id="25" name="TextBox 24">
+                <a:extLst>
+                  <a:ext uri="{FF2B5EF4-FFF2-40B4-BE49-F238E27FC236}">
+                    <a16:creationId xmlns:a16="http://schemas.microsoft.com/office/drawing/2014/main" id="{0C9E1F57-60FF-4036-A7D8-7B2CBEB5D208}"/>
+                  </a:ext>
+                </a:extLst>
+              </p:cNvPr>
+              <p:cNvSpPr txBox="1">
+                <a:spLocks noRot="1" noChangeAspect="1" noMove="1" noResize="1" noEditPoints="1" noAdjustHandles="1" noChangeArrowheads="1" noChangeShapeType="1" noTextEdit="1"/>
+              </p:cNvSpPr>
+              <p:nvPr/>
+            </p:nvSpPr>
+            <p:spPr>
+              <a:xfrm>
+                <a:off x="3762209" y="3535030"/>
+                <a:ext cx="622738" cy="584775"/>
+              </a:xfrm>
+              <a:prstGeom prst="rect">
+                <a:avLst/>
+              </a:prstGeom>
+              <a:blipFill>
+                <a:blip r:embed="rId3"/>
+                <a:stretch>
+                  <a:fillRect/>
+                </a:stretch>
+              </a:blipFill>
+            </p:spPr>
+            <p:txBody>
+              <a:bodyPr/>
+              <a:lstStyle/>
+              <a:p>
+                <a:r>
+                  <a:rPr lang="ko-KR" altLang="en-US">
+                    <a:noFill/>
+                  </a:rPr>
+                  <a:t> </a:t>
+                </a:r>
+              </a:p>
+            </p:txBody>
+          </p:sp>
+        </mc:Fallback>
+      </mc:AlternateContent>
+      <mc:AlternateContent xmlns:mc="http://schemas.openxmlformats.org/markup-compatibility/2006">
+        <mc:Choice xmlns:a14="http://schemas.microsoft.com/office/drawing/2010/main" Requires="a14">
+          <p:sp>
+            <p:nvSpPr>
+              <p:cNvPr id="26" name="TextBox 25">
+                <a:extLst>
+                  <a:ext uri="{FF2B5EF4-FFF2-40B4-BE49-F238E27FC236}">
+                    <a16:creationId xmlns:a16="http://schemas.microsoft.com/office/drawing/2014/main" id="{8D1F69F5-CBA8-4B03-9766-EA92F97987ED}"/>
+                  </a:ext>
+                </a:extLst>
+              </p:cNvPr>
+              <p:cNvSpPr txBox="1"/>
+              <p:nvPr/>
+            </p:nvSpPr>
+            <p:spPr>
+              <a:xfrm>
+                <a:off x="9222454" y="4223723"/>
+                <a:ext cx="622738" cy="584775"/>
+              </a:xfrm>
+              <a:prstGeom prst="rect">
+                <a:avLst/>
+              </a:prstGeom>
+              <a:noFill/>
+            </p:spPr>
+            <p:txBody>
+              <a:bodyPr wrap="square" rtlCol="0">
+                <a:spAutoFit/>
+              </a:bodyPr>
+              <a:lstStyle/>
+              <a:p>
+                <a:pPr/>
+                <a14:m>
+                  <m:oMathPara xmlns:m="http://schemas.openxmlformats.org/officeDocument/2006/math">
+                    <m:oMathParaPr>
+                      <m:jc m:val="centerGroup"/>
+                    </m:oMathParaPr>
+                    <m:oMath xmlns:m="http://schemas.openxmlformats.org/officeDocument/2006/math">
+                      <m:r>
+                        <a:rPr lang="en-US" altLang="ko-KR" sz="3200" b="0" i="1" smtClean="0">
+                          <a:latin typeface="Cambria Math" panose="02040503050406030204" pitchFamily="18" charset="0"/>
+                        </a:rPr>
+                        <m:t>𝑥</m:t>
+                      </m:r>
+                    </m:oMath>
+                  </m:oMathPara>
+                </a14:m>
+                <a:endParaRPr lang="ko-KR" altLang="en-US" sz="3200" dirty="0"/>
+              </a:p>
+            </p:txBody>
+          </p:sp>
+        </mc:Choice>
+        <mc:Fallback>
+          <p:sp>
+            <p:nvSpPr>
+              <p:cNvPr id="26" name="TextBox 25">
+                <a:extLst>
+                  <a:ext uri="{FF2B5EF4-FFF2-40B4-BE49-F238E27FC236}">
+                    <a16:creationId xmlns:a16="http://schemas.microsoft.com/office/drawing/2014/main" id="{8D1F69F5-CBA8-4B03-9766-EA92F97987ED}"/>
+                  </a:ext>
+                </a:extLst>
+              </p:cNvPr>
+              <p:cNvSpPr txBox="1">
+                <a:spLocks noRot="1" noChangeAspect="1" noMove="1" noResize="1" noEditPoints="1" noAdjustHandles="1" noChangeArrowheads="1" noChangeShapeType="1" noTextEdit="1"/>
+              </p:cNvSpPr>
+              <p:nvPr/>
+            </p:nvSpPr>
+            <p:spPr>
+              <a:xfrm>
+                <a:off x="9222454" y="4223723"/>
+                <a:ext cx="622738" cy="584775"/>
+              </a:xfrm>
+              <a:prstGeom prst="rect">
+                <a:avLst/>
+              </a:prstGeom>
+              <a:blipFill>
+                <a:blip r:embed="rId4"/>
+                <a:stretch>
+                  <a:fillRect/>
+                </a:stretch>
+              </a:blipFill>
+            </p:spPr>
+            <p:txBody>
+              <a:bodyPr/>
+              <a:lstStyle/>
+              <a:p>
+                <a:r>
+                  <a:rPr lang="ko-KR" altLang="en-US">
+                    <a:noFill/>
+                  </a:rPr>
+                  <a:t> </a:t>
+                </a:r>
+              </a:p>
+            </p:txBody>
+          </p:sp>
+        </mc:Fallback>
+      </mc:AlternateContent>
+      <mc:AlternateContent xmlns:mc="http://schemas.openxmlformats.org/markup-compatibility/2006">
+        <mc:Choice xmlns:a14="http://schemas.microsoft.com/office/drawing/2010/main" Requires="a14">
+          <p:sp>
+            <p:nvSpPr>
+              <p:cNvPr id="27" name="TextBox 26">
+                <a:extLst>
+                  <a:ext uri="{FF2B5EF4-FFF2-40B4-BE49-F238E27FC236}">
+                    <a16:creationId xmlns:a16="http://schemas.microsoft.com/office/drawing/2014/main" id="{7E879DEF-3DAE-4CDF-9DEF-3D02622AECF7}"/>
+                  </a:ext>
+                </a:extLst>
+              </p:cNvPr>
+              <p:cNvSpPr txBox="1"/>
+              <p:nvPr/>
+            </p:nvSpPr>
+            <p:spPr>
+              <a:xfrm>
+                <a:off x="3602546" y="420972"/>
+                <a:ext cx="622738" cy="584775"/>
+              </a:xfrm>
+              <a:prstGeom prst="rect">
+                <a:avLst/>
+              </a:prstGeom>
+              <a:noFill/>
+            </p:spPr>
+            <p:txBody>
+              <a:bodyPr wrap="square" rtlCol="0">
+                <a:spAutoFit/>
+              </a:bodyPr>
+              <a:lstStyle/>
+              <a:p>
+                <a:pPr/>
+                <a14:m>
+                  <m:oMathPara xmlns:m="http://schemas.openxmlformats.org/officeDocument/2006/math">
+                    <m:oMathParaPr>
+                      <m:jc m:val="centerGroup"/>
+                    </m:oMathParaPr>
+                    <m:oMath xmlns:m="http://schemas.openxmlformats.org/officeDocument/2006/math">
+                      <m:r>
+                        <a:rPr lang="en-US" altLang="ko-KR" sz="3200" b="0" i="1" smtClean="0">
+                          <a:latin typeface="Cambria Math" panose="02040503050406030204" pitchFamily="18" charset="0"/>
+                        </a:rPr>
+                        <m:t>𝑦</m:t>
+                      </m:r>
+                    </m:oMath>
+                  </m:oMathPara>
+                </a14:m>
+                <a:endParaRPr lang="ko-KR" altLang="en-US" sz="3200" dirty="0"/>
+              </a:p>
+            </p:txBody>
+          </p:sp>
+        </mc:Choice>
+        <mc:Fallback>
+          <p:sp>
+            <p:nvSpPr>
+              <p:cNvPr id="27" name="TextBox 26">
+                <a:extLst>
+                  <a:ext uri="{FF2B5EF4-FFF2-40B4-BE49-F238E27FC236}">
+                    <a16:creationId xmlns:a16="http://schemas.microsoft.com/office/drawing/2014/main" id="{7E879DEF-3DAE-4CDF-9DEF-3D02622AECF7}"/>
+                  </a:ext>
+                </a:extLst>
+              </p:cNvPr>
+              <p:cNvSpPr txBox="1">
+                <a:spLocks noRot="1" noChangeAspect="1" noMove="1" noResize="1" noEditPoints="1" noAdjustHandles="1" noChangeArrowheads="1" noChangeShapeType="1" noTextEdit="1"/>
+              </p:cNvSpPr>
+              <p:nvPr/>
+            </p:nvSpPr>
+            <p:spPr>
+              <a:xfrm>
+                <a:off x="3602546" y="420972"/>
+                <a:ext cx="622738" cy="584775"/>
+              </a:xfrm>
+              <a:prstGeom prst="rect">
+                <a:avLst/>
+              </a:prstGeom>
+              <a:blipFill>
+                <a:blip r:embed="rId5"/>
+                <a:stretch>
+                  <a:fillRect/>
+                </a:stretch>
+              </a:blipFill>
+            </p:spPr>
+            <p:txBody>
+              <a:bodyPr/>
+              <a:lstStyle/>
+              <a:p>
+                <a:r>
+                  <a:rPr lang="ko-KR" altLang="en-US">
+                    <a:noFill/>
+                  </a:rPr>
+                  <a:t> </a:t>
+                </a:r>
+              </a:p>
+            </p:txBody>
+          </p:sp>
+        </mc:Fallback>
+      </mc:AlternateContent>
+      <p:cxnSp>
+        <p:nvCxnSpPr>
+          <p:cNvPr id="6" name="직선 연결선 5">
+            <a:extLst>
+              <a:ext uri="{FF2B5EF4-FFF2-40B4-BE49-F238E27FC236}">
+                <a16:creationId xmlns:a16="http://schemas.microsoft.com/office/drawing/2014/main" id="{3D50B0AF-CBCB-49E8-9934-BA3E72745587}"/>
+              </a:ext>
+            </a:extLst>
+          </p:cNvPr>
+          <p:cNvCxnSpPr>
+            <a:cxnSpLocks/>
+          </p:cNvCxnSpPr>
+          <p:nvPr/>
+        </p:nvCxnSpPr>
+        <p:spPr>
+          <a:xfrm flipV="1">
+            <a:off x="3284242" y="920187"/>
+            <a:ext cx="4737013" cy="4161099"/>
+          </a:xfrm>
+          <a:prstGeom prst="line">
+            <a:avLst/>
+          </a:prstGeom>
+          <a:ln w="28575">
+            <a:solidFill>
+              <a:schemeClr val="tx1"/>
+            </a:solidFill>
+          </a:ln>
+        </p:spPr>
+        <p:style>
+          <a:lnRef idx="1">
+            <a:schemeClr val="accent1"/>
+          </a:lnRef>
+          <a:fillRef idx="0">
+            <a:schemeClr val="accent1"/>
+          </a:fillRef>
+          <a:effectRef idx="0">
+            <a:schemeClr val="accent1"/>
+          </a:effectRef>
+          <a:fontRef idx="minor">
+            <a:schemeClr val="tx1"/>
+          </a:fontRef>
+        </p:style>
+      </p:cxnSp>
+      <mc:AlternateContent xmlns:mc="http://schemas.openxmlformats.org/markup-compatibility/2006">
+        <mc:Choice xmlns:a14="http://schemas.microsoft.com/office/drawing/2010/main" Requires="a14">
+          <p:sp>
+            <p:nvSpPr>
+              <p:cNvPr id="33" name="TextBox 32">
+                <a:extLst>
+                  <a:ext uri="{FF2B5EF4-FFF2-40B4-BE49-F238E27FC236}">
+                    <a16:creationId xmlns:a16="http://schemas.microsoft.com/office/drawing/2014/main" id="{1FC83AB5-D039-436B-8B89-A0DCBA1ACCC9}"/>
+                  </a:ext>
+                </a:extLst>
+              </p:cNvPr>
+              <p:cNvSpPr txBox="1"/>
+              <p:nvPr/>
+            </p:nvSpPr>
+            <p:spPr>
+              <a:xfrm>
+                <a:off x="7046414" y="1665718"/>
+                <a:ext cx="1588300" cy="584775"/>
+              </a:xfrm>
+              <a:prstGeom prst="rect">
+                <a:avLst/>
+              </a:prstGeom>
+              <a:noFill/>
+            </p:spPr>
+            <p:txBody>
+              <a:bodyPr wrap="square" rtlCol="0">
+                <a:spAutoFit/>
+              </a:bodyPr>
+              <a:lstStyle/>
+              <a:p>
+                <a:pPr/>
+                <a14:m>
+                  <m:oMathPara xmlns:m="http://schemas.openxmlformats.org/officeDocument/2006/math">
+                    <m:oMathParaPr>
+                      <m:jc m:val="centerGroup"/>
+                    </m:oMathParaPr>
+                    <m:oMath xmlns:m="http://schemas.openxmlformats.org/officeDocument/2006/math">
+                      <m:r>
+                        <a:rPr lang="en-US" altLang="ko-KR" sz="3200" b="0" i="1" smtClean="0">
+                          <a:latin typeface="Cambria Math" panose="02040503050406030204" pitchFamily="18" charset="0"/>
+                        </a:rPr>
+                        <m:t>𝑦</m:t>
+                      </m:r>
+                      <m:r>
+                        <a:rPr lang="en-US" altLang="ko-KR" sz="3200" b="0" i="1" smtClean="0">
+                          <a:latin typeface="Cambria Math" panose="02040503050406030204" pitchFamily="18" charset="0"/>
+                        </a:rPr>
+                        <m:t>=</m:t>
+                      </m:r>
+                      <m:r>
+                        <a:rPr lang="en-US" altLang="ko-KR" sz="3200" b="0" i="1" smtClean="0">
+                          <a:latin typeface="Cambria Math" panose="02040503050406030204" pitchFamily="18" charset="0"/>
+                        </a:rPr>
+                        <m:t>𝑥</m:t>
+                      </m:r>
+                    </m:oMath>
+                  </m:oMathPara>
+                </a14:m>
+                <a:endParaRPr lang="ko-KR" altLang="en-US" sz="3200" dirty="0"/>
+              </a:p>
+            </p:txBody>
+          </p:sp>
+        </mc:Choice>
+        <mc:Fallback>
+          <p:sp>
+            <p:nvSpPr>
+              <p:cNvPr id="33" name="TextBox 32">
+                <a:extLst>
+                  <a:ext uri="{FF2B5EF4-FFF2-40B4-BE49-F238E27FC236}">
+                    <a16:creationId xmlns:a16="http://schemas.microsoft.com/office/drawing/2014/main" id="{1FC83AB5-D039-436B-8B89-A0DCBA1ACCC9}"/>
+                  </a:ext>
+                </a:extLst>
+              </p:cNvPr>
+              <p:cNvSpPr txBox="1">
+                <a:spLocks noRot="1" noChangeAspect="1" noMove="1" noResize="1" noEditPoints="1" noAdjustHandles="1" noChangeArrowheads="1" noChangeShapeType="1" noTextEdit="1"/>
+              </p:cNvSpPr>
+              <p:nvPr/>
+            </p:nvSpPr>
+            <p:spPr>
+              <a:xfrm>
+                <a:off x="7046414" y="1665718"/>
+                <a:ext cx="1588300" cy="584775"/>
+              </a:xfrm>
+              <a:prstGeom prst="rect">
+                <a:avLst/>
+              </a:prstGeom>
+              <a:blipFill>
+                <a:blip r:embed="rId6"/>
+                <a:stretch>
+                  <a:fillRect/>
+                </a:stretch>
+              </a:blipFill>
+            </p:spPr>
+            <p:txBody>
+              <a:bodyPr/>
+              <a:lstStyle/>
+              <a:p>
+                <a:r>
+                  <a:rPr lang="ko-KR" altLang="en-US">
+                    <a:noFill/>
+                  </a:rPr>
+                  <a:t> </a:t>
+                </a:r>
+              </a:p>
+            </p:txBody>
+          </p:sp>
+        </mc:Fallback>
+      </mc:AlternateContent>
+      <p:sp>
+        <p:nvSpPr>
+          <p:cNvPr id="9" name="자유형: 도형 8">
+            <a:extLst>
+              <a:ext uri="{FF2B5EF4-FFF2-40B4-BE49-F238E27FC236}">
+                <a16:creationId xmlns:a16="http://schemas.microsoft.com/office/drawing/2014/main" id="{CFDA3959-98C7-400E-998C-419F11D41878}"/>
+              </a:ext>
+            </a:extLst>
+          </p:cNvPr>
+          <p:cNvSpPr/>
+          <p:nvPr/>
+        </p:nvSpPr>
+        <p:spPr>
+          <a:xfrm>
+            <a:off x="4103225" y="1035934"/>
+            <a:ext cx="1956122" cy="2410956"/>
+          </a:xfrm>
+          <a:custGeom>
+            <a:avLst/>
+            <a:gdLst>
+              <a:gd name="connsiteX0" fmla="*/ 0 w 1956122"/>
+              <a:gd name="connsiteY0" fmla="*/ 121534 h 2410956"/>
+              <a:gd name="connsiteX1" fmla="*/ 341453 w 1956122"/>
+              <a:gd name="connsiteY1" fmla="*/ 1313727 h 2410956"/>
+              <a:gd name="connsiteX2" fmla="*/ 839165 w 1956122"/>
+              <a:gd name="connsiteY2" fmla="*/ 2187615 h 2410956"/>
+              <a:gd name="connsiteX3" fmla="*/ 1030147 w 1956122"/>
+              <a:gd name="connsiteY3" fmla="*/ 2390172 h 2410956"/>
+              <a:gd name="connsiteX4" fmla="*/ 1377388 w 1956122"/>
+              <a:gd name="connsiteY4" fmla="*/ 1805651 h 2410956"/>
+              <a:gd name="connsiteX5" fmla="*/ 1724628 w 1956122"/>
+              <a:gd name="connsiteY5" fmla="*/ 688694 h 2410956"/>
+              <a:gd name="connsiteX6" fmla="*/ 1956122 w 1956122"/>
+              <a:gd name="connsiteY6" fmla="*/ 0 h 2410956"/>
+            </a:gdLst>
+            <a:ahLst/>
+            <a:cxnLst>
+              <a:cxn ang="0">
+                <a:pos x="connsiteX0" y="connsiteY0"/>
+              </a:cxn>
+              <a:cxn ang="0">
+                <a:pos x="connsiteX1" y="connsiteY1"/>
+              </a:cxn>
+              <a:cxn ang="0">
+                <a:pos x="connsiteX2" y="connsiteY2"/>
+              </a:cxn>
+              <a:cxn ang="0">
+                <a:pos x="connsiteX3" y="connsiteY3"/>
+              </a:cxn>
+              <a:cxn ang="0">
+                <a:pos x="connsiteX4" y="connsiteY4"/>
+              </a:cxn>
+              <a:cxn ang="0">
+                <a:pos x="connsiteX5" y="connsiteY5"/>
+              </a:cxn>
+              <a:cxn ang="0">
+                <a:pos x="connsiteX6" y="connsiteY6"/>
+              </a:cxn>
+            </a:cxnLst>
+            <a:rect l="l" t="t" r="r" b="b"/>
+            <a:pathLst>
+              <a:path w="1956122" h="2410956">
+                <a:moveTo>
+                  <a:pt x="0" y="121534"/>
+                </a:moveTo>
+                <a:cubicBezTo>
+                  <a:pt x="100796" y="545457"/>
+                  <a:pt x="201592" y="969380"/>
+                  <a:pt x="341453" y="1313727"/>
+                </a:cubicBezTo>
+                <a:cubicBezTo>
+                  <a:pt x="481314" y="1658074"/>
+                  <a:pt x="724383" y="2008207"/>
+                  <a:pt x="839165" y="2187615"/>
+                </a:cubicBezTo>
+                <a:cubicBezTo>
+                  <a:pt x="953947" y="2367023"/>
+                  <a:pt x="940443" y="2453833"/>
+                  <a:pt x="1030147" y="2390172"/>
+                </a:cubicBezTo>
+                <a:cubicBezTo>
+                  <a:pt x="1119851" y="2326511"/>
+                  <a:pt x="1261641" y="2089231"/>
+                  <a:pt x="1377388" y="1805651"/>
+                </a:cubicBezTo>
+                <a:cubicBezTo>
+                  <a:pt x="1493135" y="1522071"/>
+                  <a:pt x="1628172" y="989636"/>
+                  <a:pt x="1724628" y="688694"/>
+                </a:cubicBezTo>
+                <a:cubicBezTo>
+                  <a:pt x="1821084" y="387752"/>
+                  <a:pt x="1888603" y="193876"/>
+                  <a:pt x="1956122" y="0"/>
+                </a:cubicBezTo>
+              </a:path>
+            </a:pathLst>
+          </a:custGeom>
+          <a:noFill/>
+          <a:ln w="28575">
+            <a:solidFill>
+              <a:schemeClr val="tx1"/>
+            </a:solidFill>
+          </a:ln>
+        </p:spPr>
+        <p:style>
+          <a:lnRef idx="2">
+            <a:schemeClr val="accent1">
+              <a:shade val="50000"/>
+            </a:schemeClr>
+          </a:lnRef>
+          <a:fillRef idx="1">
+            <a:schemeClr val="accent1"/>
+          </a:fillRef>
+          <a:effectRef idx="0">
+            <a:schemeClr val="accent1"/>
+          </a:effectRef>
+          <a:fontRef idx="minor">
+            <a:schemeClr val="lt1"/>
+          </a:fontRef>
+        </p:style>
+        <p:txBody>
+          <a:bodyPr rtlCol="0" anchor="ctr"/>
+          <a:lstStyle/>
+          <a:p>
+            <a:pPr algn="ctr"/>
+            <a:endParaRPr lang="ko-KR" altLang="en-US"/>
+          </a:p>
+        </p:txBody>
+      </p:sp>
+      <mc:AlternateContent xmlns:mc="http://schemas.openxmlformats.org/markup-compatibility/2006">
+        <mc:Choice xmlns:a14="http://schemas.microsoft.com/office/drawing/2010/main" Requires="a14">
+          <p:sp>
+            <p:nvSpPr>
+              <p:cNvPr id="39" name="TextBox 38">
+                <a:extLst>
+                  <a:ext uri="{FF2B5EF4-FFF2-40B4-BE49-F238E27FC236}">
+                    <a16:creationId xmlns:a16="http://schemas.microsoft.com/office/drawing/2014/main" id="{411B4C02-DD11-4F18-9C5A-68913DEDE628}"/>
+                  </a:ext>
+                </a:extLst>
+              </p:cNvPr>
+              <p:cNvSpPr txBox="1"/>
+              <p:nvPr/>
+            </p:nvSpPr>
+            <p:spPr>
+              <a:xfrm>
+                <a:off x="4707687" y="393285"/>
+                <a:ext cx="2079826" cy="584775"/>
+              </a:xfrm>
+              <a:prstGeom prst="rect">
+                <a:avLst/>
+              </a:prstGeom>
+              <a:noFill/>
+            </p:spPr>
+            <p:txBody>
+              <a:bodyPr wrap="square" rtlCol="0">
+                <a:spAutoFit/>
+              </a:bodyPr>
+              <a:lstStyle/>
+              <a:p>
+                <a:pPr/>
+                <a14:m>
+                  <m:oMathPara xmlns:m="http://schemas.openxmlformats.org/officeDocument/2006/math">
+                    <m:oMathParaPr>
+                      <m:jc m:val="centerGroup"/>
+                    </m:oMathParaPr>
+                    <m:oMath xmlns:m="http://schemas.openxmlformats.org/officeDocument/2006/math">
+                      <m:r>
+                        <a:rPr lang="en-US" altLang="ko-KR" sz="3200" b="0" i="1" smtClean="0">
+                          <a:latin typeface="Cambria Math" panose="02040503050406030204" pitchFamily="18" charset="0"/>
+                        </a:rPr>
+                        <m:t>𝑦</m:t>
+                      </m:r>
+                      <m:r>
+                        <a:rPr lang="en-US" altLang="ko-KR" sz="3200" b="0" i="1" smtClean="0">
+                          <a:latin typeface="Cambria Math" panose="02040503050406030204" pitchFamily="18" charset="0"/>
+                        </a:rPr>
+                        <m:t>=</m:t>
+                      </m:r>
+                      <m:r>
+                        <a:rPr lang="en-US" altLang="ko-KR" sz="3200" b="0" i="1" smtClean="0">
+                          <a:latin typeface="Cambria Math" panose="02040503050406030204" pitchFamily="18" charset="0"/>
+                        </a:rPr>
+                        <m:t>𝑓</m:t>
+                      </m:r>
+                      <m:r>
+                        <a:rPr lang="en-US" altLang="ko-KR" sz="3200" b="0" i="1" smtClean="0">
+                          <a:latin typeface="Cambria Math" panose="02040503050406030204" pitchFamily="18" charset="0"/>
+                        </a:rPr>
+                        <m:t>(</m:t>
+                      </m:r>
+                      <m:r>
+                        <a:rPr lang="en-US" altLang="ko-KR" sz="3200" b="0" i="1" smtClean="0">
+                          <a:latin typeface="Cambria Math" panose="02040503050406030204" pitchFamily="18" charset="0"/>
+                        </a:rPr>
+                        <m:t>𝑥</m:t>
+                      </m:r>
+                      <m:r>
+                        <a:rPr lang="en-US" altLang="ko-KR" sz="3200" b="0" i="1" smtClean="0">
+                          <a:latin typeface="Cambria Math" panose="02040503050406030204" pitchFamily="18" charset="0"/>
+                        </a:rPr>
+                        <m:t>)</m:t>
+                      </m:r>
+                    </m:oMath>
+                  </m:oMathPara>
+                </a14:m>
+                <a:endParaRPr lang="ko-KR" altLang="en-US" sz="3200" dirty="0"/>
+              </a:p>
+            </p:txBody>
+          </p:sp>
+        </mc:Choice>
+        <mc:Fallback>
+          <p:sp>
+            <p:nvSpPr>
+              <p:cNvPr id="39" name="TextBox 38">
+                <a:extLst>
+                  <a:ext uri="{FF2B5EF4-FFF2-40B4-BE49-F238E27FC236}">
+                    <a16:creationId xmlns:a16="http://schemas.microsoft.com/office/drawing/2014/main" id="{411B4C02-DD11-4F18-9C5A-68913DEDE628}"/>
+                  </a:ext>
+                </a:extLst>
+              </p:cNvPr>
+              <p:cNvSpPr txBox="1">
+                <a:spLocks noRot="1" noChangeAspect="1" noMove="1" noResize="1" noEditPoints="1" noAdjustHandles="1" noChangeArrowheads="1" noChangeShapeType="1" noTextEdit="1"/>
+              </p:cNvSpPr>
+              <p:nvPr/>
+            </p:nvSpPr>
+            <p:spPr>
+              <a:xfrm>
+                <a:off x="4707687" y="393285"/>
+                <a:ext cx="2079826" cy="584775"/>
+              </a:xfrm>
+              <a:prstGeom prst="rect">
+                <a:avLst/>
+              </a:prstGeom>
+              <a:blipFill>
+                <a:blip r:embed="rId7"/>
+                <a:stretch>
+                  <a:fillRect/>
+                </a:stretch>
+              </a:blipFill>
+            </p:spPr>
+            <p:txBody>
+              <a:bodyPr/>
+              <a:lstStyle/>
+              <a:p>
+                <a:r>
+                  <a:rPr lang="ko-KR" altLang="en-US">
+                    <a:noFill/>
+                  </a:rPr>
+                  <a:t> </a:t>
+                </a:r>
+              </a:p>
+            </p:txBody>
+          </p:sp>
+        </mc:Fallback>
+      </mc:AlternateContent>
+      <p:sp>
+        <p:nvSpPr>
+          <p:cNvPr id="10" name="타원 9">
+            <a:extLst>
+              <a:ext uri="{FF2B5EF4-FFF2-40B4-BE49-F238E27FC236}">
+                <a16:creationId xmlns:a16="http://schemas.microsoft.com/office/drawing/2014/main" id="{555C4E4B-CAB7-47F4-9BB8-BB7D53B4E1FA}"/>
+              </a:ext>
+            </a:extLst>
+          </p:cNvPr>
+          <p:cNvSpPr/>
+          <p:nvPr/>
+        </p:nvSpPr>
+        <p:spPr>
+          <a:xfrm>
+            <a:off x="5081286" y="3372884"/>
+            <a:ext cx="139412" cy="139412"/>
+          </a:xfrm>
+          <a:prstGeom prst="ellipse">
+            <a:avLst/>
+          </a:prstGeom>
+          <a:solidFill>
+            <a:schemeClr val="tx1"/>
+          </a:solidFill>
+          <a:ln>
+            <a:noFill/>
+          </a:ln>
+        </p:spPr>
+        <p:style>
+          <a:lnRef idx="2">
+            <a:schemeClr val="accent1">
+              <a:shade val="50000"/>
+            </a:schemeClr>
+          </a:lnRef>
+          <a:fillRef idx="1">
+            <a:schemeClr val="accent1"/>
+          </a:fillRef>
+          <a:effectRef idx="0">
+            <a:schemeClr val="accent1"/>
+          </a:effectRef>
+          <a:fontRef idx="minor">
+            <a:schemeClr val="lt1"/>
+          </a:fontRef>
+        </p:style>
+        <p:txBody>
+          <a:bodyPr rtlCol="0" anchor="ctr"/>
+          <a:lstStyle/>
+          <a:p>
+            <a:pPr algn="ctr"/>
+            <a:endParaRPr lang="ko-KR" altLang="en-US"/>
+          </a:p>
+        </p:txBody>
+      </p:sp>
+      <mc:AlternateContent xmlns:mc="http://schemas.openxmlformats.org/markup-compatibility/2006">
+        <mc:Choice xmlns:a14="http://schemas.microsoft.com/office/drawing/2010/main" Requires="a14">
+          <p:sp>
+            <p:nvSpPr>
+              <p:cNvPr id="42" name="TextBox 41">
+                <a:extLst>
+                  <a:ext uri="{FF2B5EF4-FFF2-40B4-BE49-F238E27FC236}">
+                    <a16:creationId xmlns:a16="http://schemas.microsoft.com/office/drawing/2014/main" id="{A62EEC52-E091-4FF2-9BEE-C57C73458C44}"/>
+                  </a:ext>
+                </a:extLst>
+              </p:cNvPr>
+              <p:cNvSpPr txBox="1"/>
+              <p:nvPr/>
+            </p:nvSpPr>
+            <p:spPr>
+              <a:xfrm>
+                <a:off x="5081286" y="3219908"/>
+                <a:ext cx="1588300" cy="584775"/>
+              </a:xfrm>
+              <a:prstGeom prst="rect">
+                <a:avLst/>
+              </a:prstGeom>
+              <a:noFill/>
+            </p:spPr>
+            <p:txBody>
+              <a:bodyPr wrap="square" rtlCol="0">
+                <a:spAutoFit/>
+              </a:bodyPr>
+              <a:lstStyle/>
+              <a:p>
+                <a:pPr/>
+                <a14:m>
+                  <m:oMathPara xmlns:m="http://schemas.openxmlformats.org/officeDocument/2006/math">
+                    <m:oMathParaPr>
+                      <m:jc m:val="centerGroup"/>
+                    </m:oMathParaPr>
+                    <m:oMath xmlns:m="http://schemas.openxmlformats.org/officeDocument/2006/math">
+                      <m:r>
+                        <a:rPr lang="en-US" altLang="ko-KR" sz="3200" b="0" i="1" smtClean="0">
+                          <a:latin typeface="Cambria Math" panose="02040503050406030204" pitchFamily="18" charset="0"/>
+                        </a:rPr>
+                        <m:t>(1, 1)</m:t>
+                      </m:r>
+                    </m:oMath>
+                  </m:oMathPara>
+                </a14:m>
+                <a:endParaRPr lang="ko-KR" altLang="en-US" sz="3200" dirty="0"/>
+              </a:p>
+            </p:txBody>
+          </p:sp>
+        </mc:Choice>
+        <mc:Fallback>
+          <p:sp>
+            <p:nvSpPr>
+              <p:cNvPr id="42" name="TextBox 41">
+                <a:extLst>
+                  <a:ext uri="{FF2B5EF4-FFF2-40B4-BE49-F238E27FC236}">
+                    <a16:creationId xmlns:a16="http://schemas.microsoft.com/office/drawing/2014/main" id="{A62EEC52-E091-4FF2-9BEE-C57C73458C44}"/>
+                  </a:ext>
+                </a:extLst>
+              </p:cNvPr>
+              <p:cNvSpPr txBox="1">
+                <a:spLocks noRot="1" noChangeAspect="1" noMove="1" noResize="1" noEditPoints="1" noAdjustHandles="1" noChangeArrowheads="1" noChangeShapeType="1" noTextEdit="1"/>
+              </p:cNvSpPr>
+              <p:nvPr/>
+            </p:nvSpPr>
+            <p:spPr>
+              <a:xfrm>
+                <a:off x="5081286" y="3219908"/>
+                <a:ext cx="1588300" cy="584775"/>
+              </a:xfrm>
+              <a:prstGeom prst="rect">
+                <a:avLst/>
+              </a:prstGeom>
+              <a:blipFill>
+                <a:blip r:embed="rId8"/>
+                <a:stretch>
+                  <a:fillRect/>
                 </a:stretch>
               </a:blipFill>
             </p:spPr>
